--- a/lecture_slides/models.pptx
+++ b/lecture_slides/models.pptx
@@ -267,7 +267,7 @@
             <a:fld id="{A454A267-6D32-4402-B19A-C2E2B0D7E352}" type="datetime1">
               <a:rPr lang="en-US"/>
               <a:pPr/>
-              <a:t>6/21/17</a:t>
+              <a:t>12/10/22</a:t>
             </a:fld>
             <a:endParaRPr lang="en-US"/>
           </a:p>
@@ -629,10 +629,10 @@
           </a:ln>
           <a:extLst>
             <a:ext uri="{FAA26D3D-D897-4be2-8F04-BA451C77F1D7}">
-              <ma14:placeholderFlag xmlns:ma14="http://schemas.microsoft.com/office/mac/drawingml/2011/main" val="1"/>
+              <ma14:placeholderFlag xmlns:ma14="http://schemas.microsoft.com/office/mac/drawingml/2011/main" xmlns="" val="1"/>
             </a:ext>
             <a:ext uri="{909E8E84-426E-40dd-AFC4-6F175D3DCCD1}">
-              <a14:hiddenFill xmlns:a14="http://schemas.microsoft.com/office/drawing/2010/main" xmlns="">
+              <a14:hiddenFill xmlns="" xmlns:a14="http://schemas.microsoft.com/office/drawing/2010/main">
                 <a:solidFill>
                   <a:srgbClr val="FFFFFF"/>
                 </a:solidFill>
@@ -655,17 +655,17 @@
           <a:noFill/>
           <a:extLst>
             <a:ext uri="{FAA26D3D-D897-4be2-8F04-BA451C77F1D7}">
-              <ma14:placeholderFlag xmlns:ma14="http://schemas.microsoft.com/office/mac/drawingml/2011/main" val="1"/>
+              <ma14:placeholderFlag xmlns:ma14="http://schemas.microsoft.com/office/mac/drawingml/2011/main" xmlns="" val="1"/>
             </a:ext>
             <a:ext uri="{909E8E84-426E-40dd-AFC4-6F175D3DCCD1}">
-              <a14:hiddenFill xmlns:a14="http://schemas.microsoft.com/office/drawing/2010/main" xmlns="">
+              <a14:hiddenFill xmlns="" xmlns:a14="http://schemas.microsoft.com/office/drawing/2010/main">
                 <a:solidFill>
                   <a:srgbClr val="FFFFFF"/>
                 </a:solidFill>
               </a14:hiddenFill>
             </a:ext>
             <a:ext uri="{91240B29-F687-4f45-9708-019B960494DF}">
-              <a14:hiddenLine xmlns:a14="http://schemas.microsoft.com/office/drawing/2010/main" xmlns="" w="9525">
+              <a14:hiddenLine xmlns="" xmlns:a14="http://schemas.microsoft.com/office/drawing/2010/main" w="9525">
                 <a:solidFill>
                   <a:srgbClr val="000000"/>
                 </a:solidFill>
@@ -702,14 +702,14 @@
           <a:noFill/>
           <a:extLst>
             <a:ext uri="{909E8E84-426E-40dd-AFC4-6F175D3DCCD1}">
-              <a14:hiddenFill xmlns:a14="http://schemas.microsoft.com/office/drawing/2010/main" xmlns="">
+              <a14:hiddenFill xmlns="" xmlns:a14="http://schemas.microsoft.com/office/drawing/2010/main">
                 <a:solidFill>
                   <a:srgbClr val="FFFFFF"/>
                 </a:solidFill>
               </a14:hiddenFill>
             </a:ext>
             <a:ext uri="{91240B29-F687-4f45-9708-019B960494DF}">
-              <a14:hiddenLine xmlns:a14="http://schemas.microsoft.com/office/drawing/2010/main" xmlns="" w="9525">
+              <a14:hiddenLine xmlns="" xmlns:a14="http://schemas.microsoft.com/office/drawing/2010/main" w="9525">
                 <a:solidFill>
                   <a:srgbClr val="000000"/>
                 </a:solidFill>
@@ -1070,17 +1070,17 @@
           <a:ln/>
           <a:extLst>
             <a:ext uri="{FAA26D3D-D897-4be2-8F04-BA451C77F1D7}">
-              <ma14:placeholderFlag xmlns:ma14="http://schemas.microsoft.com/office/mac/drawingml/2011/main" val="1"/>
+              <ma14:placeholderFlag xmlns:ma14="http://schemas.microsoft.com/office/mac/drawingml/2011/main" xmlns="" val="1"/>
             </a:ext>
             <a:ext uri="{909E8E84-426E-40dd-AFC4-6F175D3DCCD1}">
-              <a14:hiddenFill xmlns:a14="http://schemas.microsoft.com/office/drawing/2010/main" xmlns="">
+              <a14:hiddenFill xmlns="" xmlns:a14="http://schemas.microsoft.com/office/drawing/2010/main">
                 <a:solidFill>
                   <a:srgbClr val="FFFFFF"/>
                 </a:solidFill>
               </a14:hiddenFill>
             </a:ext>
             <a:ext uri="{91240B29-F687-4f45-9708-019B960494DF}">
-              <a14:hiddenLine xmlns:a14="http://schemas.microsoft.com/office/drawing/2010/main" xmlns="" w="9525">
+              <a14:hiddenLine xmlns="" xmlns:a14="http://schemas.microsoft.com/office/drawing/2010/main" w="9525">
                 <a:solidFill>
                   <a:srgbClr val="000000"/>
                 </a:solidFill>
@@ -1096,44 +1096,40 @@
           <a:lstStyle/>
           <a:p>
             <a:r>
-              <a:rPr lang="en-US" dirty="0" smtClean="0">
+              <a:rPr lang="en-US" dirty="0">
                 <a:ea typeface="ＭＳ Ｐゴシック" charset="0"/>
                 <a:cs typeface="ＭＳ Ｐゴシック" charset="0"/>
               </a:rPr>
               <a:t>https://</a:t>
             </a:r>
             <a:r>
-              <a:rPr lang="en-US" dirty="0" err="1" smtClean="0">
+              <a:rPr lang="en-US" dirty="0" err="1">
                 <a:ea typeface="ＭＳ Ｐゴシック" charset="0"/>
                 <a:cs typeface="ＭＳ Ｐゴシック" charset="0"/>
               </a:rPr>
               <a:t>openclipart.org</a:t>
             </a:r>
             <a:r>
-              <a:rPr lang="en-US" dirty="0" smtClean="0">
+              <a:rPr lang="en-US" dirty="0">
                 <a:ea typeface="ＭＳ Ｐゴシック" charset="0"/>
                 <a:cs typeface="ＭＳ Ｐゴシック" charset="0"/>
               </a:rPr>
               <a:t>/detail/183525/eco-green-</a:t>
             </a:r>
             <a:r>
-              <a:rPr lang="en-US" dirty="0" err="1" smtClean="0">
+              <a:rPr lang="en-US" dirty="0" err="1">
                 <a:ea typeface="ＭＳ Ｐゴシック" charset="0"/>
                 <a:cs typeface="ＭＳ Ｐゴシック" charset="0"/>
               </a:rPr>
               <a:t>recyling</a:t>
             </a:r>
             <a:r>
-              <a:rPr lang="en-US" dirty="0" smtClean="0">
+              <a:rPr lang="en-US" dirty="0">
                 <a:ea typeface="ＭＳ Ｐゴシック" charset="0"/>
                 <a:cs typeface="ＭＳ Ｐゴシック" charset="0"/>
               </a:rPr>
               <a:t>-work</a:t>
             </a:r>
-            <a:endParaRPr lang="en-US" dirty="0">
-              <a:ea typeface="ＭＳ Ｐゴシック" charset="0"/>
-              <a:cs typeface="ＭＳ Ｐゴシック" charset="0"/>
-            </a:endParaRPr>
           </a:p>
         </p:txBody>
       </p:sp>
@@ -1281,17 +1277,17 @@
           <a:ln/>
           <a:extLst>
             <a:ext uri="{FAA26D3D-D897-4be2-8F04-BA451C77F1D7}">
-              <ma14:placeholderFlag xmlns:ma14="http://schemas.microsoft.com/office/mac/drawingml/2011/main" val="1"/>
+              <ma14:placeholderFlag xmlns:ma14="http://schemas.microsoft.com/office/mac/drawingml/2011/main" xmlns="" val="1"/>
             </a:ext>
             <a:ext uri="{909E8E84-426E-40dd-AFC4-6F175D3DCCD1}">
-              <a14:hiddenFill xmlns:a14="http://schemas.microsoft.com/office/drawing/2010/main" xmlns="">
+              <a14:hiddenFill xmlns="" xmlns:a14="http://schemas.microsoft.com/office/drawing/2010/main">
                 <a:solidFill>
                   <a:srgbClr val="FFFFFF"/>
                 </a:solidFill>
               </a14:hiddenFill>
             </a:ext>
             <a:ext uri="{91240B29-F687-4f45-9708-019B960494DF}">
-              <a14:hiddenLine xmlns:a14="http://schemas.microsoft.com/office/drawing/2010/main" xmlns="" w="9525">
+              <a14:hiddenLine xmlns="" xmlns:a14="http://schemas.microsoft.com/office/drawing/2010/main" w="9525">
                 <a:solidFill>
                   <a:srgbClr val="000000"/>
                 </a:solidFill>
@@ -1457,17 +1453,17 @@
           <a:ln/>
           <a:extLst>
             <a:ext uri="{FAA26D3D-D897-4be2-8F04-BA451C77F1D7}">
-              <ma14:placeholderFlag xmlns:ma14="http://schemas.microsoft.com/office/mac/drawingml/2011/main" val="1"/>
+              <ma14:placeholderFlag xmlns:ma14="http://schemas.microsoft.com/office/mac/drawingml/2011/main" xmlns="" val="1"/>
             </a:ext>
             <a:ext uri="{909E8E84-426E-40dd-AFC4-6F175D3DCCD1}">
-              <a14:hiddenFill xmlns:a14="http://schemas.microsoft.com/office/drawing/2010/main" xmlns="">
+              <a14:hiddenFill xmlns="" xmlns:a14="http://schemas.microsoft.com/office/drawing/2010/main">
                 <a:solidFill>
                   <a:srgbClr val="FFFFFF"/>
                 </a:solidFill>
               </a14:hiddenFill>
             </a:ext>
             <a:ext uri="{91240B29-F687-4f45-9708-019B960494DF}">
-              <a14:hiddenLine xmlns:a14="http://schemas.microsoft.com/office/drawing/2010/main" xmlns="" w="9525">
+              <a14:hiddenLine xmlns="" xmlns:a14="http://schemas.microsoft.com/office/drawing/2010/main" w="9525">
                 <a:solidFill>
                   <a:srgbClr val="000000"/>
                 </a:solidFill>
@@ -1548,17 +1544,17 @@
           <a:ln/>
           <a:extLst>
             <a:ext uri="{FAA26D3D-D897-4be2-8F04-BA451C77F1D7}">
-              <ma14:placeholderFlag xmlns:ma14="http://schemas.microsoft.com/office/mac/drawingml/2011/main" val="1"/>
+              <ma14:placeholderFlag xmlns:ma14="http://schemas.microsoft.com/office/mac/drawingml/2011/main" xmlns="" val="1"/>
             </a:ext>
             <a:ext uri="{909E8E84-426E-40dd-AFC4-6F175D3DCCD1}">
-              <a14:hiddenFill xmlns:a14="http://schemas.microsoft.com/office/drawing/2010/main" xmlns="">
+              <a14:hiddenFill xmlns="" xmlns:a14="http://schemas.microsoft.com/office/drawing/2010/main">
                 <a:solidFill>
                   <a:srgbClr val="FFFFFF"/>
                 </a:solidFill>
               </a14:hiddenFill>
             </a:ext>
             <a:ext uri="{91240B29-F687-4f45-9708-019B960494DF}">
-              <a14:hiddenLine xmlns:a14="http://schemas.microsoft.com/office/drawing/2010/main" xmlns="" w="9525">
+              <a14:hiddenLine xmlns="" xmlns:a14="http://schemas.microsoft.com/office/drawing/2010/main" w="9525">
                 <a:solidFill>
                   <a:srgbClr val="000000"/>
                 </a:solidFill>
@@ -1894,17 +1890,17 @@
           <a:ln/>
           <a:extLst>
             <a:ext uri="{FAA26D3D-D897-4be2-8F04-BA451C77F1D7}">
-              <ma14:placeholderFlag xmlns:ma14="http://schemas.microsoft.com/office/mac/drawingml/2011/main" val="1"/>
+              <ma14:placeholderFlag xmlns:ma14="http://schemas.microsoft.com/office/mac/drawingml/2011/main" xmlns="" val="1"/>
             </a:ext>
             <a:ext uri="{909E8E84-426E-40dd-AFC4-6F175D3DCCD1}">
-              <a14:hiddenFill xmlns:a14="http://schemas.microsoft.com/office/drawing/2010/main" xmlns="">
+              <a14:hiddenFill xmlns="" xmlns:a14="http://schemas.microsoft.com/office/drawing/2010/main">
                 <a:solidFill>
                   <a:srgbClr val="FFFFFF"/>
                 </a:solidFill>
               </a14:hiddenFill>
             </a:ext>
             <a:ext uri="{91240B29-F687-4f45-9708-019B960494DF}">
-              <a14:hiddenLine xmlns:a14="http://schemas.microsoft.com/office/drawing/2010/main" xmlns="" w="9525">
+              <a14:hiddenLine xmlns="" xmlns:a14="http://schemas.microsoft.com/office/drawing/2010/main" w="9525">
                 <a:solidFill>
                   <a:srgbClr val="000000"/>
                 </a:solidFill>
@@ -1985,17 +1981,17 @@
           <a:ln/>
           <a:extLst>
             <a:ext uri="{FAA26D3D-D897-4be2-8F04-BA451C77F1D7}">
-              <ma14:placeholderFlag xmlns:ma14="http://schemas.microsoft.com/office/mac/drawingml/2011/main" val="1"/>
+              <ma14:placeholderFlag xmlns:ma14="http://schemas.microsoft.com/office/mac/drawingml/2011/main" xmlns="" val="1"/>
             </a:ext>
             <a:ext uri="{909E8E84-426E-40dd-AFC4-6F175D3DCCD1}">
-              <a14:hiddenFill xmlns:a14="http://schemas.microsoft.com/office/drawing/2010/main" xmlns="">
+              <a14:hiddenFill xmlns="" xmlns:a14="http://schemas.microsoft.com/office/drawing/2010/main">
                 <a:solidFill>
                   <a:srgbClr val="FFFFFF"/>
                 </a:solidFill>
               </a14:hiddenFill>
             </a:ext>
             <a:ext uri="{91240B29-F687-4f45-9708-019B960494DF}">
-              <a14:hiddenLine xmlns:a14="http://schemas.microsoft.com/office/drawing/2010/main" xmlns="" w="9525">
+              <a14:hiddenLine xmlns="" xmlns:a14="http://schemas.microsoft.com/office/drawing/2010/main" w="9525">
                 <a:solidFill>
                   <a:srgbClr val="000000"/>
                 </a:solidFill>
@@ -2063,10 +2059,9 @@
           <a:lstStyle/>
           <a:p>
             <a:r>
-              <a:rPr lang="en-US" smtClean="0"/>
+              <a:rPr lang="en-US"/>
               <a:t>Click to edit Master title style</a:t>
             </a:r>
-            <a:endParaRPr lang="en-US"/>
           </a:p>
         </p:txBody>
       </p:sp>
@@ -2182,10 +2177,9 @@
           </a:lstStyle>
           <a:p>
             <a:r>
-              <a:rPr lang="en-US" smtClean="0"/>
+              <a:rPr lang="en-US"/>
               <a:t>Click to edit Master subtitle style</a:t>
             </a:r>
-            <a:endParaRPr lang="en-US"/>
           </a:p>
         </p:txBody>
       </p:sp>
@@ -2225,7 +2219,7 @@
             <a:fld id="{E09AD6F9-13D0-41FB-BE7B-D9E4D2F0E92B}" type="datetime1">
               <a:rPr lang="en-US" smtClean="0"/>
               <a:pPr/>
-              <a:t>6/21/17</a:t>
+              <a:t>12/10/22</a:t>
             </a:fld>
             <a:endParaRPr lang="en-US"/>
           </a:p>
@@ -2356,10 +2350,9 @@
           <a:lstStyle/>
           <a:p>
             <a:r>
-              <a:rPr lang="en-US" smtClean="0"/>
+              <a:rPr lang="en-US"/>
               <a:t>Click to edit Master title style</a:t>
             </a:r>
-            <a:endParaRPr lang="en-US"/>
           </a:p>
         </p:txBody>
       </p:sp>
@@ -2380,38 +2373,37 @@
           <a:p>
             <a:pPr lvl="0"/>
             <a:r>
-              <a:rPr lang="en-US" smtClean="0"/>
+              <a:rPr lang="en-US"/>
               <a:t>Click to edit Master text styles</a:t>
             </a:r>
           </a:p>
           <a:p>
             <a:pPr lvl="1"/>
             <a:r>
-              <a:rPr lang="en-US" smtClean="0"/>
+              <a:rPr lang="en-US"/>
               <a:t>Second level</a:t>
             </a:r>
           </a:p>
           <a:p>
             <a:pPr lvl="2"/>
             <a:r>
-              <a:rPr lang="en-US" smtClean="0"/>
+              <a:rPr lang="en-US"/>
               <a:t>Third level</a:t>
             </a:r>
           </a:p>
           <a:p>
             <a:pPr lvl="3"/>
             <a:r>
-              <a:rPr lang="en-US" smtClean="0"/>
+              <a:rPr lang="en-US"/>
               <a:t>Fourth level</a:t>
             </a:r>
           </a:p>
           <a:p>
             <a:pPr lvl="4"/>
             <a:r>
-              <a:rPr lang="en-US" smtClean="0"/>
+              <a:rPr lang="en-US"/>
               <a:t>Fifth level</a:t>
             </a:r>
-            <a:endParaRPr lang="en-US"/>
           </a:p>
         </p:txBody>
       </p:sp>
@@ -2451,7 +2443,7 @@
             <a:fld id="{77AF488D-4D69-45D4-96A3-1C5661330254}" type="datetime1">
               <a:rPr lang="en-US" smtClean="0"/>
               <a:pPr/>
-              <a:t>6/21/17</a:t>
+              <a:t>12/10/22</a:t>
             </a:fld>
             <a:endParaRPr lang="en-US"/>
           </a:p>
@@ -2587,10 +2579,9 @@
           <a:lstStyle/>
           <a:p>
             <a:r>
-              <a:rPr lang="en-US" smtClean="0"/>
+              <a:rPr lang="en-US"/>
               <a:t>Click to edit Master title style</a:t>
             </a:r>
-            <a:endParaRPr lang="en-US"/>
           </a:p>
         </p:txBody>
       </p:sp>
@@ -2616,38 +2607,37 @@
           <a:p>
             <a:pPr lvl="0"/>
             <a:r>
-              <a:rPr lang="en-US" smtClean="0"/>
+              <a:rPr lang="en-US"/>
               <a:t>Click to edit Master text styles</a:t>
             </a:r>
           </a:p>
           <a:p>
             <a:pPr lvl="1"/>
             <a:r>
-              <a:rPr lang="en-US" smtClean="0"/>
+              <a:rPr lang="en-US"/>
               <a:t>Second level</a:t>
             </a:r>
           </a:p>
           <a:p>
             <a:pPr lvl="2"/>
             <a:r>
-              <a:rPr lang="en-US" smtClean="0"/>
+              <a:rPr lang="en-US"/>
               <a:t>Third level</a:t>
             </a:r>
           </a:p>
           <a:p>
             <a:pPr lvl="3"/>
             <a:r>
-              <a:rPr lang="en-US" smtClean="0"/>
+              <a:rPr lang="en-US"/>
               <a:t>Fourth level</a:t>
             </a:r>
           </a:p>
           <a:p>
             <a:pPr lvl="4"/>
             <a:r>
-              <a:rPr lang="en-US" smtClean="0"/>
+              <a:rPr lang="en-US"/>
               <a:t>Fifth level</a:t>
             </a:r>
-            <a:endParaRPr lang="en-US"/>
           </a:p>
         </p:txBody>
       </p:sp>
@@ -2687,7 +2677,7 @@
             <a:fld id="{30783285-9ED5-41A0-A7C6-D92511BA15FA}" type="datetime1">
               <a:rPr lang="en-US" smtClean="0"/>
               <a:pPr/>
-              <a:t>6/21/17</a:t>
+              <a:t>12/10/22</a:t>
             </a:fld>
             <a:endParaRPr lang="en-US"/>
           </a:p>
@@ -2823,10 +2813,9 @@
           <a:lstStyle/>
           <a:p>
             <a:r>
-              <a:rPr lang="en-US" smtClean="0"/>
+              <a:rPr lang="en-US"/>
               <a:t>Click to edit Master title style</a:t>
             </a:r>
-            <a:endParaRPr lang="en-US"/>
           </a:p>
         </p:txBody>
       </p:sp>
@@ -2852,38 +2841,37 @@
           <a:p>
             <a:pPr lvl="0"/>
             <a:r>
-              <a:rPr lang="en-US" smtClean="0"/>
+              <a:rPr lang="en-US"/>
               <a:t>Click to edit Master text styles</a:t>
             </a:r>
           </a:p>
           <a:p>
             <a:pPr lvl="1"/>
             <a:r>
-              <a:rPr lang="en-US" smtClean="0"/>
+              <a:rPr lang="en-US"/>
               <a:t>Second level</a:t>
             </a:r>
           </a:p>
           <a:p>
             <a:pPr lvl="2"/>
             <a:r>
-              <a:rPr lang="en-US" smtClean="0"/>
+              <a:rPr lang="en-US"/>
               <a:t>Third level</a:t>
             </a:r>
           </a:p>
           <a:p>
             <a:pPr lvl="3"/>
             <a:r>
-              <a:rPr lang="en-US" smtClean="0"/>
+              <a:rPr lang="en-US"/>
               <a:t>Fourth level</a:t>
             </a:r>
           </a:p>
           <a:p>
             <a:pPr lvl="4"/>
             <a:r>
-              <a:rPr lang="en-US" smtClean="0"/>
+              <a:rPr lang="en-US"/>
               <a:t>Fifth level</a:t>
             </a:r>
-            <a:endParaRPr lang="en-US"/>
           </a:p>
         </p:txBody>
       </p:sp>
@@ -2909,38 +2897,37 @@
           <a:p>
             <a:pPr lvl="0"/>
             <a:r>
-              <a:rPr lang="en-US" smtClean="0"/>
+              <a:rPr lang="en-US"/>
               <a:t>Click to edit Master text styles</a:t>
             </a:r>
           </a:p>
           <a:p>
             <a:pPr lvl="1"/>
             <a:r>
-              <a:rPr lang="en-US" smtClean="0"/>
+              <a:rPr lang="en-US"/>
               <a:t>Second level</a:t>
             </a:r>
           </a:p>
           <a:p>
             <a:pPr lvl="2"/>
             <a:r>
-              <a:rPr lang="en-US" smtClean="0"/>
+              <a:rPr lang="en-US"/>
               <a:t>Third level</a:t>
             </a:r>
           </a:p>
           <a:p>
             <a:pPr lvl="3"/>
             <a:r>
-              <a:rPr lang="en-US" smtClean="0"/>
+              <a:rPr lang="en-US"/>
               <a:t>Fourth level</a:t>
             </a:r>
           </a:p>
           <a:p>
             <a:pPr lvl="4"/>
             <a:r>
-              <a:rPr lang="en-US" smtClean="0"/>
+              <a:rPr lang="en-US"/>
               <a:t>Fifth level</a:t>
             </a:r>
-            <a:endParaRPr lang="en-US"/>
           </a:p>
         </p:txBody>
       </p:sp>
@@ -2990,10 +2977,9 @@
           <a:lstStyle/>
           <a:p>
             <a:r>
-              <a:rPr lang="en-US" smtClean="0"/>
+              <a:rPr lang="en-US"/>
               <a:t>Click to edit Master title style</a:t>
             </a:r>
-            <a:endParaRPr lang="en-US"/>
           </a:p>
         </p:txBody>
       </p:sp>
@@ -3014,38 +3000,37 @@
           <a:p>
             <a:pPr lvl="0"/>
             <a:r>
-              <a:rPr lang="en-US" smtClean="0"/>
+              <a:rPr lang="en-US"/>
               <a:t>Click to edit Master text styles</a:t>
             </a:r>
           </a:p>
           <a:p>
             <a:pPr lvl="1"/>
             <a:r>
-              <a:rPr lang="en-US" smtClean="0"/>
+              <a:rPr lang="en-US"/>
               <a:t>Second level</a:t>
             </a:r>
           </a:p>
           <a:p>
             <a:pPr lvl="2"/>
             <a:r>
-              <a:rPr lang="en-US" smtClean="0"/>
+              <a:rPr lang="en-US"/>
               <a:t>Third level</a:t>
             </a:r>
           </a:p>
           <a:p>
             <a:pPr lvl="3"/>
             <a:r>
-              <a:rPr lang="en-US" smtClean="0"/>
+              <a:rPr lang="en-US"/>
               <a:t>Fourth level</a:t>
             </a:r>
           </a:p>
           <a:p>
             <a:pPr lvl="4"/>
             <a:r>
-              <a:rPr lang="en-US" smtClean="0"/>
+              <a:rPr lang="en-US"/>
               <a:t>Fifth level</a:t>
             </a:r>
-            <a:endParaRPr lang="en-US"/>
           </a:p>
         </p:txBody>
       </p:sp>
@@ -3085,7 +3070,7 @@
             <a:fld id="{0803D500-87BB-4950-91D6-CAE90ADA5A7C}" type="datetime1">
               <a:rPr lang="en-US" smtClean="0"/>
               <a:pPr/>
-              <a:t>6/21/17</a:t>
+              <a:t>12/10/22</a:t>
             </a:fld>
             <a:endParaRPr lang="en-US" dirty="0"/>
           </a:p>
@@ -3180,13 +3165,6 @@
   <p:clrMapOvr>
     <a:masterClrMapping/>
   </p:clrMapOvr>
-  <p:timing>
-    <p:tnLst>
-      <p:par>
-        <p:cTn id="1" dur="indefinite" restart="never" nodeType="tmRoot"/>
-      </p:par>
-    </p:tnLst>
-  </p:timing>
 </p:sldLayout>
 </file>
 
@@ -3232,10 +3210,9 @@
           </a:lstStyle>
           <a:p>
             <a:r>
-              <a:rPr lang="en-US" smtClean="0"/>
+              <a:rPr lang="en-US"/>
               <a:t>Click to edit Master title style</a:t>
             </a:r>
-            <a:endParaRPr lang="en-US"/>
           </a:p>
         </p:txBody>
       </p:sp>
@@ -3352,7 +3329,7 @@
           <a:p>
             <a:pPr lvl="0"/>
             <a:r>
-              <a:rPr lang="en-US" smtClean="0"/>
+              <a:rPr lang="en-US"/>
               <a:t>Click to edit Master text styles</a:t>
             </a:r>
           </a:p>
@@ -3394,7 +3371,7 @@
             <a:fld id="{BF533223-0B88-40C3-8839-7D06D2423A38}" type="datetime1">
               <a:rPr lang="en-US" smtClean="0"/>
               <a:pPr/>
-              <a:t>6/21/17</a:t>
+              <a:t>12/10/22</a:t>
             </a:fld>
             <a:endParaRPr lang="en-US"/>
           </a:p>
@@ -3525,10 +3502,9 @@
           <a:lstStyle/>
           <a:p>
             <a:r>
-              <a:rPr lang="en-US" smtClean="0"/>
+              <a:rPr lang="en-US"/>
               <a:t>Click to edit Master title style</a:t>
             </a:r>
-            <a:endParaRPr lang="en-US"/>
           </a:p>
         </p:txBody>
       </p:sp>
@@ -3582,38 +3558,37 @@
           <a:p>
             <a:pPr lvl="0"/>
             <a:r>
-              <a:rPr lang="en-US" smtClean="0"/>
+              <a:rPr lang="en-US"/>
               <a:t>Click to edit Master text styles</a:t>
             </a:r>
           </a:p>
           <a:p>
             <a:pPr lvl="1"/>
             <a:r>
-              <a:rPr lang="en-US" smtClean="0"/>
+              <a:rPr lang="en-US"/>
               <a:t>Second level</a:t>
             </a:r>
           </a:p>
           <a:p>
             <a:pPr lvl="2"/>
             <a:r>
-              <a:rPr lang="en-US" smtClean="0"/>
+              <a:rPr lang="en-US"/>
               <a:t>Third level</a:t>
             </a:r>
           </a:p>
           <a:p>
             <a:pPr lvl="3"/>
             <a:r>
-              <a:rPr lang="en-US" smtClean="0"/>
+              <a:rPr lang="en-US"/>
               <a:t>Fourth level</a:t>
             </a:r>
           </a:p>
           <a:p>
             <a:pPr lvl="4"/>
             <a:r>
-              <a:rPr lang="en-US" smtClean="0"/>
+              <a:rPr lang="en-US"/>
               <a:t>Fifth level</a:t>
             </a:r>
-            <a:endParaRPr lang="en-US"/>
           </a:p>
         </p:txBody>
       </p:sp>
@@ -3667,38 +3642,37 @@
           <a:p>
             <a:pPr lvl="0"/>
             <a:r>
-              <a:rPr lang="en-US" smtClean="0"/>
+              <a:rPr lang="en-US"/>
               <a:t>Click to edit Master text styles</a:t>
             </a:r>
           </a:p>
           <a:p>
             <a:pPr lvl="1"/>
             <a:r>
-              <a:rPr lang="en-US" smtClean="0"/>
+              <a:rPr lang="en-US"/>
               <a:t>Second level</a:t>
             </a:r>
           </a:p>
           <a:p>
             <a:pPr lvl="2"/>
             <a:r>
-              <a:rPr lang="en-US" smtClean="0"/>
+              <a:rPr lang="en-US"/>
               <a:t>Third level</a:t>
             </a:r>
           </a:p>
           <a:p>
             <a:pPr lvl="3"/>
             <a:r>
-              <a:rPr lang="en-US" smtClean="0"/>
+              <a:rPr lang="en-US"/>
               <a:t>Fourth level</a:t>
             </a:r>
           </a:p>
           <a:p>
             <a:pPr lvl="4"/>
             <a:r>
-              <a:rPr lang="en-US" smtClean="0"/>
+              <a:rPr lang="en-US"/>
               <a:t>Fifth level</a:t>
             </a:r>
-            <a:endParaRPr lang="en-US"/>
           </a:p>
         </p:txBody>
       </p:sp>
@@ -3738,7 +3712,7 @@
             <a:fld id="{2CC1C52B-29C4-4F13-A058-4E92FD64E08C}" type="datetime1">
               <a:rPr lang="en-US" smtClean="0"/>
               <a:pPr/>
-              <a:t>6/21/17</a:t>
+              <a:t>12/10/22</a:t>
             </a:fld>
             <a:endParaRPr lang="en-US"/>
           </a:p>
@@ -3873,10 +3847,9 @@
           </a:lstStyle>
           <a:p>
             <a:r>
-              <a:rPr lang="en-US" smtClean="0"/>
+              <a:rPr lang="en-US"/>
               <a:t>Click to edit Master title style</a:t>
             </a:r>
-            <a:endParaRPr lang="en-US"/>
           </a:p>
         </p:txBody>
       </p:sp>
@@ -3939,7 +3912,7 @@
           <a:p>
             <a:pPr lvl="0"/>
             <a:r>
-              <a:rPr lang="en-US" smtClean="0"/>
+              <a:rPr lang="en-US"/>
               <a:t>Click to edit Master text styles</a:t>
             </a:r>
           </a:p>
@@ -3995,38 +3968,37 @@
           <a:p>
             <a:pPr lvl="0"/>
             <a:r>
-              <a:rPr lang="en-US" smtClean="0"/>
+              <a:rPr lang="en-US"/>
               <a:t>Click to edit Master text styles</a:t>
             </a:r>
           </a:p>
           <a:p>
             <a:pPr lvl="1"/>
             <a:r>
-              <a:rPr lang="en-US" smtClean="0"/>
+              <a:rPr lang="en-US"/>
               <a:t>Second level</a:t>
             </a:r>
           </a:p>
           <a:p>
             <a:pPr lvl="2"/>
             <a:r>
-              <a:rPr lang="en-US" smtClean="0"/>
+              <a:rPr lang="en-US"/>
               <a:t>Third level</a:t>
             </a:r>
           </a:p>
           <a:p>
             <a:pPr lvl="3"/>
             <a:r>
-              <a:rPr lang="en-US" smtClean="0"/>
+              <a:rPr lang="en-US"/>
               <a:t>Fourth level</a:t>
             </a:r>
           </a:p>
           <a:p>
             <a:pPr lvl="4"/>
             <a:r>
-              <a:rPr lang="en-US" smtClean="0"/>
+              <a:rPr lang="en-US"/>
               <a:t>Fifth level</a:t>
             </a:r>
-            <a:endParaRPr lang="en-US"/>
           </a:p>
         </p:txBody>
       </p:sp>
@@ -4089,7 +4061,7 @@
           <a:p>
             <a:pPr lvl="0"/>
             <a:r>
-              <a:rPr lang="en-US" smtClean="0"/>
+              <a:rPr lang="en-US"/>
               <a:t>Click to edit Master text styles</a:t>
             </a:r>
           </a:p>
@@ -4145,38 +4117,37 @@
           <a:p>
             <a:pPr lvl="0"/>
             <a:r>
-              <a:rPr lang="en-US" smtClean="0"/>
+              <a:rPr lang="en-US"/>
               <a:t>Click to edit Master text styles</a:t>
             </a:r>
           </a:p>
           <a:p>
             <a:pPr lvl="1"/>
             <a:r>
-              <a:rPr lang="en-US" smtClean="0"/>
+              <a:rPr lang="en-US"/>
               <a:t>Second level</a:t>
             </a:r>
           </a:p>
           <a:p>
             <a:pPr lvl="2"/>
             <a:r>
-              <a:rPr lang="en-US" smtClean="0"/>
+              <a:rPr lang="en-US"/>
               <a:t>Third level</a:t>
             </a:r>
           </a:p>
           <a:p>
             <a:pPr lvl="3"/>
             <a:r>
-              <a:rPr lang="en-US" smtClean="0"/>
+              <a:rPr lang="en-US"/>
               <a:t>Fourth level</a:t>
             </a:r>
           </a:p>
           <a:p>
             <a:pPr lvl="4"/>
             <a:r>
-              <a:rPr lang="en-US" smtClean="0"/>
+              <a:rPr lang="en-US"/>
               <a:t>Fifth level</a:t>
             </a:r>
-            <a:endParaRPr lang="en-US"/>
           </a:p>
         </p:txBody>
       </p:sp>
@@ -4216,7 +4187,7 @@
             <a:fld id="{6F248663-A60D-448A-8FC0-03CA8A99F1EA}" type="datetime1">
               <a:rPr lang="en-US" smtClean="0"/>
               <a:pPr/>
-              <a:t>6/21/17</a:t>
+              <a:t>12/10/22</a:t>
             </a:fld>
             <a:endParaRPr lang="en-US"/>
           </a:p>
@@ -4347,10 +4318,9 @@
           <a:lstStyle/>
           <a:p>
             <a:r>
-              <a:rPr lang="en-US" smtClean="0"/>
+              <a:rPr lang="en-US"/>
               <a:t>Click to edit Master title style</a:t>
             </a:r>
-            <a:endParaRPr lang="en-US"/>
           </a:p>
         </p:txBody>
       </p:sp>
@@ -4390,7 +4360,7 @@
             <a:fld id="{6D45F553-873C-4099-BC24-D40961381BAE}" type="datetime1">
               <a:rPr lang="en-US" smtClean="0"/>
               <a:pPr/>
-              <a:t>6/21/17</a:t>
+              <a:t>12/10/22</a:t>
             </a:fld>
             <a:endParaRPr lang="en-US"/>
           </a:p>
@@ -4485,13 +4455,6 @@
   <p:clrMapOvr>
     <a:masterClrMapping/>
   </p:clrMapOvr>
-  <p:timing>
-    <p:tnLst>
-      <p:par>
-        <p:cTn id="1" dur="indefinite" restart="never" nodeType="tmRoot"/>
-      </p:par>
-    </p:tnLst>
-  </p:timing>
 </p:sldLayout>
 </file>
 
@@ -4548,7 +4511,7 @@
             <a:fld id="{FFDE9422-1655-4D93-BF44-07740897DB75}" type="datetime1">
               <a:rPr lang="en-US" smtClean="0"/>
               <a:pPr/>
-              <a:t>6/21/17</a:t>
+              <a:t>12/10/22</a:t>
             </a:fld>
             <a:endParaRPr lang="en-US"/>
           </a:p>
@@ -4688,10 +4651,9 @@
           </a:lstStyle>
           <a:p>
             <a:r>
-              <a:rPr lang="en-US" smtClean="0"/>
+              <a:rPr lang="en-US"/>
               <a:t>Click to edit Master title style</a:t>
             </a:r>
-            <a:endParaRPr lang="en-US"/>
           </a:p>
         </p:txBody>
       </p:sp>
@@ -4745,38 +4707,37 @@
           <a:p>
             <a:pPr lvl="0"/>
             <a:r>
-              <a:rPr lang="en-US" smtClean="0"/>
+              <a:rPr lang="en-US"/>
               <a:t>Click to edit Master text styles</a:t>
             </a:r>
           </a:p>
           <a:p>
             <a:pPr lvl="1"/>
             <a:r>
-              <a:rPr lang="en-US" smtClean="0"/>
+              <a:rPr lang="en-US"/>
               <a:t>Second level</a:t>
             </a:r>
           </a:p>
           <a:p>
             <a:pPr lvl="2"/>
             <a:r>
-              <a:rPr lang="en-US" smtClean="0"/>
+              <a:rPr lang="en-US"/>
               <a:t>Third level</a:t>
             </a:r>
           </a:p>
           <a:p>
             <a:pPr lvl="3"/>
             <a:r>
-              <a:rPr lang="en-US" smtClean="0"/>
+              <a:rPr lang="en-US"/>
               <a:t>Fourth level</a:t>
             </a:r>
           </a:p>
           <a:p>
             <a:pPr lvl="4"/>
             <a:r>
-              <a:rPr lang="en-US" smtClean="0"/>
+              <a:rPr lang="en-US"/>
               <a:t>Fifth level</a:t>
             </a:r>
-            <a:endParaRPr lang="en-US"/>
           </a:p>
         </p:txBody>
       </p:sp>
@@ -4839,7 +4800,7 @@
           <a:p>
             <a:pPr lvl="0"/>
             <a:r>
-              <a:rPr lang="en-US" smtClean="0"/>
+              <a:rPr lang="en-US"/>
               <a:t>Click to edit Master text styles</a:t>
             </a:r>
           </a:p>
@@ -4881,7 +4842,7 @@
             <a:fld id="{2CA32EA0-F3C9-4DD5-8B2D-AC3F456587CE}" type="datetime1">
               <a:rPr lang="en-US" smtClean="0"/>
               <a:pPr/>
-              <a:t>6/21/17</a:t>
+              <a:t>12/10/22</a:t>
             </a:fld>
             <a:endParaRPr lang="en-US"/>
           </a:p>
@@ -5021,10 +4982,9 @@
           </a:lstStyle>
           <a:p>
             <a:r>
-              <a:rPr lang="en-US" smtClean="0"/>
+              <a:rPr lang="en-US"/>
               <a:t>Click to edit Master title style</a:t>
             </a:r>
-            <a:endParaRPr lang="en-US"/>
           </a:p>
         </p:txBody>
       </p:sp>
@@ -5088,7 +5048,7 @@
           </a:lstStyle>
           <a:p>
             <a:pPr lvl="0"/>
-            <a:endParaRPr lang="en-US" noProof="0" smtClean="0"/>
+            <a:endParaRPr lang="en-US" noProof="0"/>
           </a:p>
         </p:txBody>
       </p:sp>
@@ -5151,7 +5111,7 @@
           <a:p>
             <a:pPr lvl="0"/>
             <a:r>
-              <a:rPr lang="en-US" smtClean="0"/>
+              <a:rPr lang="en-US"/>
               <a:t>Click to edit Master text styles</a:t>
             </a:r>
           </a:p>
@@ -5193,7 +5153,7 @@
             <a:fld id="{F12DBC1D-DE4C-42ED-8A40-DA5274C15AFB}" type="datetime1">
               <a:rPr lang="en-US" smtClean="0"/>
               <a:pPr/>
-              <a:t>6/21/17</a:t>
+              <a:t>12/10/22</a:t>
             </a:fld>
             <a:endParaRPr lang="en-US"/>
           </a:p>
@@ -5349,7 +5309,7 @@
           <a:p>
             <a:pPr lvl="0"/>
             <a:r>
-              <a:rPr lang="en-US" smtClean="0"/>
+              <a:rPr lang="en-US"/>
               <a:t>Click to edit Master title style</a:t>
             </a:r>
           </a:p>
@@ -5391,35 +5351,35 @@
           <a:p>
             <a:pPr lvl="0"/>
             <a:r>
-              <a:rPr lang="en-US" smtClean="0"/>
+              <a:rPr lang="en-US"/>
               <a:t>Click to edit Master text styles</a:t>
             </a:r>
           </a:p>
           <a:p>
             <a:pPr lvl="1"/>
             <a:r>
-              <a:rPr lang="en-US" smtClean="0"/>
+              <a:rPr lang="en-US"/>
               <a:t>Second level</a:t>
             </a:r>
           </a:p>
           <a:p>
             <a:pPr lvl="2"/>
             <a:r>
-              <a:rPr lang="en-US" smtClean="0"/>
+              <a:rPr lang="en-US"/>
               <a:t>Third level</a:t>
             </a:r>
           </a:p>
           <a:p>
             <a:pPr lvl="3"/>
             <a:r>
-              <a:rPr lang="en-US" smtClean="0"/>
+              <a:rPr lang="en-US"/>
               <a:t>Fourth level</a:t>
             </a:r>
           </a:p>
           <a:p>
             <a:pPr lvl="4"/>
             <a:r>
-              <a:rPr lang="en-US" smtClean="0"/>
+              <a:rPr lang="en-US"/>
               <a:t>Fifth level</a:t>
             </a:r>
           </a:p>
@@ -5442,13 +5402,6 @@
     <p:sldLayoutId id="2147484479" r:id="rId11"/>
     <p:sldLayoutId id="2147484480" r:id="rId12"/>
   </p:sldLayoutIdLst>
-  <p:timing>
-    <p:tnLst>
-      <p:par>
-        <p:cTn id="1" dur="indefinite" restart="never" nodeType="tmRoot"/>
-      </p:par>
-    </p:tnLst>
-  </p:timing>
   <p:txStyles>
     <p:titleStyle>
       <a:lvl1pPr algn="ctr" defTabSz="457200" rtl="0" eaLnBrk="0" fontAlgn="base" hangingPunct="0">
@@ -5866,79 +5819,102 @@
             <p:ph type="ctrTitle"/>
           </p:nvPr>
         </p:nvSpPr>
-        <p:spPr/>
+        <p:spPr>
+          <a:xfrm>
+            <a:off x="685800" y="0"/>
+            <a:ext cx="7772400" cy="1470025"/>
+          </a:xfrm>
+        </p:spPr>
         <p:txBody>
           <a:bodyPr/>
           <a:lstStyle/>
           <a:p>
             <a:r>
-              <a:rPr lang="en-US" dirty="0" smtClean="0">
+              <a:rPr lang="en-US" dirty="0">
                 <a:latin typeface="Trebuchet MS" charset="0"/>
                 <a:ea typeface="ＭＳ Ｐゴシック" charset="0"/>
               </a:rPr>
-              <a:t>10b. Models </a:t>
+              <a:t>Models of Computation</a:t>
             </a:r>
-            <a:r>
-              <a:rPr lang="en-US" dirty="0" smtClean="0">
-                <a:latin typeface="Trebuchet MS" charset="0"/>
-                <a:ea typeface="ＭＳ Ｐゴシック" charset="0"/>
-              </a:rPr>
-              <a:t>of Computation</a:t>
-            </a:r>
-            <a:endParaRPr lang="en-US" dirty="0">
-              <a:latin typeface="Trebuchet MS" charset="0"/>
-              <a:ea typeface="ＭＳ Ｐゴシック" charset="0"/>
-            </a:endParaRPr>
           </a:p>
         </p:txBody>
       </p:sp>
+      <p:pic>
+        <p:nvPicPr>
+          <p:cNvPr id="6" name="Picture 5">
+            <a:extLst>
+              <a:ext uri="{FF2B5EF4-FFF2-40B4-BE49-F238E27FC236}">
+                <a16:creationId xmlns:a16="http://schemas.microsoft.com/office/drawing/2014/main" id="{BE97B97E-5B53-456E-9F2C-99F420A47501}"/>
+              </a:ext>
+            </a:extLst>
+          </p:cNvPr>
+          <p:cNvPicPr>
+            <a:picLocks noChangeAspect="1"/>
+          </p:cNvPicPr>
+          <p:nvPr/>
+        </p:nvPicPr>
+        <p:blipFill>
+          <a:blip r:embed="rId3"/>
+          <a:stretch>
+            <a:fillRect/>
+          </a:stretch>
+        </p:blipFill>
+        <p:spPr>
+          <a:xfrm>
+            <a:off x="653143" y="1143000"/>
+            <a:ext cx="7772400" cy="4863710"/>
+          </a:xfrm>
+          <a:prstGeom prst="rect">
+            <a:avLst/>
+          </a:prstGeom>
+        </p:spPr>
+      </p:pic>
       <p:sp>
         <p:nvSpPr>
-          <p:cNvPr id="4" name="Subtitle 3"/>
-          <p:cNvSpPr>
-            <a:spLocks noGrp="1"/>
-          </p:cNvSpPr>
-          <p:nvPr>
-            <p:ph type="subTitle" idx="1"/>
-          </p:nvPr>
+          <p:cNvPr id="7" name="TextBox 6">
+            <a:extLst>
+              <a:ext uri="{FF2B5EF4-FFF2-40B4-BE49-F238E27FC236}">
+                <a16:creationId xmlns:a16="http://schemas.microsoft.com/office/drawing/2014/main" id="{D96C1D2C-D480-D7C2-90F7-6576AB947EED}"/>
+              </a:ext>
+            </a:extLst>
+          </p:cNvPr>
+          <p:cNvSpPr txBox="1"/>
+          <p:nvPr/>
         </p:nvSpPr>
-        <p:spPr/>
+        <p:spPr>
+          <a:xfrm>
+            <a:off x="5817137" y="6006710"/>
+            <a:ext cx="2608406" cy="338554"/>
+          </a:xfrm>
+          <a:prstGeom prst="rect">
+            <a:avLst/>
+          </a:prstGeom>
+          <a:noFill/>
+        </p:spPr>
         <p:txBody>
-          <a:bodyPr/>
+          <a:bodyPr wrap="none" rtlCol="0">
+            <a:spAutoFit/>
+          </a:bodyPr>
           <a:lstStyle/>
           <a:p>
-            <a:pPr>
-              <a:defRPr/>
-            </a:pPr>
             <a:r>
-              <a:rPr lang="en-US" dirty="0" smtClean="0"/>
-              <a:t>6.004x Computation Structures</a:t>
+              <a:rPr lang="en-US" sz="1600" dirty="0">
+                <a:latin typeface="+mj-lt"/>
+              </a:rPr>
+              <a:t>https://</a:t>
             </a:r>
-          </a:p>
-          <a:p>
-            <a:pPr>
-              <a:defRPr/>
-            </a:pPr>
             <a:r>
-              <a:rPr lang="en-US" dirty="0" smtClean="0"/>
-              <a:t>Part 2 – Computer Architecture</a:t>
+              <a:rPr lang="en-US" sz="1600" dirty="0" err="1">
+                <a:latin typeface="+mj-lt"/>
+              </a:rPr>
+              <a:t>xkcd.com</a:t>
             </a:r>
-          </a:p>
-          <a:p>
-            <a:pPr>
-              <a:defRPr/>
-            </a:pPr>
-            <a:endParaRPr lang="en-US" dirty="0"/>
-          </a:p>
-          <a:p>
-            <a:pPr>
-              <a:defRPr/>
-            </a:pPr>
             <a:r>
-              <a:rPr lang="en-US" dirty="0" smtClean="0"/>
-              <a:t>Copyright © 2015 MIT EECS</a:t>
+              <a:rPr lang="en-US" sz="1600" dirty="0">
+                <a:latin typeface="+mj-lt"/>
+              </a:rPr>
+              <a:t>/205/</a:t>
             </a:r>
-            <a:endParaRPr lang="en-US" dirty="0"/>
           </a:p>
         </p:txBody>
       </p:sp>
@@ -5952,13 +5928,6 @@
   <p:clrMapOvr>
     <a:masterClrMapping/>
   </p:clrMapOvr>
-  <p:timing>
-    <p:tnLst>
-      <p:par>
-        <p:cTn id="1" dur="indefinite" restart="never" nodeType="tmRoot"/>
-      </p:par>
-    </p:tnLst>
-  </p:timing>
 </p:sld>
 </file>
 
@@ -5995,10 +5964,9 @@
           <a:lstStyle/>
           <a:p>
             <a:r>
-              <a:rPr lang="en-US" dirty="0" smtClean="0"/>
+              <a:rPr lang="en-US" dirty="0"/>
               <a:t>Universality</a:t>
             </a:r>
-            <a:endParaRPr lang="en-US" dirty="0"/>
           </a:p>
         </p:txBody>
       </p:sp>
@@ -6078,14 +6046,14 @@
             </a:ln>
             <a:extLst>
               <a:ext uri="{909E8E84-426E-40dd-AFC4-6F175D3DCCD1}">
-                <a14:hiddenFill xmlns:a14="http://schemas.microsoft.com/office/drawing/2010/main" xmlns="">
+                <a14:hiddenFill xmlns="" xmlns:a14="http://schemas.microsoft.com/office/drawing/2010/main">
                   <a:solidFill>
                     <a:srgbClr val="FFFFFF"/>
                   </a:solidFill>
                 </a14:hiddenFill>
               </a:ext>
               <a:ext uri="{91240B29-F687-4f45-9708-019B960494DF}">
-                <a14:hiddenLine xmlns:a14="http://schemas.microsoft.com/office/drawing/2010/main" xmlns="" w="9525">
+                <a14:hiddenLine xmlns="" xmlns:a14="http://schemas.microsoft.com/office/drawing/2010/main" w="9525">
                   <a:solidFill>
                     <a:srgbClr val="000000"/>
                   </a:solidFill>
@@ -6252,7 +6220,7 @@
             </a:ln>
             <a:extLst>
               <a:ext uri="{909E8E84-426E-40dd-AFC4-6F175D3DCCD1}">
-                <a14:hiddenFill xmlns:a14="http://schemas.microsoft.com/office/drawing/2010/main" xmlns="">
+                <a14:hiddenFill xmlns="" xmlns:a14="http://schemas.microsoft.com/office/drawing/2010/main">
                   <a:noFill/>
                 </a14:hiddenFill>
               </a:ext>
@@ -6290,14 +6258,14 @@
             </a:ln>
             <a:extLst>
               <a:ext uri="{909E8E84-426E-40dd-AFC4-6F175D3DCCD1}">
-                <a14:hiddenFill xmlns:a14="http://schemas.microsoft.com/office/drawing/2010/main" xmlns="">
+                <a14:hiddenFill xmlns="" xmlns:a14="http://schemas.microsoft.com/office/drawing/2010/main">
                   <a:solidFill>
                     <a:srgbClr val="FFFFFF"/>
                   </a:solidFill>
                 </a14:hiddenFill>
               </a:ext>
               <a:ext uri="{91240B29-F687-4f45-9708-019B960494DF}">
-                <a14:hiddenLine xmlns:a14="http://schemas.microsoft.com/office/drawing/2010/main" xmlns="" w="9525">
+                <a14:hiddenLine xmlns="" xmlns:a14="http://schemas.microsoft.com/office/drawing/2010/main" w="9525">
                   <a:solidFill>
                     <a:srgbClr val="000000"/>
                   </a:solidFill>
@@ -6458,7 +6426,7 @@
             </a:ln>
             <a:extLst>
               <a:ext uri="{909E8E84-426E-40dd-AFC4-6F175D3DCCD1}">
-                <a14:hiddenFill xmlns:a14="http://schemas.microsoft.com/office/drawing/2010/main" xmlns="">
+                <a14:hiddenFill xmlns="" xmlns:a14="http://schemas.microsoft.com/office/drawing/2010/main">
                   <a:noFill/>
                 </a14:hiddenFill>
               </a:ext>
@@ -6496,14 +6464,14 @@
             </a:ln>
             <a:extLst>
               <a:ext uri="{909E8E84-426E-40dd-AFC4-6F175D3DCCD1}">
-                <a14:hiddenFill xmlns:a14="http://schemas.microsoft.com/office/drawing/2010/main" xmlns="">
+                <a14:hiddenFill xmlns="" xmlns:a14="http://schemas.microsoft.com/office/drawing/2010/main">
                   <a:solidFill>
                     <a:srgbClr val="FFFFFF"/>
                   </a:solidFill>
                 </a14:hiddenFill>
               </a:ext>
               <a:ext uri="{91240B29-F687-4f45-9708-019B960494DF}">
-                <a14:hiddenLine xmlns:a14="http://schemas.microsoft.com/office/drawing/2010/main" xmlns="" w="9525">
+                <a14:hiddenLine xmlns="" xmlns:a14="http://schemas.microsoft.com/office/drawing/2010/main" w="9525">
                   <a:solidFill>
                     <a:srgbClr val="000000"/>
                   </a:solidFill>
@@ -6664,7 +6632,7 @@
             </a:ln>
             <a:extLst>
               <a:ext uri="{909E8E84-426E-40dd-AFC4-6F175D3DCCD1}">
-                <a14:hiddenFill xmlns:a14="http://schemas.microsoft.com/office/drawing/2010/main" xmlns="">
+                <a14:hiddenFill xmlns="" xmlns:a14="http://schemas.microsoft.com/office/drawing/2010/main">
                   <a:noFill/>
                 </a14:hiddenFill>
               </a:ext>
@@ -6702,14 +6670,14 @@
             </a:ln>
             <a:extLst>
               <a:ext uri="{909E8E84-426E-40dd-AFC4-6F175D3DCCD1}">
-                <a14:hiddenFill xmlns:a14="http://schemas.microsoft.com/office/drawing/2010/main" xmlns="">
+                <a14:hiddenFill xmlns="" xmlns:a14="http://schemas.microsoft.com/office/drawing/2010/main">
                   <a:solidFill>
                     <a:srgbClr val="FFFFFF"/>
                   </a:solidFill>
                 </a14:hiddenFill>
               </a:ext>
               <a:ext uri="{91240B29-F687-4f45-9708-019B960494DF}">
-                <a14:hiddenLine xmlns:a14="http://schemas.microsoft.com/office/drawing/2010/main" xmlns="" w="9525">
+                <a14:hiddenLine xmlns="" xmlns:a14="http://schemas.microsoft.com/office/drawing/2010/main" w="9525">
                   <a:solidFill>
                     <a:srgbClr val="000000"/>
                   </a:solidFill>
@@ -6877,14 +6845,14 @@
           </a:ln>
           <a:extLst>
             <a:ext uri="{909E8E84-426E-40dd-AFC4-6F175D3DCCD1}">
-              <a14:hiddenFill xmlns:a14="http://schemas.microsoft.com/office/drawing/2010/main" xmlns="">
+              <a14:hiddenFill xmlns="" xmlns:a14="http://schemas.microsoft.com/office/drawing/2010/main">
                 <a:solidFill>
                   <a:srgbClr val="FFFFFF"/>
                 </a:solidFill>
               </a14:hiddenFill>
             </a:ext>
             <a:ext uri="{91240B29-F687-4f45-9708-019B960494DF}">
-              <a14:hiddenLine xmlns:a14="http://schemas.microsoft.com/office/drawing/2010/main" xmlns="" w="9525">
+              <a14:hiddenLine xmlns="" xmlns:a14="http://schemas.microsoft.com/office/drawing/2010/main" w="9525">
                 <a:solidFill>
                   <a:srgbClr val="000000"/>
                 </a:solidFill>
@@ -7060,19 +7028,7 @@
               <a:rPr lang="en-US" altLang="ja-JP" sz="2000" b="0" dirty="0">
                 <a:latin typeface="+mj-lt"/>
               </a:rPr>
-              <a:t> – </a:t>
-            </a:r>
-            <a:r>
-              <a:rPr lang="en-US" altLang="ja-JP" sz="2000" b="0" dirty="0" smtClean="0">
-                <a:latin typeface="+mj-lt"/>
-              </a:rPr>
-              <a:t>a description </a:t>
-            </a:r>
-            <a:r>
-              <a:rPr lang="en-US" altLang="ja-JP" sz="2000" b="0" dirty="0">
-                <a:latin typeface="+mj-lt"/>
-              </a:rPr>
-              <a:t>of some arbitrary machine.</a:t>
+              <a:t> – a description of some arbitrary machine.</a:t>
             </a:r>
           </a:p>
           <a:p>
@@ -7205,14 +7161,14 @@
             </a:ln>
             <a:extLst>
               <a:ext uri="{909E8E84-426E-40dd-AFC4-6F175D3DCCD1}">
-                <a14:hiddenFill xmlns:a14="http://schemas.microsoft.com/office/drawing/2010/main" xmlns="">
+                <a14:hiddenFill xmlns="" xmlns:a14="http://schemas.microsoft.com/office/drawing/2010/main">
                   <a:solidFill>
                     <a:srgbClr val="FFFFFF"/>
                   </a:solidFill>
                 </a14:hiddenFill>
               </a:ext>
               <a:ext uri="{91240B29-F687-4f45-9708-019B960494DF}">
-                <a14:hiddenLine xmlns:a14="http://schemas.microsoft.com/office/drawing/2010/main" xmlns="" w="9525">
+                <a14:hiddenLine xmlns="" xmlns:a14="http://schemas.microsoft.com/office/drawing/2010/main" w="9525">
                   <a:solidFill>
                     <a:srgbClr val="000000"/>
                   </a:solidFill>
@@ -7398,10 +7354,9 @@
           <a:lstStyle/>
           <a:p>
             <a:r>
-              <a:rPr lang="en-US" dirty="0" smtClean="0"/>
+              <a:rPr lang="en-US" dirty="0"/>
               <a:t>Turing Universality</a:t>
             </a:r>
-            <a:endParaRPr lang="en-US" dirty="0"/>
           </a:p>
         </p:txBody>
       </p:sp>
@@ -7427,14 +7382,14 @@
           </a:ln>
           <a:extLst>
             <a:ext uri="{909E8E84-426E-40dd-AFC4-6F175D3DCCD1}">
-              <a14:hiddenFill xmlns:a14="http://schemas.microsoft.com/office/drawing/2010/main" xmlns="">
+              <a14:hiddenFill xmlns="" xmlns:a14="http://schemas.microsoft.com/office/drawing/2010/main">
                 <a:solidFill>
                   <a:srgbClr val="FFFFFF"/>
                 </a:solidFill>
               </a14:hiddenFill>
             </a:ext>
             <a:ext uri="{91240B29-F687-4f45-9708-019B960494DF}">
-              <a14:hiddenLine xmlns:a14="http://schemas.microsoft.com/office/drawing/2010/main" xmlns="" w="9525">
+              <a14:hiddenLine xmlns="" xmlns:a14="http://schemas.microsoft.com/office/drawing/2010/main" w="9525">
                 <a:solidFill>
                   <a:srgbClr val="000000"/>
                 </a:solidFill>
@@ -7560,7 +7515,7 @@
           <a:p>
             <a:pPr marL="0" indent="0"/>
             <a:r>
-              <a:rPr lang="en-US" sz="2000" b="0" dirty="0" smtClean="0">
+              <a:rPr lang="en-US" sz="2000" b="0" dirty="0">
                 <a:latin typeface="+mj-lt"/>
               </a:rPr>
               <a:t>The </a:t>
@@ -7575,17 +7530,8 @@
               <a:rPr lang="en-US" sz="2000" b="0" dirty="0">
                 <a:latin typeface="+mj-lt"/>
               </a:rPr>
-              <a:t> is the paradigm for modern general-purpose </a:t>
+              <a:t> is the paradigm for modern general-purpose computers!</a:t>
             </a:r>
-            <a:r>
-              <a:rPr lang="en-US" sz="2000" b="0" dirty="0" smtClean="0">
-                <a:latin typeface="+mj-lt"/>
-              </a:rPr>
-              <a:t>computers!</a:t>
-            </a:r>
-            <a:endParaRPr lang="en-US" sz="2000" b="0" dirty="0">
-              <a:latin typeface="+mj-lt"/>
-            </a:endParaRPr>
           </a:p>
         </p:txBody>
       </p:sp>
@@ -7611,14 +7557,14 @@
           </a:ln>
           <a:extLst>
             <a:ext uri="{909E8E84-426E-40dd-AFC4-6F175D3DCCD1}">
-              <a14:hiddenFill xmlns:a14="http://schemas.microsoft.com/office/drawing/2010/main" xmlns="">
+              <a14:hiddenFill xmlns="" xmlns:a14="http://schemas.microsoft.com/office/drawing/2010/main">
                 <a:solidFill>
                   <a:srgbClr val="FFFFFF"/>
                 </a:solidFill>
               </a14:hiddenFill>
             </a:ext>
             <a:ext uri="{91240B29-F687-4f45-9708-019B960494DF}">
-              <a14:hiddenLine xmlns:a14="http://schemas.microsoft.com/office/drawing/2010/main" xmlns="" w="9525">
+              <a14:hiddenLine xmlns="" xmlns:a14="http://schemas.microsoft.com/office/drawing/2010/main" w="9525">
                 <a:solidFill>
                   <a:srgbClr val="000000"/>
                 </a:solidFill>
@@ -7748,25 +7694,13 @@
               </a:lnSpc>
             </a:pPr>
             <a:r>
-              <a:rPr lang="en-US" sz="2000" b="0" dirty="0" smtClean="0">
-                <a:latin typeface="+mj-lt"/>
-              </a:rPr>
-              <a:t>Basic </a:t>
-            </a:r>
-            <a:r>
               <a:rPr lang="en-US" sz="2000" b="0" dirty="0">
                 <a:latin typeface="+mj-lt"/>
               </a:rPr>
-              <a:t>threshold test:  Is your </a:t>
+              <a:t>Basic threshold test:  Is your computer </a:t>
             </a:r>
             <a:r>
-              <a:rPr lang="en-US" sz="2000" b="0" dirty="0" smtClean="0">
-                <a:latin typeface="+mj-lt"/>
-              </a:rPr>
-              <a:t>computer </a:t>
-            </a:r>
-            <a:r>
-              <a:rPr lang="en-US" sz="2000" b="0" i="1" dirty="0" smtClean="0">
+              <a:rPr lang="en-US" sz="2000" b="0" i="1" dirty="0">
                 <a:solidFill>
                   <a:srgbClr val="FF0000"/>
                 </a:solidFill>
@@ -7775,7 +7709,7 @@
               <a:t>Turing Universal </a:t>
             </a:r>
             <a:r>
-              <a:rPr lang="en-US" sz="2000" b="0" dirty="0" smtClean="0">
+              <a:rPr lang="en-US" sz="2000" b="0" dirty="0">
                 <a:latin typeface="+mj-lt"/>
               </a:rPr>
               <a:t>?</a:t>
@@ -7790,26 +7724,11 @@
               <a:buChar char="•"/>
             </a:pPr>
             <a:r>
-              <a:rPr lang="en-US" sz="2000" b="0" dirty="0" smtClean="0">
-                <a:latin typeface="+mj-lt"/>
-              </a:rPr>
-              <a:t>If </a:t>
-            </a:r>
-            <a:r>
               <a:rPr lang="en-US" sz="2000" b="0" dirty="0">
                 <a:latin typeface="+mj-lt"/>
               </a:rPr>
-              <a:t>so, it can emulate every other Turing machine</a:t>
+              <a:t>If so, it can emulate every other Turing machine!</a:t>
             </a:r>
-            <a:r>
-              <a:rPr lang="en-US" sz="2000" b="0" dirty="0" smtClean="0">
-                <a:latin typeface="+mj-lt"/>
-              </a:rPr>
-              <a:t>!</a:t>
-            </a:r>
-            <a:endParaRPr lang="en-US" sz="2000" b="0" dirty="0">
-              <a:latin typeface="+mj-lt"/>
-            </a:endParaRPr>
           </a:p>
           <a:p>
             <a:pPr marL="914400" lvl="1" indent="-225425">
@@ -7820,14 +7739,11 @@
               <a:buChar char="•"/>
             </a:pPr>
             <a:r>
-              <a:rPr lang="en-US" sz="2000" b="0" dirty="0" smtClean="0">
+              <a:rPr lang="en-US" sz="2000" b="0" dirty="0">
                 <a:latin typeface="+mj-lt"/>
               </a:rPr>
               <a:t>Thus, your computer can compute any computable function</a:t>
             </a:r>
-            <a:endParaRPr lang="en-US" sz="2000" b="0" dirty="0">
-              <a:latin typeface="+mj-lt"/>
-            </a:endParaRPr>
           </a:p>
         </p:txBody>
       </p:sp>
@@ -7853,14 +7769,14 @@
           </a:ln>
           <a:extLst>
             <a:ext uri="{909E8E84-426E-40dd-AFC4-6F175D3DCCD1}">
-              <a14:hiddenFill xmlns:a14="http://schemas.microsoft.com/office/drawing/2010/main" xmlns="">
+              <a14:hiddenFill xmlns="" xmlns:a14="http://schemas.microsoft.com/office/drawing/2010/main">
                 <a:solidFill>
                   <a:srgbClr val="FFFFFF"/>
                 </a:solidFill>
               </a14:hiddenFill>
             </a:ext>
             <a:ext uri="{91240B29-F687-4f45-9708-019B960494DF}">
-              <a14:hiddenLine xmlns:a14="http://schemas.microsoft.com/office/drawing/2010/main" xmlns="" w="9525">
+              <a14:hiddenLine xmlns="" xmlns:a14="http://schemas.microsoft.com/office/drawing/2010/main" w="9525">
                 <a:solidFill>
                   <a:srgbClr val="000000"/>
                 </a:solidFill>
@@ -7990,34 +7906,10 @@
               </a:lnSpc>
             </a:pPr>
             <a:r>
-              <a:rPr lang="en-US" sz="2000" b="0" dirty="0" smtClean="0">
-                <a:latin typeface="+mj-lt"/>
-              </a:rPr>
-              <a:t>To </a:t>
-            </a:r>
-            <a:r>
               <a:rPr lang="en-US" sz="2000" b="0" dirty="0">
                 <a:latin typeface="+mj-lt"/>
               </a:rPr>
-              <a:t>show your </a:t>
-            </a:r>
-            <a:r>
-              <a:rPr lang="en-US" sz="2000" b="0" dirty="0" smtClean="0">
-                <a:latin typeface="+mj-lt"/>
-              </a:rPr>
-              <a:t>computer is </a:t>
-            </a:r>
-            <a:r>
-              <a:rPr lang="en-US" sz="2000" b="0" dirty="0">
-                <a:latin typeface="+mj-lt"/>
-              </a:rPr>
-              <a:t>Universal: demonstrate that it can emulate some known UTM</a:t>
-            </a:r>
-            <a:r>
-              <a:rPr lang="en-US" sz="2000" b="0" dirty="0" smtClean="0">
-                <a:latin typeface="+mj-lt"/>
-              </a:rPr>
-              <a:t>.</a:t>
+              <a:t>To show your computer is Universal: demonstrate that it can emulate some known UTM.</a:t>
             </a:r>
           </a:p>
           <a:p>
@@ -8029,7 +7921,7 @@
               <a:buChar char="•"/>
             </a:pPr>
             <a:r>
-              <a:rPr lang="en-US" sz="2000" b="0" dirty="0" smtClean="0">
+              <a:rPr lang="en-US" sz="2000" b="0" dirty="0">
                 <a:latin typeface="+mj-lt"/>
               </a:rPr>
               <a:t>Actually given finite memory, can only emulate UTMs + inputs up to a certain size</a:t>
@@ -8044,14 +7936,11 @@
               <a:buChar char="•"/>
             </a:pPr>
             <a:r>
-              <a:rPr lang="en-US" sz="2000" b="0" dirty="0" smtClean="0">
+              <a:rPr lang="en-US" sz="2000" b="0" dirty="0">
                 <a:latin typeface="+mj-lt"/>
               </a:rPr>
               <a:t>This is not a high bar: conditional branches (BEQ) and some simple arithmetic (SUB) are enough.</a:t>
             </a:r>
-            <a:endParaRPr lang="en-US" sz="2000" b="0" dirty="0">
-              <a:latin typeface="+mj-lt"/>
-            </a:endParaRPr>
           </a:p>
         </p:txBody>
       </p:sp>
@@ -8299,14 +8188,14 @@
           </a:ln>
           <a:extLst>
             <a:ext uri="{909E8E84-426E-40dd-AFC4-6F175D3DCCD1}">
-              <a14:hiddenFill xmlns:a14="http://schemas.microsoft.com/office/drawing/2010/main" xmlns="">
+              <a14:hiddenFill xmlns="" xmlns:a14="http://schemas.microsoft.com/office/drawing/2010/main">
                 <a:solidFill>
                   <a:srgbClr val="FFFFFF"/>
                 </a:solidFill>
               </a14:hiddenFill>
             </a:ext>
             <a:ext uri="{91240B29-F687-4f45-9708-019B960494DF}">
-              <a14:hiddenLine xmlns:a14="http://schemas.microsoft.com/office/drawing/2010/main" xmlns="" w="9525">
+              <a14:hiddenLine xmlns="" xmlns:a14="http://schemas.microsoft.com/office/drawing/2010/main" w="9525">
                 <a:solidFill>
                   <a:srgbClr val="000000"/>
                 </a:solidFill>
@@ -8520,7 +8409,7 @@
               </a:ln>
               <a:extLst>
                 <a:ext uri="{91240B29-F687-4f45-9708-019B960494DF}">
-                  <a14:hiddenLine xmlns:a14="http://schemas.microsoft.com/office/drawing/2010/main" xmlns="" w="9525">
+                  <a14:hiddenLine xmlns="" xmlns:a14="http://schemas.microsoft.com/office/drawing/2010/main" w="9525">
                     <a:solidFill>
                       <a:srgbClr val="000000"/>
                     </a:solidFill>
@@ -8804,7 +8693,7 @@
                     </a:ln>
                     <a:extLst>
                       <a:ext uri="{909E8E84-426E-40dd-AFC4-6F175D3DCCD1}">
-                        <a14:hiddenFill xmlns:a14="http://schemas.microsoft.com/office/drawing/2010/main" xmlns="">
+                        <a14:hiddenFill xmlns="" xmlns:a14="http://schemas.microsoft.com/office/drawing/2010/main">
                           <a:noFill/>
                         </a14:hiddenFill>
                       </a:ext>
@@ -8847,7 +8736,7 @@
                     </a:ln>
                     <a:extLst>
                       <a:ext uri="{909E8E84-426E-40dd-AFC4-6F175D3DCCD1}">
-                        <a14:hiddenFill xmlns:a14="http://schemas.microsoft.com/office/drawing/2010/main" xmlns="">
+                        <a14:hiddenFill xmlns="" xmlns:a14="http://schemas.microsoft.com/office/drawing/2010/main">
                           <a:noFill/>
                         </a14:hiddenFill>
                       </a:ext>
@@ -8890,7 +8779,7 @@
                     </a:ln>
                     <a:extLst>
                       <a:ext uri="{909E8E84-426E-40dd-AFC4-6F175D3DCCD1}">
-                        <a14:hiddenFill xmlns:a14="http://schemas.microsoft.com/office/drawing/2010/main" xmlns="">
+                        <a14:hiddenFill xmlns="" xmlns:a14="http://schemas.microsoft.com/office/drawing/2010/main">
                           <a:noFill/>
                         </a14:hiddenFill>
                       </a:ext>
@@ -8933,7 +8822,7 @@
                     </a:ln>
                     <a:extLst>
                       <a:ext uri="{909E8E84-426E-40dd-AFC4-6F175D3DCCD1}">
-                        <a14:hiddenFill xmlns:a14="http://schemas.microsoft.com/office/drawing/2010/main" xmlns="">
+                        <a14:hiddenFill xmlns="" xmlns:a14="http://schemas.microsoft.com/office/drawing/2010/main">
                           <a:noFill/>
                         </a14:hiddenFill>
                       </a:ext>
@@ -8976,7 +8865,7 @@
                     </a:ln>
                     <a:extLst>
                       <a:ext uri="{909E8E84-426E-40dd-AFC4-6F175D3DCCD1}">
-                        <a14:hiddenFill xmlns:a14="http://schemas.microsoft.com/office/drawing/2010/main" xmlns="">
+                        <a14:hiddenFill xmlns="" xmlns:a14="http://schemas.microsoft.com/office/drawing/2010/main">
                           <a:noFill/>
                         </a14:hiddenFill>
                       </a:ext>
@@ -9019,7 +8908,7 @@
                     </a:ln>
                     <a:extLst>
                       <a:ext uri="{909E8E84-426E-40dd-AFC4-6F175D3DCCD1}">
-                        <a14:hiddenFill xmlns:a14="http://schemas.microsoft.com/office/drawing/2010/main" xmlns="">
+                        <a14:hiddenFill xmlns="" xmlns:a14="http://schemas.microsoft.com/office/drawing/2010/main">
                           <a:noFill/>
                         </a14:hiddenFill>
                       </a:ext>
@@ -9062,7 +8951,7 @@
                     </a:ln>
                     <a:extLst>
                       <a:ext uri="{909E8E84-426E-40dd-AFC4-6F175D3DCCD1}">
-                        <a14:hiddenFill xmlns:a14="http://schemas.microsoft.com/office/drawing/2010/main" xmlns="">
+                        <a14:hiddenFill xmlns="" xmlns:a14="http://schemas.microsoft.com/office/drawing/2010/main">
                           <a:noFill/>
                         </a14:hiddenFill>
                       </a:ext>
@@ -9105,7 +8994,7 @@
                     </a:ln>
                     <a:extLst>
                       <a:ext uri="{909E8E84-426E-40dd-AFC4-6F175D3DCCD1}">
-                        <a14:hiddenFill xmlns:a14="http://schemas.microsoft.com/office/drawing/2010/main" xmlns="">
+                        <a14:hiddenFill xmlns="" xmlns:a14="http://schemas.microsoft.com/office/drawing/2010/main">
                           <a:noFill/>
                         </a14:hiddenFill>
                       </a:ext>
@@ -9148,7 +9037,7 @@
                     </a:ln>
                     <a:extLst>
                       <a:ext uri="{909E8E84-426E-40dd-AFC4-6F175D3DCCD1}">
-                        <a14:hiddenFill xmlns:a14="http://schemas.microsoft.com/office/drawing/2010/main" xmlns="">
+                        <a14:hiddenFill xmlns="" xmlns:a14="http://schemas.microsoft.com/office/drawing/2010/main">
                           <a:noFill/>
                         </a14:hiddenFill>
                       </a:ext>
@@ -9191,7 +9080,7 @@
                     </a:ln>
                     <a:extLst>
                       <a:ext uri="{909E8E84-426E-40dd-AFC4-6F175D3DCCD1}">
-                        <a14:hiddenFill xmlns:a14="http://schemas.microsoft.com/office/drawing/2010/main" xmlns="">
+                        <a14:hiddenFill xmlns="" xmlns:a14="http://schemas.microsoft.com/office/drawing/2010/main">
                           <a:noFill/>
                         </a14:hiddenFill>
                       </a:ext>
@@ -9234,7 +9123,7 @@
                     </a:ln>
                     <a:extLst>
                       <a:ext uri="{909E8E84-426E-40dd-AFC4-6F175D3DCCD1}">
-                        <a14:hiddenFill xmlns:a14="http://schemas.microsoft.com/office/drawing/2010/main" xmlns="">
+                        <a14:hiddenFill xmlns="" xmlns:a14="http://schemas.microsoft.com/office/drawing/2010/main">
                           <a:noFill/>
                         </a14:hiddenFill>
                       </a:ext>
@@ -9643,7 +9532,7 @@
                     </a:ln>
                     <a:extLst>
                       <a:ext uri="{909E8E84-426E-40dd-AFC4-6F175D3DCCD1}">
-                        <a14:hiddenFill xmlns:a14="http://schemas.microsoft.com/office/drawing/2010/main" xmlns="">
+                        <a14:hiddenFill xmlns="" xmlns:a14="http://schemas.microsoft.com/office/drawing/2010/main">
                           <a:noFill/>
                         </a14:hiddenFill>
                       </a:ext>
@@ -9686,7 +9575,7 @@
                     </a:ln>
                     <a:extLst>
                       <a:ext uri="{909E8E84-426E-40dd-AFC4-6F175D3DCCD1}">
-                        <a14:hiddenFill xmlns:a14="http://schemas.microsoft.com/office/drawing/2010/main" xmlns="">
+                        <a14:hiddenFill xmlns="" xmlns:a14="http://schemas.microsoft.com/office/drawing/2010/main">
                           <a:noFill/>
                         </a14:hiddenFill>
                       </a:ext>
@@ -9729,7 +9618,7 @@
                     </a:ln>
                     <a:extLst>
                       <a:ext uri="{909E8E84-426E-40dd-AFC4-6F175D3DCCD1}">
-                        <a14:hiddenFill xmlns:a14="http://schemas.microsoft.com/office/drawing/2010/main" xmlns="">
+                        <a14:hiddenFill xmlns="" xmlns:a14="http://schemas.microsoft.com/office/drawing/2010/main">
                           <a:noFill/>
                         </a14:hiddenFill>
                       </a:ext>
@@ -9772,7 +9661,7 @@
                     </a:ln>
                     <a:extLst>
                       <a:ext uri="{909E8E84-426E-40dd-AFC4-6F175D3DCCD1}">
-                        <a14:hiddenFill xmlns:a14="http://schemas.microsoft.com/office/drawing/2010/main" xmlns="">
+                        <a14:hiddenFill xmlns="" xmlns:a14="http://schemas.microsoft.com/office/drawing/2010/main">
                           <a:noFill/>
                         </a14:hiddenFill>
                       </a:ext>
@@ -9815,7 +9704,7 @@
                     </a:ln>
                     <a:extLst>
                       <a:ext uri="{909E8E84-426E-40dd-AFC4-6F175D3DCCD1}">
-                        <a14:hiddenFill xmlns:a14="http://schemas.microsoft.com/office/drawing/2010/main" xmlns="">
+                        <a14:hiddenFill xmlns="" xmlns:a14="http://schemas.microsoft.com/office/drawing/2010/main">
                           <a:noFill/>
                         </a14:hiddenFill>
                       </a:ext>
@@ -9858,7 +9747,7 @@
                     </a:ln>
                     <a:extLst>
                       <a:ext uri="{909E8E84-426E-40dd-AFC4-6F175D3DCCD1}">
-                        <a14:hiddenFill xmlns:a14="http://schemas.microsoft.com/office/drawing/2010/main" xmlns="">
+                        <a14:hiddenFill xmlns="" xmlns:a14="http://schemas.microsoft.com/office/drawing/2010/main">
                           <a:noFill/>
                         </a14:hiddenFill>
                       </a:ext>
@@ -9901,7 +9790,7 @@
                     </a:ln>
                     <a:extLst>
                       <a:ext uri="{909E8E84-426E-40dd-AFC4-6F175D3DCCD1}">
-                        <a14:hiddenFill xmlns:a14="http://schemas.microsoft.com/office/drawing/2010/main" xmlns="">
+                        <a14:hiddenFill xmlns="" xmlns:a14="http://schemas.microsoft.com/office/drawing/2010/main">
                           <a:noFill/>
                         </a14:hiddenFill>
                       </a:ext>
@@ -9944,7 +9833,7 @@
                     </a:ln>
                     <a:extLst>
                       <a:ext uri="{909E8E84-426E-40dd-AFC4-6F175D3DCCD1}">
-                        <a14:hiddenFill xmlns:a14="http://schemas.microsoft.com/office/drawing/2010/main" xmlns="">
+                        <a14:hiddenFill xmlns="" xmlns:a14="http://schemas.microsoft.com/office/drawing/2010/main">
                           <a:noFill/>
                         </a14:hiddenFill>
                       </a:ext>
@@ -9987,7 +9876,7 @@
                     </a:ln>
                     <a:extLst>
                       <a:ext uri="{909E8E84-426E-40dd-AFC4-6F175D3DCCD1}">
-                        <a14:hiddenFill xmlns:a14="http://schemas.microsoft.com/office/drawing/2010/main" xmlns="">
+                        <a14:hiddenFill xmlns="" xmlns:a14="http://schemas.microsoft.com/office/drawing/2010/main">
                           <a:noFill/>
                         </a14:hiddenFill>
                       </a:ext>
@@ -10030,7 +9919,7 @@
                     </a:ln>
                     <a:extLst>
                       <a:ext uri="{909E8E84-426E-40dd-AFC4-6F175D3DCCD1}">
-                        <a14:hiddenFill xmlns:a14="http://schemas.microsoft.com/office/drawing/2010/main" xmlns="">
+                        <a14:hiddenFill xmlns="" xmlns:a14="http://schemas.microsoft.com/office/drawing/2010/main">
                           <a:noFill/>
                         </a14:hiddenFill>
                       </a:ext>
@@ -10073,7 +9962,7 @@
                     </a:ln>
                     <a:extLst>
                       <a:ext uri="{909E8E84-426E-40dd-AFC4-6F175D3DCCD1}">
-                        <a14:hiddenFill xmlns:a14="http://schemas.microsoft.com/office/drawing/2010/main" xmlns="">
+                        <a14:hiddenFill xmlns="" xmlns:a14="http://schemas.microsoft.com/office/drawing/2010/main">
                           <a:noFill/>
                         </a14:hiddenFill>
                       </a:ext>
@@ -10482,7 +10371,7 @@
                     </a:ln>
                     <a:extLst>
                       <a:ext uri="{909E8E84-426E-40dd-AFC4-6F175D3DCCD1}">
-                        <a14:hiddenFill xmlns:a14="http://schemas.microsoft.com/office/drawing/2010/main" xmlns="">
+                        <a14:hiddenFill xmlns="" xmlns:a14="http://schemas.microsoft.com/office/drawing/2010/main">
                           <a:noFill/>
                         </a14:hiddenFill>
                       </a:ext>
@@ -10525,7 +10414,7 @@
                     </a:ln>
                     <a:extLst>
                       <a:ext uri="{909E8E84-426E-40dd-AFC4-6F175D3DCCD1}">
-                        <a14:hiddenFill xmlns:a14="http://schemas.microsoft.com/office/drawing/2010/main" xmlns="">
+                        <a14:hiddenFill xmlns="" xmlns:a14="http://schemas.microsoft.com/office/drawing/2010/main">
                           <a:noFill/>
                         </a14:hiddenFill>
                       </a:ext>
@@ -10568,7 +10457,7 @@
                     </a:ln>
                     <a:extLst>
                       <a:ext uri="{909E8E84-426E-40dd-AFC4-6F175D3DCCD1}">
-                        <a14:hiddenFill xmlns:a14="http://schemas.microsoft.com/office/drawing/2010/main" xmlns="">
+                        <a14:hiddenFill xmlns="" xmlns:a14="http://schemas.microsoft.com/office/drawing/2010/main">
                           <a:noFill/>
                         </a14:hiddenFill>
                       </a:ext>
@@ -10611,7 +10500,7 @@
                     </a:ln>
                     <a:extLst>
                       <a:ext uri="{909E8E84-426E-40dd-AFC4-6F175D3DCCD1}">
-                        <a14:hiddenFill xmlns:a14="http://schemas.microsoft.com/office/drawing/2010/main" xmlns="">
+                        <a14:hiddenFill xmlns="" xmlns:a14="http://schemas.microsoft.com/office/drawing/2010/main">
                           <a:noFill/>
                         </a14:hiddenFill>
                       </a:ext>
@@ -10654,7 +10543,7 @@
                     </a:ln>
                     <a:extLst>
                       <a:ext uri="{909E8E84-426E-40dd-AFC4-6F175D3DCCD1}">
-                        <a14:hiddenFill xmlns:a14="http://schemas.microsoft.com/office/drawing/2010/main" xmlns="">
+                        <a14:hiddenFill xmlns="" xmlns:a14="http://schemas.microsoft.com/office/drawing/2010/main">
                           <a:noFill/>
                         </a14:hiddenFill>
                       </a:ext>
@@ -10697,7 +10586,7 @@
                     </a:ln>
                     <a:extLst>
                       <a:ext uri="{909E8E84-426E-40dd-AFC4-6F175D3DCCD1}">
-                        <a14:hiddenFill xmlns:a14="http://schemas.microsoft.com/office/drawing/2010/main" xmlns="">
+                        <a14:hiddenFill xmlns="" xmlns:a14="http://schemas.microsoft.com/office/drawing/2010/main">
                           <a:noFill/>
                         </a14:hiddenFill>
                       </a:ext>
@@ -10740,7 +10629,7 @@
                     </a:ln>
                     <a:extLst>
                       <a:ext uri="{909E8E84-426E-40dd-AFC4-6F175D3DCCD1}">
-                        <a14:hiddenFill xmlns:a14="http://schemas.microsoft.com/office/drawing/2010/main" xmlns="">
+                        <a14:hiddenFill xmlns="" xmlns:a14="http://schemas.microsoft.com/office/drawing/2010/main">
                           <a:noFill/>
                         </a14:hiddenFill>
                       </a:ext>
@@ -10783,7 +10672,7 @@
                     </a:ln>
                     <a:extLst>
                       <a:ext uri="{909E8E84-426E-40dd-AFC4-6F175D3DCCD1}">
-                        <a14:hiddenFill xmlns:a14="http://schemas.microsoft.com/office/drawing/2010/main" xmlns="">
+                        <a14:hiddenFill xmlns="" xmlns:a14="http://schemas.microsoft.com/office/drawing/2010/main">
                           <a:noFill/>
                         </a14:hiddenFill>
                       </a:ext>
@@ -10826,7 +10715,7 @@
                     </a:ln>
                     <a:extLst>
                       <a:ext uri="{909E8E84-426E-40dd-AFC4-6F175D3DCCD1}">
-                        <a14:hiddenFill xmlns:a14="http://schemas.microsoft.com/office/drawing/2010/main" xmlns="">
+                        <a14:hiddenFill xmlns="" xmlns:a14="http://schemas.microsoft.com/office/drawing/2010/main">
                           <a:noFill/>
                         </a14:hiddenFill>
                       </a:ext>
@@ -10869,7 +10758,7 @@
                     </a:ln>
                     <a:extLst>
                       <a:ext uri="{909E8E84-426E-40dd-AFC4-6F175D3DCCD1}">
-                        <a14:hiddenFill xmlns:a14="http://schemas.microsoft.com/office/drawing/2010/main" xmlns="">
+                        <a14:hiddenFill xmlns="" xmlns:a14="http://schemas.microsoft.com/office/drawing/2010/main">
                           <a:noFill/>
                         </a14:hiddenFill>
                       </a:ext>
@@ -10912,7 +10801,7 @@
                     </a:ln>
                     <a:extLst>
                       <a:ext uri="{909E8E84-426E-40dd-AFC4-6F175D3DCCD1}">
-                        <a14:hiddenFill xmlns:a14="http://schemas.microsoft.com/office/drawing/2010/main" xmlns="">
+                        <a14:hiddenFill xmlns="" xmlns:a14="http://schemas.microsoft.com/office/drawing/2010/main">
                           <a:noFill/>
                         </a14:hiddenFill>
                       </a:ext>
@@ -11321,7 +11210,7 @@
                     </a:ln>
                     <a:extLst>
                       <a:ext uri="{909E8E84-426E-40dd-AFC4-6F175D3DCCD1}">
-                        <a14:hiddenFill xmlns:a14="http://schemas.microsoft.com/office/drawing/2010/main" xmlns="">
+                        <a14:hiddenFill xmlns="" xmlns:a14="http://schemas.microsoft.com/office/drawing/2010/main">
                           <a:noFill/>
                         </a14:hiddenFill>
                       </a:ext>
@@ -11364,7 +11253,7 @@
                     </a:ln>
                     <a:extLst>
                       <a:ext uri="{909E8E84-426E-40dd-AFC4-6F175D3DCCD1}">
-                        <a14:hiddenFill xmlns:a14="http://schemas.microsoft.com/office/drawing/2010/main" xmlns="">
+                        <a14:hiddenFill xmlns="" xmlns:a14="http://schemas.microsoft.com/office/drawing/2010/main">
                           <a:noFill/>
                         </a14:hiddenFill>
                       </a:ext>
@@ -11407,7 +11296,7 @@
                     </a:ln>
                     <a:extLst>
                       <a:ext uri="{909E8E84-426E-40dd-AFC4-6F175D3DCCD1}">
-                        <a14:hiddenFill xmlns:a14="http://schemas.microsoft.com/office/drawing/2010/main" xmlns="">
+                        <a14:hiddenFill xmlns="" xmlns:a14="http://schemas.microsoft.com/office/drawing/2010/main">
                           <a:noFill/>
                         </a14:hiddenFill>
                       </a:ext>
@@ -11450,7 +11339,7 @@
                     </a:ln>
                     <a:extLst>
                       <a:ext uri="{909E8E84-426E-40dd-AFC4-6F175D3DCCD1}">
-                        <a14:hiddenFill xmlns:a14="http://schemas.microsoft.com/office/drawing/2010/main" xmlns="">
+                        <a14:hiddenFill xmlns="" xmlns:a14="http://schemas.microsoft.com/office/drawing/2010/main">
                           <a:noFill/>
                         </a14:hiddenFill>
                       </a:ext>
@@ -11493,7 +11382,7 @@
                     </a:ln>
                     <a:extLst>
                       <a:ext uri="{909E8E84-426E-40dd-AFC4-6F175D3DCCD1}">
-                        <a14:hiddenFill xmlns:a14="http://schemas.microsoft.com/office/drawing/2010/main" xmlns="">
+                        <a14:hiddenFill xmlns="" xmlns:a14="http://schemas.microsoft.com/office/drawing/2010/main">
                           <a:noFill/>
                         </a14:hiddenFill>
                       </a:ext>
@@ -11536,7 +11425,7 @@
                     </a:ln>
                     <a:extLst>
                       <a:ext uri="{909E8E84-426E-40dd-AFC4-6F175D3DCCD1}">
-                        <a14:hiddenFill xmlns:a14="http://schemas.microsoft.com/office/drawing/2010/main" xmlns="">
+                        <a14:hiddenFill xmlns="" xmlns:a14="http://schemas.microsoft.com/office/drawing/2010/main">
                           <a:noFill/>
                         </a14:hiddenFill>
                       </a:ext>
@@ -11579,7 +11468,7 @@
                     </a:ln>
                     <a:extLst>
                       <a:ext uri="{909E8E84-426E-40dd-AFC4-6F175D3DCCD1}">
-                        <a14:hiddenFill xmlns:a14="http://schemas.microsoft.com/office/drawing/2010/main" xmlns="">
+                        <a14:hiddenFill xmlns="" xmlns:a14="http://schemas.microsoft.com/office/drawing/2010/main">
                           <a:noFill/>
                         </a14:hiddenFill>
                       </a:ext>
@@ -11622,7 +11511,7 @@
                     </a:ln>
                     <a:extLst>
                       <a:ext uri="{909E8E84-426E-40dd-AFC4-6F175D3DCCD1}">
-                        <a14:hiddenFill xmlns:a14="http://schemas.microsoft.com/office/drawing/2010/main" xmlns="">
+                        <a14:hiddenFill xmlns="" xmlns:a14="http://schemas.microsoft.com/office/drawing/2010/main">
                           <a:noFill/>
                         </a14:hiddenFill>
                       </a:ext>
@@ -11665,7 +11554,7 @@
                     </a:ln>
                     <a:extLst>
                       <a:ext uri="{909E8E84-426E-40dd-AFC4-6F175D3DCCD1}">
-                        <a14:hiddenFill xmlns:a14="http://schemas.microsoft.com/office/drawing/2010/main" xmlns="">
+                        <a14:hiddenFill xmlns="" xmlns:a14="http://schemas.microsoft.com/office/drawing/2010/main">
                           <a:noFill/>
                         </a14:hiddenFill>
                       </a:ext>
@@ -11708,7 +11597,7 @@
                     </a:ln>
                     <a:extLst>
                       <a:ext uri="{909E8E84-426E-40dd-AFC4-6F175D3DCCD1}">
-                        <a14:hiddenFill xmlns:a14="http://schemas.microsoft.com/office/drawing/2010/main" xmlns="">
+                        <a14:hiddenFill xmlns="" xmlns:a14="http://schemas.microsoft.com/office/drawing/2010/main">
                           <a:noFill/>
                         </a14:hiddenFill>
                       </a:ext>
@@ -11751,7 +11640,7 @@
                     </a:ln>
                     <a:extLst>
                       <a:ext uri="{909E8E84-426E-40dd-AFC4-6F175D3DCCD1}">
-                        <a14:hiddenFill xmlns:a14="http://schemas.microsoft.com/office/drawing/2010/main" xmlns="">
+                        <a14:hiddenFill xmlns="" xmlns:a14="http://schemas.microsoft.com/office/drawing/2010/main">
                           <a:noFill/>
                         </a14:hiddenFill>
                       </a:ext>
@@ -12002,7 +11891,7 @@
                 </a:ln>
                 <a:extLst>
                   <a:ext uri="{909E8E84-426E-40dd-AFC4-6F175D3DCCD1}">
-                    <a14:hiddenFill xmlns:a14="http://schemas.microsoft.com/office/drawing/2010/main" xmlns="">
+                    <a14:hiddenFill xmlns="" xmlns:a14="http://schemas.microsoft.com/office/drawing/2010/main">
                       <a:solidFill>
                         <a:srgbClr val="FFFFFF"/>
                       </a:solidFill>
@@ -12092,7 +11981,7 @@
                 </a:ln>
                 <a:extLst>
                   <a:ext uri="{909E8E84-426E-40dd-AFC4-6F175D3DCCD1}">
-                    <a14:hiddenFill xmlns:a14="http://schemas.microsoft.com/office/drawing/2010/main" xmlns="">
+                    <a14:hiddenFill xmlns="" xmlns:a14="http://schemas.microsoft.com/office/drawing/2010/main">
                       <a:solidFill>
                         <a:srgbClr val="FFFFFF"/>
                       </a:solidFill>
@@ -12182,7 +12071,7 @@
                 </a:ln>
                 <a:extLst>
                   <a:ext uri="{909E8E84-426E-40dd-AFC4-6F175D3DCCD1}">
-                    <a14:hiddenFill xmlns:a14="http://schemas.microsoft.com/office/drawing/2010/main" xmlns="">
+                    <a14:hiddenFill xmlns="" xmlns:a14="http://schemas.microsoft.com/office/drawing/2010/main">
                       <a:solidFill>
                         <a:srgbClr val="FFFFFF"/>
                       </a:solidFill>
@@ -12224,14 +12113,14 @@
             </a:ln>
             <a:extLst>
               <a:ext uri="{909E8E84-426E-40dd-AFC4-6F175D3DCCD1}">
-                <a14:hiddenFill xmlns:a14="http://schemas.microsoft.com/office/drawing/2010/main" xmlns="">
+                <a14:hiddenFill xmlns="" xmlns:a14="http://schemas.microsoft.com/office/drawing/2010/main">
                   <a:solidFill>
                     <a:srgbClr val="FFFFFF"/>
                   </a:solidFill>
                 </a14:hiddenFill>
               </a:ext>
               <a:ext uri="{91240B29-F687-4f45-9708-019B960494DF}">
-                <a14:hiddenLine xmlns:a14="http://schemas.microsoft.com/office/drawing/2010/main" xmlns="" w="9525">
+                <a14:hiddenLine xmlns="" xmlns:a14="http://schemas.microsoft.com/office/drawing/2010/main" w="9525">
                   <a:solidFill>
                     <a:srgbClr val="000000"/>
                   </a:solidFill>
@@ -12373,16 +12262,10 @@
             </a:p>
             <a:p>
               <a:r>
-                <a:rPr lang="en-US" sz="1600" b="0" dirty="0" smtClean="0">
-                  <a:latin typeface="+mj-lt"/>
-                </a:rPr>
-                <a:t>       F</a:t>
-              </a:r>
-              <a:r>
                 <a:rPr lang="en-US" sz="1600" b="0" dirty="0">
                   <a:latin typeface="+mj-lt"/>
                 </a:rPr>
-                <a:t>(x) = g(h(x), p((q(x)))</a:t>
+                <a:t>       F(x) = g(h(x), p((q(x)))</a:t>
               </a:r>
             </a:p>
           </p:txBody>
@@ -12415,7 +12298,7 @@
           </a:ln>
           <a:extLst>
             <a:ext uri="{909E8E84-426E-40dd-AFC4-6F175D3DCCD1}">
-              <a14:hiddenFill xmlns:a14="http://schemas.microsoft.com/office/drawing/2010/main" xmlns="">
+              <a14:hiddenFill xmlns="" xmlns:a14="http://schemas.microsoft.com/office/drawing/2010/main">
                 <a:noFill/>
               </a14:hiddenFill>
             </a:ext>
@@ -12458,7 +12341,7 @@
           </a:ln>
           <a:extLst>
             <a:ext uri="{909E8E84-426E-40dd-AFC4-6F175D3DCCD1}">
-              <a14:hiddenFill xmlns:a14="http://schemas.microsoft.com/office/drawing/2010/main" xmlns="">
+              <a14:hiddenFill xmlns="" xmlns:a14="http://schemas.microsoft.com/office/drawing/2010/main">
                 <a:noFill/>
               </a14:hiddenFill>
             </a:ext>
@@ -12526,14 +12409,14 @@
           </a:ln>
           <a:extLst>
             <a:ext uri="{909E8E84-426E-40dd-AFC4-6F175D3DCCD1}">
-              <a14:hiddenFill xmlns:a14="http://schemas.microsoft.com/office/drawing/2010/main" xmlns="">
+              <a14:hiddenFill xmlns="" xmlns:a14="http://schemas.microsoft.com/office/drawing/2010/main">
                 <a:solidFill>
                   <a:srgbClr val="FFFFFF"/>
                 </a:solidFill>
               </a14:hiddenFill>
             </a:ext>
             <a:ext uri="{91240B29-F687-4f45-9708-019B960494DF}">
-              <a14:hiddenLine xmlns:a14="http://schemas.microsoft.com/office/drawing/2010/main" xmlns="" w="9525">
+              <a14:hiddenLine xmlns="" xmlns:a14="http://schemas.microsoft.com/office/drawing/2010/main" w="9525">
                 <a:solidFill>
                   <a:srgbClr val="000000"/>
                 </a:solidFill>
@@ -12697,16 +12580,10 @@
               <a:rPr lang="en-US" sz="1600" b="0" dirty="0">
                 <a:latin typeface="+mj-lt"/>
               </a:rPr>
-              <a:t>, such </a:t>
+              <a:t>, such that T</a:t>
             </a:r>
             <a:r>
-              <a:rPr lang="en-US" sz="1600" b="0" dirty="0" smtClean="0">
-                <a:latin typeface="+mj-lt"/>
-              </a:rPr>
-              <a:t>that T</a:t>
-            </a:r>
-            <a:r>
-              <a:rPr lang="en-US" sz="1600" b="0" baseline="-25000" dirty="0" smtClean="0">
+              <a:rPr lang="en-US" sz="1600" b="0" baseline="-25000" dirty="0">
                 <a:latin typeface="+mj-lt"/>
               </a:rPr>
               <a:t>X</a:t>
@@ -12779,13 +12656,13 @@
           <a:lstStyle/>
           <a:p>
             <a:r>
-              <a:rPr lang="en-US" sz="2000" dirty="0" err="1" smtClean="0">
+              <a:rPr lang="en-US" sz="2000" dirty="0" err="1">
                 <a:latin typeface="+mj-lt"/>
               </a:rPr>
               <a:t>P</a:t>
             </a:r>
             <a:r>
-              <a:rPr lang="en-US" sz="2000" baseline="-25000" dirty="0" err="1" smtClean="0">
+              <a:rPr lang="en-US" sz="2000" baseline="-25000" dirty="0" err="1">
                 <a:latin typeface="+mj-lt"/>
               </a:rPr>
               <a:t>x</a:t>
@@ -12819,7 +12696,7 @@
           <a:lstStyle/>
           <a:p>
             <a:r>
-              <a:rPr lang="en-US" sz="2000" dirty="0" err="1" smtClean="0">
+              <a:rPr lang="en-US" sz="2000" dirty="0" err="1">
                 <a:latin typeface="+mj-lt"/>
               </a:rPr>
               <a:t>P</a:t>
@@ -12910,14 +12787,14 @@
             </a:ln>
             <a:extLst>
               <a:ext uri="{909E8E84-426E-40dd-AFC4-6F175D3DCCD1}">
-                <a14:hiddenFill xmlns:a14="http://schemas.microsoft.com/office/drawing/2010/main" xmlns="">
+                <a14:hiddenFill xmlns="" xmlns:a14="http://schemas.microsoft.com/office/drawing/2010/main">
                   <a:solidFill>
                     <a:srgbClr val="FFFFFF"/>
                   </a:solidFill>
                 </a14:hiddenFill>
               </a:ext>
               <a:ext uri="{91240B29-F687-4f45-9708-019B960494DF}">
-                <a14:hiddenLine xmlns:a14="http://schemas.microsoft.com/office/drawing/2010/main" xmlns="" w="9525">
+                <a14:hiddenLine xmlns="" xmlns:a14="http://schemas.microsoft.com/office/drawing/2010/main" w="9525">
                   <a:solidFill>
                     <a:srgbClr val="000000"/>
                   </a:solidFill>
@@ -13081,7 +12958,7 @@
             </a:ln>
             <a:extLst>
               <a:ext uri="{909E8E84-426E-40dd-AFC4-6F175D3DCCD1}">
-                <a14:hiddenFill xmlns:a14="http://schemas.microsoft.com/office/drawing/2010/main" xmlns="">
+                <a14:hiddenFill xmlns="" xmlns:a14="http://schemas.microsoft.com/office/drawing/2010/main">
                   <a:noFill/>
                 </a14:hiddenFill>
               </a:ext>
@@ -13124,7 +13001,7 @@
             </a:ln>
             <a:extLst>
               <a:ext uri="{909E8E84-426E-40dd-AFC4-6F175D3DCCD1}">
-                <a14:hiddenFill xmlns:a14="http://schemas.microsoft.com/office/drawing/2010/main" xmlns="">
+                <a14:hiddenFill xmlns="" xmlns:a14="http://schemas.microsoft.com/office/drawing/2010/main">
                   <a:noFill/>
                 </a14:hiddenFill>
               </a:ext>
@@ -13167,7 +13044,7 @@
             </a:ln>
             <a:extLst>
               <a:ext uri="{909E8E84-426E-40dd-AFC4-6F175D3DCCD1}">
-                <a14:hiddenFill xmlns:a14="http://schemas.microsoft.com/office/drawing/2010/main" xmlns="">
+                <a14:hiddenFill xmlns="" xmlns:a14="http://schemas.microsoft.com/office/drawing/2010/main">
                   <a:noFill/>
                 </a14:hiddenFill>
               </a:ext>
@@ -13258,14 +13135,14 @@
             </a:ln>
             <a:extLst>
               <a:ext uri="{909E8E84-426E-40dd-AFC4-6F175D3DCCD1}">
-                <a14:hiddenFill xmlns:a14="http://schemas.microsoft.com/office/drawing/2010/main" xmlns="">
+                <a14:hiddenFill xmlns="" xmlns:a14="http://schemas.microsoft.com/office/drawing/2010/main">
                   <a:solidFill>
                     <a:srgbClr val="FFFFFF"/>
                   </a:solidFill>
                 </a14:hiddenFill>
               </a:ext>
               <a:ext uri="{91240B29-F687-4f45-9708-019B960494DF}">
-                <a14:hiddenLine xmlns:a14="http://schemas.microsoft.com/office/drawing/2010/main" xmlns="" w="9525">
+                <a14:hiddenLine xmlns="" xmlns:a14="http://schemas.microsoft.com/office/drawing/2010/main" w="9525">
                   <a:solidFill>
                     <a:srgbClr val="000000"/>
                   </a:solidFill>
@@ -13429,7 +13306,7 @@
             </a:ln>
             <a:extLst>
               <a:ext uri="{909E8E84-426E-40dd-AFC4-6F175D3DCCD1}">
-                <a14:hiddenFill xmlns:a14="http://schemas.microsoft.com/office/drawing/2010/main" xmlns="">
+                <a14:hiddenFill xmlns="" xmlns:a14="http://schemas.microsoft.com/office/drawing/2010/main">
                   <a:noFill/>
                 </a14:hiddenFill>
               </a:ext>
@@ -13472,7 +13349,7 @@
             </a:ln>
             <a:extLst>
               <a:ext uri="{909E8E84-426E-40dd-AFC4-6F175D3DCCD1}">
-                <a14:hiddenFill xmlns:a14="http://schemas.microsoft.com/office/drawing/2010/main" xmlns="">
+                <a14:hiddenFill xmlns="" xmlns:a14="http://schemas.microsoft.com/office/drawing/2010/main">
                   <a:noFill/>
                 </a14:hiddenFill>
               </a:ext>
@@ -13515,7 +13392,7 @@
             </a:ln>
             <a:extLst>
               <a:ext uri="{909E8E84-426E-40dd-AFC4-6F175D3DCCD1}">
-                <a14:hiddenFill xmlns:a14="http://schemas.microsoft.com/office/drawing/2010/main" xmlns="">
+                <a14:hiddenFill xmlns="" xmlns:a14="http://schemas.microsoft.com/office/drawing/2010/main">
                   <a:noFill/>
                 </a14:hiddenFill>
               </a:ext>
@@ -13594,7 +13471,7 @@
               </a:ln>
               <a:extLst>
                 <a:ext uri="{91240B29-F687-4f45-9708-019B960494DF}">
-                  <a14:hiddenLine xmlns:a14="http://schemas.microsoft.com/office/drawing/2010/main" xmlns="" w="9525">
+                  <a14:hiddenLine xmlns="" xmlns:a14="http://schemas.microsoft.com/office/drawing/2010/main" w="9525">
                     <a:solidFill>
                       <a:srgbClr val="000000"/>
                     </a:solidFill>
@@ -13637,14 +13514,14 @@
               </a:ln>
               <a:extLst>
                 <a:ext uri="{909E8E84-426E-40dd-AFC4-6F175D3DCCD1}">
-                  <a14:hiddenFill xmlns:a14="http://schemas.microsoft.com/office/drawing/2010/main" xmlns="">
+                  <a14:hiddenFill xmlns="" xmlns:a14="http://schemas.microsoft.com/office/drawing/2010/main">
                     <a:solidFill>
                       <a:srgbClr val="FFFFFF"/>
                     </a:solidFill>
                   </a14:hiddenFill>
                 </a:ext>
                 <a:ext uri="{91240B29-F687-4f45-9708-019B960494DF}">
-                  <a14:hiddenLine xmlns:a14="http://schemas.microsoft.com/office/drawing/2010/main" xmlns="" w="9525">
+                  <a14:hiddenLine xmlns="" xmlns:a14="http://schemas.microsoft.com/office/drawing/2010/main" w="9525">
                     <a:solidFill>
                       <a:srgbClr val="000000"/>
                     </a:solidFill>
@@ -13811,14 +13688,14 @@
               </a:ln>
               <a:extLst>
                 <a:ext uri="{909E8E84-426E-40dd-AFC4-6F175D3DCCD1}">
-                  <a14:hiddenFill xmlns:a14="http://schemas.microsoft.com/office/drawing/2010/main" xmlns="">
+                  <a14:hiddenFill xmlns="" xmlns:a14="http://schemas.microsoft.com/office/drawing/2010/main">
                     <a:solidFill>
                       <a:srgbClr val="FFFFFF"/>
                     </a:solidFill>
                   </a14:hiddenFill>
                 </a:ext>
                 <a:ext uri="{91240B29-F687-4f45-9708-019B960494DF}">
-                  <a14:hiddenLine xmlns:a14="http://schemas.microsoft.com/office/drawing/2010/main" xmlns="" w="9525">
+                  <a14:hiddenLine xmlns="" xmlns:a14="http://schemas.microsoft.com/office/drawing/2010/main" w="9525">
                     <a:solidFill>
                       <a:srgbClr val="000000"/>
                     </a:solidFill>
@@ -13943,7 +13820,7 @@
               </a:lstStyle>
               <a:p>
                 <a:r>
-                  <a:rPr lang="en-US" sz="1600" b="0" dirty="0" err="1" smtClean="0">
+                  <a:rPr lang="en-US" sz="1600" b="0" dirty="0" err="1">
                     <a:solidFill>
                       <a:srgbClr val="FF0066"/>
                     </a:solidFill>
@@ -13952,7 +13829,7 @@
                   <a:t>P</a:t>
                 </a:r>
                 <a:r>
-                  <a:rPr lang="en-US" sz="1600" b="0" baseline="-25000" dirty="0" err="1" smtClean="0">
+                  <a:rPr lang="en-US" sz="1600" b="0" baseline="-25000" dirty="0" err="1">
                     <a:solidFill>
                       <a:srgbClr val="FF0066"/>
                     </a:solidFill>
@@ -14012,7 +13889,7 @@
                 </a:ln>
                 <a:extLst>
                   <a:ext uri="{909E8E84-426E-40dd-AFC4-6F175D3DCCD1}">
-                    <a14:hiddenFill xmlns:a14="http://schemas.microsoft.com/office/drawing/2010/main" xmlns="">
+                    <a14:hiddenFill xmlns="" xmlns:a14="http://schemas.microsoft.com/office/drawing/2010/main">
                       <a:noFill/>
                     </a14:hiddenFill>
                   </a:ext>
@@ -14055,7 +13932,7 @@
                 </a:ln>
                 <a:extLst>
                   <a:ext uri="{909E8E84-426E-40dd-AFC4-6F175D3DCCD1}">
-                    <a14:hiddenFill xmlns:a14="http://schemas.microsoft.com/office/drawing/2010/main" xmlns="">
+                    <a14:hiddenFill xmlns="" xmlns:a14="http://schemas.microsoft.com/office/drawing/2010/main">
                       <a:noFill/>
                     </a14:hiddenFill>
                   </a:ext>
@@ -14098,7 +13975,7 @@
                 </a:ln>
                 <a:extLst>
                   <a:ext uri="{909E8E84-426E-40dd-AFC4-6F175D3DCCD1}">
-                    <a14:hiddenFill xmlns:a14="http://schemas.microsoft.com/office/drawing/2010/main" xmlns="">
+                    <a14:hiddenFill xmlns="" xmlns:a14="http://schemas.microsoft.com/office/drawing/2010/main">
                       <a:noFill/>
                     </a14:hiddenFill>
                   </a:ext>
@@ -14142,7 +14019,7 @@
               </a:ln>
               <a:extLst>
                 <a:ext uri="{909E8E84-426E-40dd-AFC4-6F175D3DCCD1}">
-                  <a14:hiddenFill xmlns:a14="http://schemas.microsoft.com/office/drawing/2010/main" xmlns="">
+                  <a14:hiddenFill xmlns="" xmlns:a14="http://schemas.microsoft.com/office/drawing/2010/main">
                     <a:noFill/>
                   </a14:hiddenFill>
                 </a:ext>
@@ -14185,7 +14062,7 @@
               </a:ln>
               <a:extLst>
                 <a:ext uri="{909E8E84-426E-40dd-AFC4-6F175D3DCCD1}">
-                  <a14:hiddenFill xmlns:a14="http://schemas.microsoft.com/office/drawing/2010/main" xmlns="">
+                  <a14:hiddenFill xmlns="" xmlns:a14="http://schemas.microsoft.com/office/drawing/2010/main">
                     <a:noFill/>
                   </a14:hiddenFill>
                 </a:ext>
@@ -14228,7 +14105,7 @@
               </a:ln>
               <a:extLst>
                 <a:ext uri="{909E8E84-426E-40dd-AFC4-6F175D3DCCD1}">
-                  <a14:hiddenFill xmlns:a14="http://schemas.microsoft.com/office/drawing/2010/main" xmlns="">
+                  <a14:hiddenFill xmlns="" xmlns:a14="http://schemas.microsoft.com/office/drawing/2010/main">
                     <a:noFill/>
                   </a14:hiddenFill>
                 </a:ext>
@@ -14318,14 +14195,14 @@
                 </a:ln>
                 <a:extLst>
                   <a:ext uri="{909E8E84-426E-40dd-AFC4-6F175D3DCCD1}">
-                    <a14:hiddenFill xmlns:a14="http://schemas.microsoft.com/office/drawing/2010/main" xmlns="">
+                    <a14:hiddenFill xmlns="" xmlns:a14="http://schemas.microsoft.com/office/drawing/2010/main">
                       <a:solidFill>
                         <a:srgbClr val="FFFFFF"/>
                       </a:solidFill>
                     </a14:hiddenFill>
                   </a:ext>
                   <a:ext uri="{91240B29-F687-4f45-9708-019B960494DF}">
-                    <a14:hiddenLine xmlns:a14="http://schemas.microsoft.com/office/drawing/2010/main" xmlns="" w="9525">
+                    <a14:hiddenLine xmlns="" xmlns:a14="http://schemas.microsoft.com/office/drawing/2010/main" w="9525">
                       <a:solidFill>
                         <a:srgbClr val="000000"/>
                       </a:solidFill>
@@ -14489,7 +14366,7 @@
                 </a:ln>
                 <a:extLst>
                   <a:ext uri="{909E8E84-426E-40dd-AFC4-6F175D3DCCD1}">
-                    <a14:hiddenFill xmlns:a14="http://schemas.microsoft.com/office/drawing/2010/main" xmlns="">
+                    <a14:hiddenFill xmlns="" xmlns:a14="http://schemas.microsoft.com/office/drawing/2010/main">
                       <a:noFill/>
                     </a14:hiddenFill>
                   </a:ext>
@@ -14532,7 +14409,7 @@
                 </a:ln>
                 <a:extLst>
                   <a:ext uri="{909E8E84-426E-40dd-AFC4-6F175D3DCCD1}">
-                    <a14:hiddenFill xmlns:a14="http://schemas.microsoft.com/office/drawing/2010/main" xmlns="">
+                    <a14:hiddenFill xmlns="" xmlns:a14="http://schemas.microsoft.com/office/drawing/2010/main">
                       <a:noFill/>
                     </a14:hiddenFill>
                   </a:ext>
@@ -14575,7 +14452,7 @@
                 </a:ln>
                 <a:extLst>
                   <a:ext uri="{909E8E84-426E-40dd-AFC4-6F175D3DCCD1}">
-                    <a14:hiddenFill xmlns:a14="http://schemas.microsoft.com/office/drawing/2010/main" xmlns="">
+                    <a14:hiddenFill xmlns="" xmlns:a14="http://schemas.microsoft.com/office/drawing/2010/main">
                       <a:noFill/>
                     </a14:hiddenFill>
                   </a:ext>
@@ -14666,14 +14543,14 @@
                 </a:ln>
                 <a:extLst>
                   <a:ext uri="{909E8E84-426E-40dd-AFC4-6F175D3DCCD1}">
-                    <a14:hiddenFill xmlns:a14="http://schemas.microsoft.com/office/drawing/2010/main" xmlns="">
+                    <a14:hiddenFill xmlns="" xmlns:a14="http://schemas.microsoft.com/office/drawing/2010/main">
                       <a:solidFill>
                         <a:srgbClr val="FFFFFF"/>
                       </a:solidFill>
                     </a14:hiddenFill>
                   </a:ext>
                   <a:ext uri="{91240B29-F687-4f45-9708-019B960494DF}">
-                    <a14:hiddenLine xmlns:a14="http://schemas.microsoft.com/office/drawing/2010/main" xmlns="" w="9525">
+                    <a14:hiddenLine xmlns="" xmlns:a14="http://schemas.microsoft.com/office/drawing/2010/main" w="9525">
                       <a:solidFill>
                         <a:srgbClr val="000000"/>
                       </a:solidFill>
@@ -14837,7 +14714,7 @@
                 </a:ln>
                 <a:extLst>
                   <a:ext uri="{909E8E84-426E-40dd-AFC4-6F175D3DCCD1}">
-                    <a14:hiddenFill xmlns:a14="http://schemas.microsoft.com/office/drawing/2010/main" xmlns="">
+                    <a14:hiddenFill xmlns="" xmlns:a14="http://schemas.microsoft.com/office/drawing/2010/main">
                       <a:noFill/>
                     </a14:hiddenFill>
                   </a:ext>
@@ -14880,7 +14757,7 @@
                 </a:ln>
                 <a:extLst>
                   <a:ext uri="{909E8E84-426E-40dd-AFC4-6F175D3DCCD1}">
-                    <a14:hiddenFill xmlns:a14="http://schemas.microsoft.com/office/drawing/2010/main" xmlns="">
+                    <a14:hiddenFill xmlns="" xmlns:a14="http://schemas.microsoft.com/office/drawing/2010/main">
                       <a:noFill/>
                     </a14:hiddenFill>
                   </a:ext>
@@ -14923,7 +14800,7 @@
                 </a:ln>
                 <a:extLst>
                   <a:ext uri="{909E8E84-426E-40dd-AFC4-6F175D3DCCD1}">
-                    <a14:hiddenFill xmlns:a14="http://schemas.microsoft.com/office/drawing/2010/main" xmlns="">
+                    <a14:hiddenFill xmlns="" xmlns:a14="http://schemas.microsoft.com/office/drawing/2010/main">
                       <a:noFill/>
                     </a14:hiddenFill>
                   </a:ext>
@@ -15014,14 +14891,14 @@
                 </a:ln>
                 <a:extLst>
                   <a:ext uri="{909E8E84-426E-40dd-AFC4-6F175D3DCCD1}">
-                    <a14:hiddenFill xmlns:a14="http://schemas.microsoft.com/office/drawing/2010/main" xmlns="">
+                    <a14:hiddenFill xmlns="" xmlns:a14="http://schemas.microsoft.com/office/drawing/2010/main">
                       <a:solidFill>
                         <a:srgbClr val="FFFFFF"/>
                       </a:solidFill>
                     </a14:hiddenFill>
                   </a:ext>
                   <a:ext uri="{91240B29-F687-4f45-9708-019B960494DF}">
-                    <a14:hiddenLine xmlns:a14="http://schemas.microsoft.com/office/drawing/2010/main" xmlns="" w="9525">
+                    <a14:hiddenLine xmlns="" xmlns:a14="http://schemas.microsoft.com/office/drawing/2010/main" w="9525">
                       <a:solidFill>
                         <a:srgbClr val="000000"/>
                       </a:solidFill>
@@ -15185,7 +15062,7 @@
                 </a:ln>
                 <a:extLst>
                   <a:ext uri="{909E8E84-426E-40dd-AFC4-6F175D3DCCD1}">
-                    <a14:hiddenFill xmlns:a14="http://schemas.microsoft.com/office/drawing/2010/main" xmlns="">
+                    <a14:hiddenFill xmlns="" xmlns:a14="http://schemas.microsoft.com/office/drawing/2010/main">
                       <a:noFill/>
                     </a14:hiddenFill>
                   </a:ext>
@@ -15228,7 +15105,7 @@
                 </a:ln>
                 <a:extLst>
                   <a:ext uri="{909E8E84-426E-40dd-AFC4-6F175D3DCCD1}">
-                    <a14:hiddenFill xmlns:a14="http://schemas.microsoft.com/office/drawing/2010/main" xmlns="">
+                    <a14:hiddenFill xmlns="" xmlns:a14="http://schemas.microsoft.com/office/drawing/2010/main">
                       <a:noFill/>
                     </a14:hiddenFill>
                   </a:ext>
@@ -15271,7 +15148,7 @@
                 </a:ln>
                 <a:extLst>
                   <a:ext uri="{909E8E84-426E-40dd-AFC4-6F175D3DCCD1}">
-                    <a14:hiddenFill xmlns:a14="http://schemas.microsoft.com/office/drawing/2010/main" xmlns="">
+                    <a14:hiddenFill xmlns="" xmlns:a14="http://schemas.microsoft.com/office/drawing/2010/main">
                       <a:noFill/>
                     </a14:hiddenFill>
                   </a:ext>
@@ -15311,14 +15188,14 @@
             </a:ln>
             <a:extLst>
               <a:ext uri="{909E8E84-426E-40dd-AFC4-6F175D3DCCD1}">
-                <a14:hiddenFill xmlns:a14="http://schemas.microsoft.com/office/drawing/2010/main" xmlns="">
+                <a14:hiddenFill xmlns="" xmlns:a14="http://schemas.microsoft.com/office/drawing/2010/main">
                   <a:solidFill>
                     <a:srgbClr val="FFFFFF"/>
                   </a:solidFill>
                 </a14:hiddenFill>
               </a:ext>
               <a:ext uri="{91240B29-F687-4f45-9708-019B960494DF}">
-                <a14:hiddenLine xmlns:a14="http://schemas.microsoft.com/office/drawing/2010/main" xmlns="" w="9525">
+                <a14:hiddenLine xmlns="" xmlns:a14="http://schemas.microsoft.com/office/drawing/2010/main" w="9525">
                   <a:solidFill>
                     <a:srgbClr val="000000"/>
                   </a:solidFill>
@@ -15682,14 +15559,13 @@
           <a:lstStyle/>
           <a:p>
             <a:r>
-              <a:rPr lang="en-US" dirty="0" err="1" smtClean="0"/>
+              <a:rPr lang="en-US" dirty="0" err="1"/>
               <a:t>Uncomputability</a:t>
             </a:r>
             <a:r>
-              <a:rPr lang="en-US" dirty="0" smtClean="0"/>
+              <a:rPr lang="en-US" dirty="0"/>
               <a:t> (!)</a:t>
             </a:r>
-            <a:endParaRPr lang="en-US" dirty="0"/>
           </a:p>
         </p:txBody>
       </p:sp>
@@ -15719,32 +15595,32 @@
               <a:buNone/>
             </a:pPr>
             <a:r>
-              <a:rPr lang="en-US" sz="2000" dirty="0" err="1" smtClean="0"/>
+              <a:rPr lang="en-US" sz="2000" dirty="0" err="1"/>
               <a:t>Uncomputable</a:t>
             </a:r>
             <a:r>
-              <a:rPr lang="en-US" sz="2000" dirty="0" smtClean="0"/>
+              <a:rPr lang="en-US" sz="2000" dirty="0"/>
               <a:t> functions: There are well-defined discrete functions that a Turing machine cannot compute</a:t>
             </a:r>
           </a:p>
           <a:p>
             <a:pPr lvl="1"/>
             <a:r>
-              <a:rPr lang="en-US" sz="1800" dirty="0" smtClean="0"/>
+              <a:rPr lang="en-US" sz="1800" dirty="0"/>
               <a:t>No algorithm can compute f(x) for arbitrary x in finite number of steps</a:t>
             </a:r>
           </a:p>
           <a:p>
             <a:pPr lvl="1"/>
             <a:r>
-              <a:rPr lang="en-US" sz="1800" dirty="0" smtClean="0"/>
+              <a:rPr lang="en-US" sz="1800" dirty="0"/>
               <a:t>Not that we don’t know algorithm - can prove no algorithm exists</a:t>
             </a:r>
           </a:p>
           <a:p>
             <a:pPr lvl="1"/>
             <a:r>
-              <a:rPr lang="en-US" sz="1800" dirty="0" smtClean="0"/>
+              <a:rPr lang="en-US" sz="1800" dirty="0"/>
               <a:t>Corollary: Finite memory is not the only limiting factor on whether we can solve a problem</a:t>
             </a:r>
           </a:p>
@@ -15824,14 +15700,14 @@
             </a:ln>
             <a:extLst>
               <a:ext uri="{909E8E84-426E-40dd-AFC4-6F175D3DCCD1}">
-                <a14:hiddenFill xmlns:a14="http://schemas.microsoft.com/office/drawing/2010/main" xmlns="">
+                <a14:hiddenFill xmlns="" xmlns:a14="http://schemas.microsoft.com/office/drawing/2010/main">
                   <a:solidFill>
                     <a:srgbClr val="FFFFFF"/>
                   </a:solidFill>
                 </a14:hiddenFill>
               </a:ext>
               <a:ext uri="{91240B29-F687-4f45-9708-019B960494DF}">
-                <a14:hiddenLine xmlns:a14="http://schemas.microsoft.com/office/drawing/2010/main" xmlns="" w="9525">
+                <a14:hiddenLine xmlns="" xmlns:a14="http://schemas.microsoft.com/office/drawing/2010/main" w="9525">
                   <a:solidFill>
                     <a:srgbClr val="000000"/>
                   </a:solidFill>
@@ -15988,34 +15864,22 @@
                 </a:spcBef>
               </a:pPr>
               <a:r>
-                <a:rPr lang="en-US" sz="2000" b="0" dirty="0" smtClean="0">
+                <a:rPr lang="en-US" sz="2000" b="0" dirty="0">
                   <a:latin typeface="+mj-lt"/>
                 </a:rPr>
-                <a:t>The </a:t>
+                <a:t>The most famous </a:t>
+              </a:r>
+              <a:r>
+                <a:rPr lang="en-US" sz="2000" b="0" dirty="0" err="1">
+                  <a:latin typeface="+mj-lt"/>
+                </a:rPr>
+                <a:t>uncomputable</a:t>
               </a:r>
               <a:r>
                 <a:rPr lang="en-US" sz="2000" b="0" dirty="0">
                   <a:latin typeface="+mj-lt"/>
                 </a:rPr>
-                <a:t>most famous </a:t>
-              </a:r>
-              <a:r>
-                <a:rPr lang="en-US" sz="2000" b="0" dirty="0" err="1" smtClean="0">
-                  <a:latin typeface="+mj-lt"/>
-                </a:rPr>
-                <a:t>uncomputable</a:t>
-              </a:r>
-              <a:r>
-                <a:rPr lang="en-US" sz="2000" b="0" dirty="0" smtClean="0">
-                  <a:latin typeface="+mj-lt"/>
-                </a:rPr>
-                <a:t> function </a:t>
-              </a:r>
-              <a:r>
-                <a:rPr lang="en-US" sz="2000" b="0" dirty="0">
-                  <a:latin typeface="+mj-lt"/>
-                </a:rPr>
-                <a:t>is the so-called Halting function, </a:t>
+                <a:t> function is the so-called Halting function, </a:t>
               </a:r>
               <a:r>
                 <a:rPr lang="en-US" sz="2000" b="0" dirty="0" err="1">
@@ -16043,19 +15907,19 @@
                 </a:spcBef>
               </a:pPr>
               <a:r>
-                <a:rPr lang="en-US" sz="2000" b="0" dirty="0" smtClean="0">
+                <a:rPr lang="en-US" sz="2000" b="0" dirty="0">
                   <a:latin typeface="+mj-lt"/>
                 </a:rPr>
                 <a:t>					 </a:t>
               </a:r>
               <a:r>
-                <a:rPr lang="en-US" sz="2000" b="0" dirty="0" err="1" smtClean="0">
+                <a:rPr lang="en-US" sz="2000" b="0" dirty="0" err="1">
                   <a:latin typeface="+mj-lt"/>
                 </a:rPr>
                 <a:t>f</a:t>
               </a:r>
               <a:r>
-                <a:rPr lang="en-US" sz="2000" b="0" baseline="-25000" dirty="0" err="1" smtClean="0">
+                <a:rPr lang="en-US" sz="2000" b="0" baseline="-25000" dirty="0" err="1">
                   <a:latin typeface="+mj-lt"/>
                 </a:rPr>
                 <a:t>H</a:t>
@@ -16095,19 +15959,7 @@
                 <a:rPr lang="en-US" sz="2000" b="0" dirty="0">
                   <a:latin typeface="+mj-lt"/>
                 </a:rPr>
-                <a:t>	               </a:t>
-              </a:r>
-              <a:r>
-                <a:rPr lang="en-US" sz="2000" b="0" dirty="0" smtClean="0">
-                  <a:latin typeface="+mj-lt"/>
-                </a:rPr>
-                <a:t>						0   </a:t>
-              </a:r>
-              <a:r>
-                <a:rPr lang="en-US" sz="2000" b="0" dirty="0">
-                  <a:latin typeface="+mj-lt"/>
-                </a:rPr>
-                <a:t>otherwise.</a:t>
+                <a:t>	               						0   otherwise.</a:t>
               </a:r>
             </a:p>
             <a:p>
@@ -16297,14 +16149,14 @@
           </a:ln>
           <a:extLst>
             <a:ext uri="{909E8E84-426E-40dd-AFC4-6F175D3DCCD1}">
-              <a14:hiddenFill xmlns:a14="http://schemas.microsoft.com/office/drawing/2010/main" xmlns="">
+              <a14:hiddenFill xmlns="" xmlns:a14="http://schemas.microsoft.com/office/drawing/2010/main">
                 <a:solidFill>
                   <a:srgbClr val="FFFFFF"/>
                 </a:solidFill>
               </a14:hiddenFill>
             </a:ext>
             <a:ext uri="{91240B29-F687-4f45-9708-019B960494DF}">
-              <a14:hiddenLine xmlns:a14="http://schemas.microsoft.com/office/drawing/2010/main" xmlns="" w="9525">
+              <a14:hiddenLine xmlns="" xmlns:a14="http://schemas.microsoft.com/office/drawing/2010/main" w="9525">
                 <a:solidFill>
                   <a:srgbClr val="000000"/>
                 </a:solidFill>
@@ -16453,14 +16305,14 @@
               </a:ln>
               <a:extLst>
                 <a:ext uri="{909E8E84-426E-40dd-AFC4-6F175D3DCCD1}">
-                  <a14:hiddenFill xmlns:a14="http://schemas.microsoft.com/office/drawing/2010/main" xmlns="">
+                  <a14:hiddenFill xmlns="" xmlns:a14="http://schemas.microsoft.com/office/drawing/2010/main">
                     <a:solidFill>
                       <a:srgbClr val="FFFFFF"/>
                     </a:solidFill>
                   </a14:hiddenFill>
                 </a:ext>
                 <a:ext uri="{91240B29-F687-4f45-9708-019B960494DF}">
-                  <a14:hiddenLine xmlns:a14="http://schemas.microsoft.com/office/drawing/2010/main" xmlns="" w="9525">
+                  <a14:hiddenLine xmlns="" xmlns:a14="http://schemas.microsoft.com/office/drawing/2010/main" w="9525">
                     <a:solidFill>
                       <a:srgbClr val="000000"/>
                     </a:solidFill>
@@ -16628,7 +16480,7 @@
             </a:ln>
             <a:extLst>
               <a:ext uri="{909E8E84-426E-40dd-AFC4-6F175D3DCCD1}">
-                <a14:hiddenFill xmlns:a14="http://schemas.microsoft.com/office/drawing/2010/main" xmlns="">
+                <a14:hiddenFill xmlns="" xmlns:a14="http://schemas.microsoft.com/office/drawing/2010/main">
                   <a:noFill/>
                 </a14:hiddenFill>
               </a:ext>
@@ -16666,14 +16518,14 @@
             </a:ln>
             <a:extLst>
               <a:ext uri="{909E8E84-426E-40dd-AFC4-6F175D3DCCD1}">
-                <a14:hiddenFill xmlns:a14="http://schemas.microsoft.com/office/drawing/2010/main" xmlns="">
+                <a14:hiddenFill xmlns="" xmlns:a14="http://schemas.microsoft.com/office/drawing/2010/main">
                   <a:solidFill>
                     <a:srgbClr val="FFFFFF"/>
                   </a:solidFill>
                 </a14:hiddenFill>
               </a:ext>
               <a:ext uri="{91240B29-F687-4f45-9708-019B960494DF}">
-                <a14:hiddenLine xmlns:a14="http://schemas.microsoft.com/office/drawing/2010/main" xmlns="" w="9525">
+                <a14:hiddenLine xmlns="" xmlns:a14="http://schemas.microsoft.com/office/drawing/2010/main" w="9525">
                   <a:solidFill>
                     <a:srgbClr val="000000"/>
                   </a:solidFill>
@@ -16834,7 +16686,7 @@
             </a:ln>
             <a:extLst>
               <a:ext uri="{909E8E84-426E-40dd-AFC4-6F175D3DCCD1}">
-                <a14:hiddenFill xmlns:a14="http://schemas.microsoft.com/office/drawing/2010/main" xmlns="">
+                <a14:hiddenFill xmlns="" xmlns:a14="http://schemas.microsoft.com/office/drawing/2010/main">
                   <a:noFill/>
                 </a14:hiddenFill>
               </a:ext>
@@ -16872,14 +16724,14 @@
             </a:ln>
             <a:extLst>
               <a:ext uri="{909E8E84-426E-40dd-AFC4-6F175D3DCCD1}">
-                <a14:hiddenFill xmlns:a14="http://schemas.microsoft.com/office/drawing/2010/main" xmlns="">
+                <a14:hiddenFill xmlns="" xmlns:a14="http://schemas.microsoft.com/office/drawing/2010/main">
                   <a:solidFill>
                     <a:srgbClr val="FFFFFF"/>
                   </a:solidFill>
                 </a14:hiddenFill>
               </a:ext>
               <a:ext uri="{91240B29-F687-4f45-9708-019B960494DF}">
-                <a14:hiddenLine xmlns:a14="http://schemas.microsoft.com/office/drawing/2010/main" xmlns="" w="9525">
+                <a14:hiddenLine xmlns="" xmlns:a14="http://schemas.microsoft.com/office/drawing/2010/main" w="9525">
                   <a:solidFill>
                     <a:srgbClr val="000000"/>
                   </a:solidFill>
@@ -17040,7 +16892,7 @@
             </a:ln>
             <a:extLst>
               <a:ext uri="{909E8E84-426E-40dd-AFC4-6F175D3DCCD1}">
-                <a14:hiddenFill xmlns:a14="http://schemas.microsoft.com/office/drawing/2010/main" xmlns="">
+                <a14:hiddenFill xmlns="" xmlns:a14="http://schemas.microsoft.com/office/drawing/2010/main">
                   <a:noFill/>
                 </a14:hiddenFill>
               </a:ext>
@@ -17078,14 +16930,14 @@
             </a:ln>
             <a:extLst>
               <a:ext uri="{909E8E84-426E-40dd-AFC4-6F175D3DCCD1}">
-                <a14:hiddenFill xmlns:a14="http://schemas.microsoft.com/office/drawing/2010/main" xmlns="">
+                <a14:hiddenFill xmlns="" xmlns:a14="http://schemas.microsoft.com/office/drawing/2010/main">
                   <a:solidFill>
                     <a:srgbClr val="FFFFFF"/>
                   </a:solidFill>
                 </a14:hiddenFill>
               </a:ext>
               <a:ext uri="{91240B29-F687-4f45-9708-019B960494DF}">
-                <a14:hiddenLine xmlns:a14="http://schemas.microsoft.com/office/drawing/2010/main" xmlns="" w="9525">
+                <a14:hiddenLine xmlns="" xmlns:a14="http://schemas.microsoft.com/office/drawing/2010/main" w="9525">
                   <a:solidFill>
                     <a:srgbClr val="000000"/>
                   </a:solidFill>
@@ -17277,14 +17129,14 @@
             </a:ln>
             <a:extLst>
               <a:ext uri="{909E8E84-426E-40dd-AFC4-6F175D3DCCD1}">
-                <a14:hiddenFill xmlns:a14="http://schemas.microsoft.com/office/drawing/2010/main" xmlns="">
+                <a14:hiddenFill xmlns="" xmlns:a14="http://schemas.microsoft.com/office/drawing/2010/main">
                   <a:solidFill>
                     <a:srgbClr val="FFFFFF"/>
                   </a:solidFill>
                 </a14:hiddenFill>
               </a:ext>
               <a:ext uri="{91240B29-F687-4f45-9708-019B960494DF}">
-                <a14:hiddenLine xmlns:a14="http://schemas.microsoft.com/office/drawing/2010/main" xmlns="" w="9525">
+                <a14:hiddenLine xmlns="" xmlns:a14="http://schemas.microsoft.com/office/drawing/2010/main" w="9525">
                   <a:solidFill>
                     <a:srgbClr val="000000"/>
                   </a:solidFill>
@@ -17453,14 +17305,14 @@
                 </a:ln>
                 <a:extLst>
                   <a:ext uri="{909E8E84-426E-40dd-AFC4-6F175D3DCCD1}">
-                    <a14:hiddenFill xmlns:a14="http://schemas.microsoft.com/office/drawing/2010/main" xmlns="">
+                    <a14:hiddenFill xmlns="" xmlns:a14="http://schemas.microsoft.com/office/drawing/2010/main">
                       <a:solidFill>
                         <a:srgbClr val="FFFFFF"/>
                       </a:solidFill>
                     </a14:hiddenFill>
                   </a:ext>
                   <a:ext uri="{91240B29-F687-4f45-9708-019B960494DF}">
-                    <a14:hiddenLine xmlns:a14="http://schemas.microsoft.com/office/drawing/2010/main" xmlns="" w="9525">
+                    <a14:hiddenLine xmlns="" xmlns:a14="http://schemas.microsoft.com/office/drawing/2010/main" w="9525">
                       <a:solidFill>
                         <a:srgbClr val="000000"/>
                       </a:solidFill>
@@ -17569,14 +17421,14 @@
                   </a:ln>
                   <a:extLst>
                     <a:ext uri="{909E8E84-426E-40dd-AFC4-6F175D3DCCD1}">
-                      <a14:hiddenFill xmlns:a14="http://schemas.microsoft.com/office/drawing/2010/main" xmlns="">
+                      <a14:hiddenFill xmlns="" xmlns:a14="http://schemas.microsoft.com/office/drawing/2010/main">
                         <a:solidFill>
                           <a:srgbClr val="FFFFFF"/>
                         </a:solidFill>
                       </a14:hiddenFill>
                     </a:ext>
                     <a:ext uri="{91240B29-F687-4f45-9708-019B960494DF}">
-                      <a14:hiddenLine xmlns:a14="http://schemas.microsoft.com/office/drawing/2010/main" xmlns="" w="9525">
+                      <a14:hiddenLine xmlns="" xmlns:a14="http://schemas.microsoft.com/office/drawing/2010/main" w="9525">
                         <a:solidFill>
                           <a:srgbClr val="000000"/>
                         </a:solidFill>
@@ -17744,7 +17596,7 @@
                 </a:ln>
                 <a:extLst>
                   <a:ext uri="{909E8E84-426E-40dd-AFC4-6F175D3DCCD1}">
-                    <a14:hiddenFill xmlns:a14="http://schemas.microsoft.com/office/drawing/2010/main" xmlns="">
+                    <a14:hiddenFill xmlns="" xmlns:a14="http://schemas.microsoft.com/office/drawing/2010/main">
                       <a:noFill/>
                     </a14:hiddenFill>
                   </a:ext>
@@ -17787,7 +17639,7 @@
                 </a:ln>
                 <a:extLst>
                   <a:ext uri="{909E8E84-426E-40dd-AFC4-6F175D3DCCD1}">
-                    <a14:hiddenFill xmlns:a14="http://schemas.microsoft.com/office/drawing/2010/main" xmlns="">
+                    <a14:hiddenFill xmlns="" xmlns:a14="http://schemas.microsoft.com/office/drawing/2010/main">
                       <a:noFill/>
                     </a14:hiddenFill>
                   </a:ext>
@@ -17830,7 +17682,7 @@
                 </a:ln>
                 <a:extLst>
                   <a:ext uri="{909E8E84-426E-40dd-AFC4-6F175D3DCCD1}">
-                    <a14:hiddenFill xmlns:a14="http://schemas.microsoft.com/office/drawing/2010/main" xmlns="">
+                    <a14:hiddenFill xmlns="" xmlns:a14="http://schemas.microsoft.com/office/drawing/2010/main">
                       <a:noFill/>
                     </a14:hiddenFill>
                   </a:ext>
@@ -17873,7 +17725,7 @@
                 </a:ln>
                 <a:extLst>
                   <a:ext uri="{909E8E84-426E-40dd-AFC4-6F175D3DCCD1}">
-                    <a14:hiddenFill xmlns:a14="http://schemas.microsoft.com/office/drawing/2010/main" xmlns="">
+                    <a14:hiddenFill xmlns="" xmlns:a14="http://schemas.microsoft.com/office/drawing/2010/main">
                       <a:noFill/>
                     </a14:hiddenFill>
                   </a:ext>
@@ -17916,7 +17768,7 @@
                 </a:ln>
                 <a:extLst>
                   <a:ext uri="{909E8E84-426E-40dd-AFC4-6F175D3DCCD1}">
-                    <a14:hiddenFill xmlns:a14="http://schemas.microsoft.com/office/drawing/2010/main" xmlns="">
+                    <a14:hiddenFill xmlns="" xmlns:a14="http://schemas.microsoft.com/office/drawing/2010/main">
                       <a:noFill/>
                     </a14:hiddenFill>
                   </a:ext>
@@ -17992,14 +17844,14 @@
                 </a:ln>
                 <a:extLst>
                   <a:ext uri="{909E8E84-426E-40dd-AFC4-6F175D3DCCD1}">
-                    <a14:hiddenFill xmlns:a14="http://schemas.microsoft.com/office/drawing/2010/main" xmlns="">
+                    <a14:hiddenFill xmlns="" xmlns:a14="http://schemas.microsoft.com/office/drawing/2010/main">
                       <a:solidFill>
                         <a:srgbClr val="FFFFFF"/>
                       </a:solidFill>
                     </a14:hiddenFill>
                   </a:ext>
                   <a:ext uri="{91240B29-F687-4f45-9708-019B960494DF}">
-                    <a14:hiddenLine xmlns:a14="http://schemas.microsoft.com/office/drawing/2010/main" xmlns="" w="9525">
+                    <a14:hiddenLine xmlns="" xmlns:a14="http://schemas.microsoft.com/office/drawing/2010/main" w="9525">
                       <a:solidFill>
                         <a:srgbClr val="000000"/>
                       </a:solidFill>
@@ -18160,7 +18012,7 @@
                 </a:ln>
                 <a:extLst>
                   <a:ext uri="{909E8E84-426E-40dd-AFC4-6F175D3DCCD1}">
-                    <a14:hiddenFill xmlns:a14="http://schemas.microsoft.com/office/drawing/2010/main" xmlns="">
+                    <a14:hiddenFill xmlns="" xmlns:a14="http://schemas.microsoft.com/office/drawing/2010/main">
                       <a:noFill/>
                     </a14:hiddenFill>
                   </a:ext>
@@ -18203,7 +18055,7 @@
                 </a:ln>
                 <a:extLst>
                   <a:ext uri="{909E8E84-426E-40dd-AFC4-6F175D3DCCD1}">
-                    <a14:hiddenFill xmlns:a14="http://schemas.microsoft.com/office/drawing/2010/main" xmlns="">
+                    <a14:hiddenFill xmlns="" xmlns:a14="http://schemas.microsoft.com/office/drawing/2010/main">
                       <a:noFill/>
                     </a14:hiddenFill>
                   </a:ext>
@@ -18241,14 +18093,14 @@
                 </a:ln>
                 <a:extLst>
                   <a:ext uri="{909E8E84-426E-40dd-AFC4-6F175D3DCCD1}">
-                    <a14:hiddenFill xmlns:a14="http://schemas.microsoft.com/office/drawing/2010/main" xmlns="">
+                    <a14:hiddenFill xmlns="" xmlns:a14="http://schemas.microsoft.com/office/drawing/2010/main">
                       <a:solidFill>
                         <a:srgbClr val="FFFFFF"/>
                       </a:solidFill>
                     </a14:hiddenFill>
                   </a:ext>
                   <a:ext uri="{91240B29-F687-4f45-9708-019B960494DF}">
-                    <a14:hiddenLine xmlns:a14="http://schemas.microsoft.com/office/drawing/2010/main" xmlns="" w="9525">
+                    <a14:hiddenLine xmlns="" xmlns:a14="http://schemas.microsoft.com/office/drawing/2010/main" w="9525">
                       <a:solidFill>
                         <a:srgbClr val="000000"/>
                       </a:solidFill>
@@ -18404,14 +18256,14 @@
                 </a:ln>
                 <a:extLst>
                   <a:ext uri="{909E8E84-426E-40dd-AFC4-6F175D3DCCD1}">
-                    <a14:hiddenFill xmlns:a14="http://schemas.microsoft.com/office/drawing/2010/main" xmlns="">
+                    <a14:hiddenFill xmlns="" xmlns:a14="http://schemas.microsoft.com/office/drawing/2010/main">
                       <a:solidFill>
                         <a:srgbClr val="FFFFFF"/>
                       </a:solidFill>
                     </a14:hiddenFill>
                   </a:ext>
                   <a:ext uri="{91240B29-F687-4f45-9708-019B960494DF}">
-                    <a14:hiddenLine xmlns:a14="http://schemas.microsoft.com/office/drawing/2010/main" xmlns="" w="9525">
+                    <a14:hiddenLine xmlns="" xmlns:a14="http://schemas.microsoft.com/office/drawing/2010/main" w="9525">
                       <a:solidFill>
                         <a:srgbClr val="000000"/>
                       </a:solidFill>
@@ -18567,14 +18419,14 @@
                 </a:ln>
                 <a:extLst>
                   <a:ext uri="{909E8E84-426E-40dd-AFC4-6F175D3DCCD1}">
-                    <a14:hiddenFill xmlns:a14="http://schemas.microsoft.com/office/drawing/2010/main" xmlns="">
+                    <a14:hiddenFill xmlns="" xmlns:a14="http://schemas.microsoft.com/office/drawing/2010/main">
                       <a:solidFill>
                         <a:srgbClr val="FFFFFF"/>
                       </a:solidFill>
                     </a14:hiddenFill>
                   </a:ext>
                   <a:ext uri="{91240B29-F687-4f45-9708-019B960494DF}">
-                    <a14:hiddenLine xmlns:a14="http://schemas.microsoft.com/office/drawing/2010/main" xmlns="" w="9525">
+                    <a14:hiddenLine xmlns="" xmlns:a14="http://schemas.microsoft.com/office/drawing/2010/main" w="9525">
                       <a:solidFill>
                         <a:srgbClr val="000000"/>
                       </a:solidFill>
@@ -18730,14 +18582,14 @@
                 </a:ln>
                 <a:extLst>
                   <a:ext uri="{909E8E84-426E-40dd-AFC4-6F175D3DCCD1}">
-                    <a14:hiddenFill xmlns:a14="http://schemas.microsoft.com/office/drawing/2010/main" xmlns="">
+                    <a14:hiddenFill xmlns="" xmlns:a14="http://schemas.microsoft.com/office/drawing/2010/main">
                       <a:solidFill>
                         <a:srgbClr val="FFFFFF"/>
                       </a:solidFill>
                     </a14:hiddenFill>
                   </a:ext>
                   <a:ext uri="{91240B29-F687-4f45-9708-019B960494DF}">
-                    <a14:hiddenLine xmlns:a14="http://schemas.microsoft.com/office/drawing/2010/main" xmlns="" w="9525">
+                    <a14:hiddenLine xmlns="" xmlns:a14="http://schemas.microsoft.com/office/drawing/2010/main" w="9525">
                       <a:solidFill>
                         <a:srgbClr val="000000"/>
                       </a:solidFill>
@@ -18895,14 +18747,14 @@
             </a:ln>
             <a:extLst>
               <a:ext uri="{909E8E84-426E-40dd-AFC4-6F175D3DCCD1}">
-                <a14:hiddenFill xmlns:a14="http://schemas.microsoft.com/office/drawing/2010/main" xmlns="">
+                <a14:hiddenFill xmlns="" xmlns:a14="http://schemas.microsoft.com/office/drawing/2010/main">
                   <a:solidFill>
                     <a:srgbClr val="FFFFFF"/>
                   </a:solidFill>
                 </a14:hiddenFill>
               </a:ext>
               <a:ext uri="{91240B29-F687-4f45-9708-019B960494DF}">
-                <a14:hiddenLine xmlns:a14="http://schemas.microsoft.com/office/drawing/2010/main" xmlns="" w="9525">
+                <a14:hiddenLine xmlns="" xmlns:a14="http://schemas.microsoft.com/office/drawing/2010/main" w="9525">
                   <a:solidFill>
                     <a:srgbClr val="000000"/>
                   </a:solidFill>
@@ -19068,19 +18920,7 @@
                 <a:rPr lang="en-US" sz="2000" b="0" dirty="0">
                   <a:latin typeface="+mj-lt"/>
                 </a:rPr>
-                <a:t>	</a:t>
-              </a:r>
-              <a:r>
-                <a:rPr lang="en-US" sz="2000" b="0" dirty="0" smtClean="0">
-                  <a:latin typeface="+mj-lt"/>
-                </a:rPr>
-                <a:t>      HALTS </a:t>
-              </a:r>
-              <a:r>
-                <a:rPr lang="en-US" sz="2000" b="0" dirty="0">
-                  <a:latin typeface="+mj-lt"/>
-                </a:rPr>
-                <a:t>if </a:t>
+                <a:t>	      HALTS if </a:t>
               </a:r>
               <a:r>
                 <a:rPr lang="en-US" sz="2000" b="0" dirty="0" err="1">
@@ -19200,14 +19040,14 @@
             </a:ln>
             <a:extLst>
               <a:ext uri="{909E8E84-426E-40dd-AFC4-6F175D3DCCD1}">
-                <a14:hiddenFill xmlns:a14="http://schemas.microsoft.com/office/drawing/2010/main" xmlns="">
+                <a14:hiddenFill xmlns="" xmlns:a14="http://schemas.microsoft.com/office/drawing/2010/main">
                   <a:solidFill>
                     <a:srgbClr val="FFFFFF"/>
                   </a:solidFill>
                 </a14:hiddenFill>
               </a:ext>
               <a:ext uri="{91240B29-F687-4f45-9708-019B960494DF}">
-                <a14:hiddenLine xmlns:a14="http://schemas.microsoft.com/office/drawing/2010/main" xmlns="" w="9525">
+                <a14:hiddenLine xmlns="" xmlns:a14="http://schemas.microsoft.com/office/drawing/2010/main" w="9525">
                   <a:solidFill>
                     <a:srgbClr val="000000"/>
                   </a:solidFill>
@@ -19374,14 +19214,14 @@
             </a:ln>
             <a:extLst>
               <a:ext uri="{909E8E84-426E-40dd-AFC4-6F175D3DCCD1}">
-                <a14:hiddenFill xmlns:a14="http://schemas.microsoft.com/office/drawing/2010/main" xmlns="">
+                <a14:hiddenFill xmlns="" xmlns:a14="http://schemas.microsoft.com/office/drawing/2010/main">
                   <a:solidFill>
                     <a:srgbClr val="FFFFFF"/>
                   </a:solidFill>
                 </a14:hiddenFill>
               </a:ext>
               <a:ext uri="{91240B29-F687-4f45-9708-019B960494DF}">
-                <a14:hiddenLine xmlns:a14="http://schemas.microsoft.com/office/drawing/2010/main" xmlns="" w="9525">
+                <a14:hiddenLine xmlns="" xmlns:a14="http://schemas.microsoft.com/office/drawing/2010/main" w="9525">
                   <a:solidFill>
                     <a:srgbClr val="000000"/>
                   </a:solidFill>
@@ -19541,19 +19381,7 @@
                 <a:rPr lang="en-US" sz="2000" b="0" dirty="0">
                   <a:latin typeface="+mj-lt"/>
                 </a:rPr>
-                <a:t>	</a:t>
-              </a:r>
-              <a:r>
-                <a:rPr lang="en-US" sz="2000" b="0" dirty="0" smtClean="0">
-                  <a:latin typeface="+mj-lt"/>
-                </a:rPr>
-                <a:t>      HALTS </a:t>
-              </a:r>
-              <a:r>
-                <a:rPr lang="en-US" sz="2000" b="0" dirty="0">
-                  <a:latin typeface="+mj-lt"/>
-                </a:rPr>
-                <a:t>if T</a:t>
+                <a:t>	      HALTS if T</a:t>
               </a:r>
               <a:r>
                 <a:rPr lang="en-US" sz="2000" b="0" baseline="-25000" dirty="0">
@@ -19592,14 +19420,14 @@
             </a:ln>
             <a:extLst>
               <a:ext uri="{909E8E84-426E-40dd-AFC4-6F175D3DCCD1}">
-                <a14:hiddenFill xmlns:a14="http://schemas.microsoft.com/office/drawing/2010/main" xmlns="">
+                <a14:hiddenFill xmlns="" xmlns:a14="http://schemas.microsoft.com/office/drawing/2010/main">
                   <a:solidFill>
                     <a:srgbClr val="FFFFFF"/>
                   </a:solidFill>
                 </a14:hiddenFill>
               </a:ext>
               <a:ext uri="{91240B29-F687-4f45-9708-019B960494DF}">
-                <a14:hiddenLine xmlns:a14="http://schemas.microsoft.com/office/drawing/2010/main" xmlns="" w="9525">
+                <a14:hiddenLine xmlns="" xmlns:a14="http://schemas.microsoft.com/office/drawing/2010/main" w="9525">
                   <a:solidFill>
                     <a:srgbClr val="000000"/>
                   </a:solidFill>
@@ -19744,25 +19572,13 @@
                 <a:rPr lang="en-US" sz="1800" b="0" dirty="0">
                   <a:latin typeface="+mj-lt"/>
                 </a:rPr>
-                <a:t> </a:t>
-              </a:r>
-              <a:r>
-                <a:rPr lang="en-US" sz="1800" b="0" dirty="0" smtClean="0">
-                  <a:latin typeface="+mj-lt"/>
-                </a:rPr>
-                <a:t>can’</a:t>
-              </a:r>
-              <a:r>
-                <a:rPr lang="en-US" altLang="ja-JP" sz="1800" b="0" dirty="0" smtClean="0">
-                  <a:latin typeface="+mj-lt"/>
-                </a:rPr>
-                <a:t>t </a:t>
+                <a:t> can’</a:t>
               </a:r>
               <a:r>
                 <a:rPr lang="en-US" altLang="ja-JP" sz="1800" b="0" dirty="0">
                   <a:latin typeface="+mj-lt"/>
                 </a:rPr>
-                <a:t>be computable, hence T</a:t>
+                <a:t>t be computable, hence T</a:t>
               </a:r>
               <a:r>
                 <a:rPr lang="en-US" altLang="ja-JP" sz="1800" b="0" baseline="-25000" dirty="0">
@@ -19774,19 +19590,7 @@
                 <a:rPr lang="en-US" altLang="ja-JP" sz="1800" b="0" dirty="0">
                   <a:latin typeface="+mj-lt"/>
                 </a:rPr>
-                <a:t> </a:t>
-              </a:r>
-              <a:r>
-                <a:rPr lang="en-US" altLang="ja-JP" sz="1800" b="0" dirty="0" smtClean="0">
-                  <a:latin typeface="+mj-lt"/>
-                </a:rPr>
-                <a:t>can’t </a:t>
-              </a:r>
-              <a:r>
-                <a:rPr lang="en-US" altLang="ja-JP" sz="1800" b="0" dirty="0">
-                  <a:latin typeface="+mj-lt"/>
-                </a:rPr>
-                <a:t>either!</a:t>
+                <a:t> can’t either!</a:t>
               </a:r>
               <a:endParaRPr lang="en-US" sz="1800" b="0" dirty="0">
                 <a:latin typeface="+mj-lt"/>
@@ -19817,14 +19621,14 @@
           </a:ln>
           <a:extLst>
             <a:ext uri="{909E8E84-426E-40dd-AFC4-6F175D3DCCD1}">
-              <a14:hiddenFill xmlns:a14="http://schemas.microsoft.com/office/drawing/2010/main" xmlns="">
+              <a14:hiddenFill xmlns="" xmlns:a14="http://schemas.microsoft.com/office/drawing/2010/main">
                 <a:solidFill>
                   <a:srgbClr val="FFFFFF"/>
                 </a:solidFill>
               </a14:hiddenFill>
             </a:ext>
             <a:ext uri="{91240B29-F687-4f45-9708-019B960494DF}">
-              <a14:hiddenLine xmlns:a14="http://schemas.microsoft.com/office/drawing/2010/main" xmlns="" w="9525">
+              <a14:hiddenLine xmlns="" xmlns:a14="http://schemas.microsoft.com/office/drawing/2010/main" w="9525">
                 <a:solidFill>
                   <a:srgbClr val="000000"/>
                 </a:solidFill>
@@ -19866,23 +19670,23 @@
           <a:lstStyle/>
           <a:p>
             <a:r>
-              <a:rPr lang="en-US" dirty="0" smtClean="0"/>
+              <a:rPr lang="en-US" dirty="0"/>
               <a:t>Why </a:t>
             </a:r>
             <a:r>
-              <a:rPr lang="en-US" dirty="0" err="1" smtClean="0"/>
+              <a:rPr lang="en-US" dirty="0" err="1"/>
               <a:t>f</a:t>
             </a:r>
             <a:r>
-              <a:rPr lang="en-US" baseline="-25000" dirty="0" err="1" smtClean="0"/>
+              <a:rPr lang="en-US" baseline="-25000" dirty="0" err="1"/>
               <a:t>H</a:t>
             </a:r>
             <a:r>
-              <a:rPr lang="en-US" dirty="0" smtClean="0"/>
+              <a:rPr lang="en-US" dirty="0"/>
               <a:t> is </a:t>
             </a:r>
             <a:r>
-              <a:rPr lang="en-US" dirty="0" err="1" smtClean="0"/>
+              <a:rPr lang="en-US" dirty="0" err="1"/>
               <a:t>Uncomputable</a:t>
             </a:r>
             <a:endParaRPr lang="en-US" dirty="0"/>
@@ -20109,10 +19913,9 @@
           <a:lstStyle/>
           <a:p>
             <a:r>
-              <a:rPr lang="en-US" dirty="0" smtClean="0"/>
+              <a:rPr lang="en-US" dirty="0"/>
               <a:t>Universality?</a:t>
             </a:r>
-            <a:endParaRPr lang="en-US" dirty="0"/>
           </a:p>
         </p:txBody>
       </p:sp>
@@ -20137,7 +19940,7 @@
           <a:lstStyle/>
           <a:p>
             <a:r>
-              <a:rPr lang="en-US" dirty="0" smtClean="0"/>
+              <a:rPr lang="en-US" dirty="0"/>
               <a:t>Recall: We say a set of Boolean gates is universal if we can implement any Boolean function using only gates from that set.</a:t>
             </a:r>
           </a:p>
@@ -20145,55 +19948,55 @@
             <a:pPr>
               <a:buNone/>
             </a:pPr>
-            <a:endParaRPr lang="en-US" dirty="0" smtClean="0"/>
+            <a:endParaRPr lang="en-US" dirty="0"/>
           </a:p>
           <a:p>
             <a:r>
-              <a:rPr lang="en-US" dirty="0" smtClean="0"/>
+              <a:rPr lang="en-US" dirty="0"/>
               <a:t>What problems can we solve with a von Neumann computer? (e.g., the Beta)</a:t>
             </a:r>
           </a:p>
           <a:p>
             <a:pPr lvl="1"/>
             <a:r>
-              <a:rPr lang="en-US" dirty="0" smtClean="0"/>
+              <a:rPr lang="en-US" dirty="0"/>
               <a:t>Everything that FSMs can solve?</a:t>
             </a:r>
           </a:p>
           <a:p>
             <a:pPr lvl="1"/>
             <a:r>
-              <a:rPr lang="en-US" dirty="0" smtClean="0"/>
+              <a:rPr lang="en-US" dirty="0"/>
               <a:t>Every problem?</a:t>
             </a:r>
           </a:p>
           <a:p>
             <a:pPr lvl="1"/>
             <a:r>
-              <a:rPr lang="en-US" dirty="0" smtClean="0"/>
+              <a:rPr lang="en-US" dirty="0"/>
               <a:t>Does it depend on the ISA?</a:t>
             </a:r>
             <a:br>
-              <a:rPr lang="en-US" dirty="0" smtClean="0"/>
+              <a:rPr lang="en-US" dirty="0"/>
             </a:br>
-            <a:endParaRPr lang="en-US" dirty="0" smtClean="0"/>
+            <a:endParaRPr lang="en-US" dirty="0"/>
           </a:p>
           <a:p>
             <a:r>
-              <a:rPr lang="en-US" dirty="0" smtClean="0"/>
+              <a:rPr lang="en-US" dirty="0"/>
               <a:t>Needed: a mathematical model of computation</a:t>
             </a:r>
           </a:p>
           <a:p>
             <a:pPr lvl="1"/>
             <a:r>
-              <a:rPr lang="en-US" dirty="0" smtClean="0"/>
+              <a:rPr lang="en-US" dirty="0"/>
               <a:t>Prove what can be computed, what can’t</a:t>
             </a:r>
           </a:p>
           <a:p>
             <a:pPr lvl="1"/>
-            <a:endParaRPr lang="en-US" dirty="0" smtClean="0"/>
+            <a:endParaRPr lang="en-US" dirty="0"/>
           </a:p>
         </p:txBody>
       </p:sp>
@@ -20525,14 +20328,14 @@
           </a:ln>
           <a:extLst>
             <a:ext uri="{909E8E84-426E-40dd-AFC4-6F175D3DCCD1}">
-              <a14:hiddenFill xmlns:a14="http://schemas.microsoft.com/office/drawing/2010/main" xmlns="">
+              <a14:hiddenFill xmlns="" xmlns:a14="http://schemas.microsoft.com/office/drawing/2010/main">
                 <a:solidFill>
                   <a:srgbClr val="FFFFFF"/>
                 </a:solidFill>
               </a14:hiddenFill>
             </a:ext>
             <a:ext uri="{91240B29-F687-4f45-9708-019B960494DF}">
-              <a14:hiddenLine xmlns:a14="http://schemas.microsoft.com/office/drawing/2010/main" xmlns="" w="9525">
+              <a14:hiddenLine xmlns="" xmlns:a14="http://schemas.microsoft.com/office/drawing/2010/main" w="9525">
                 <a:solidFill>
                   <a:srgbClr val="000000"/>
                 </a:solidFill>
@@ -20654,7 +20457,7 @@
           </a:ln>
           <a:extLst>
             <a:ext uri="{909E8E84-426E-40dd-AFC4-6F175D3DCCD1}">
-              <a14:hiddenFill xmlns:a14="http://schemas.microsoft.com/office/drawing/2010/main" xmlns="">
+              <a14:hiddenFill xmlns="" xmlns:a14="http://schemas.microsoft.com/office/drawing/2010/main">
                 <a:noFill/>
               </a14:hiddenFill>
             </a:ext>
@@ -20690,14 +20493,14 @@
           </a:ln>
           <a:extLst>
             <a:ext uri="{909E8E84-426E-40dd-AFC4-6F175D3DCCD1}">
-              <a14:hiddenFill xmlns:a14="http://schemas.microsoft.com/office/drawing/2010/main" xmlns="">
+              <a14:hiddenFill xmlns="" xmlns:a14="http://schemas.microsoft.com/office/drawing/2010/main">
                 <a:solidFill>
                   <a:srgbClr val="FFFFFF"/>
                 </a:solidFill>
               </a14:hiddenFill>
             </a:ext>
             <a:ext uri="{91240B29-F687-4f45-9708-019B960494DF}">
-              <a14:hiddenLine xmlns:a14="http://schemas.microsoft.com/office/drawing/2010/main" xmlns="" w="9525">
+              <a14:hiddenLine xmlns="" xmlns:a14="http://schemas.microsoft.com/office/drawing/2010/main" w="9525">
                 <a:solidFill>
                   <a:srgbClr val="000000"/>
                 </a:solidFill>
@@ -20852,14 +20655,14 @@
           </a:ln>
           <a:extLst>
             <a:ext uri="{909E8E84-426E-40dd-AFC4-6F175D3DCCD1}">
-              <a14:hiddenFill xmlns:a14="http://schemas.microsoft.com/office/drawing/2010/main" xmlns="">
+              <a14:hiddenFill xmlns="" xmlns:a14="http://schemas.microsoft.com/office/drawing/2010/main">
                 <a:solidFill>
                   <a:srgbClr val="FFFFFF"/>
                 </a:solidFill>
               </a14:hiddenFill>
             </a:ext>
             <a:ext uri="{91240B29-F687-4f45-9708-019B960494DF}">
-              <a14:hiddenLine xmlns:a14="http://schemas.microsoft.com/office/drawing/2010/main" xmlns="" w="9525">
+              <a14:hiddenLine xmlns="" xmlns:a14="http://schemas.microsoft.com/office/drawing/2010/main" w="9525">
                 <a:solidFill>
                   <a:srgbClr val="000000"/>
                 </a:solidFill>
@@ -21081,14 +20884,14 @@
           </a:ln>
           <a:extLst>
             <a:ext uri="{909E8E84-426E-40dd-AFC4-6F175D3DCCD1}">
-              <a14:hiddenFill xmlns:a14="http://schemas.microsoft.com/office/drawing/2010/main" xmlns="">
+              <a14:hiddenFill xmlns="" xmlns:a14="http://schemas.microsoft.com/office/drawing/2010/main">
                 <a:solidFill>
                   <a:srgbClr val="FFFFFF"/>
                 </a:solidFill>
               </a14:hiddenFill>
             </a:ext>
             <a:ext uri="{91240B29-F687-4f45-9708-019B960494DF}">
-              <a14:hiddenLine xmlns:a14="http://schemas.microsoft.com/office/drawing/2010/main" xmlns="" w="9525">
+              <a14:hiddenLine xmlns="" xmlns:a14="http://schemas.microsoft.com/office/drawing/2010/main" w="9525">
                 <a:solidFill>
                   <a:srgbClr val="000000"/>
                 </a:solidFill>
@@ -22439,7 +22242,7 @@
           <a:p>
             <a:pPr algn="r"/>
             <a:r>
-              <a:rPr lang="en-US" i="1" dirty="0" smtClean="0">
+              <a:rPr lang="en-US" i="1" dirty="0">
                 <a:solidFill>
                   <a:srgbClr val="3366FF"/>
                 </a:solidFill>
@@ -22449,7 +22252,7 @@
               <a:t>We’ve got FSMs</a:t>
             </a:r>
             <a:r>
-              <a:rPr lang="is-IS" i="1" dirty="0" smtClean="0">
+              <a:rPr lang="is-IS" i="1" dirty="0">
                 <a:solidFill>
                   <a:srgbClr val="3366FF"/>
                 </a:solidFill>
@@ -22459,7 +22262,7 @@
               <a:t>…</a:t>
             </a:r>
             <a:br>
-              <a:rPr lang="is-IS" i="1" dirty="0" smtClean="0">
+              <a:rPr lang="is-IS" i="1" dirty="0">
                 <a:solidFill>
                   <a:srgbClr val="3366FF"/>
                 </a:solidFill>
@@ -22468,7 +22271,7 @@
               </a:rPr>
             </a:br>
             <a:r>
-              <a:rPr lang="is-IS" i="1" dirty="0" smtClean="0">
+              <a:rPr lang="is-IS" i="1" dirty="0">
                 <a:solidFill>
                   <a:srgbClr val="3366FF"/>
                 </a:solidFill>
@@ -22759,14 +22562,14 @@
               </a:ln>
               <a:extLst>
                 <a:ext uri="{909E8E84-426E-40dd-AFC4-6F175D3DCCD1}">
-                  <a14:hiddenFill xmlns:a14="http://schemas.microsoft.com/office/drawing/2010/main" xmlns="">
+                  <a14:hiddenFill xmlns="" xmlns:a14="http://schemas.microsoft.com/office/drawing/2010/main">
                     <a:solidFill>
                       <a:srgbClr val="FFFFFF"/>
                     </a:solidFill>
                   </a14:hiddenFill>
                 </a:ext>
                 <a:ext uri="{91240B29-F687-4f45-9708-019B960494DF}">
-                  <a14:hiddenLine xmlns:a14="http://schemas.microsoft.com/office/drawing/2010/main" xmlns="" w="9525">
+                  <a14:hiddenLine xmlns="" xmlns:a14="http://schemas.microsoft.com/office/drawing/2010/main" w="9525">
                     <a:solidFill>
                       <a:srgbClr val="000000"/>
                     </a:solidFill>
@@ -22939,7 +22742,7 @@
               </a:ln>
               <a:extLst>
                 <a:ext uri="{909E8E84-426E-40dd-AFC4-6F175D3DCCD1}">
-                  <a14:hiddenFill xmlns:a14="http://schemas.microsoft.com/office/drawing/2010/main" xmlns="">
+                  <a14:hiddenFill xmlns="" xmlns:a14="http://schemas.microsoft.com/office/drawing/2010/main">
                     <a:noFill/>
                   </a14:hiddenFill>
                 </a:ext>
@@ -22982,7 +22785,7 @@
               </a:ln>
               <a:extLst>
                 <a:ext uri="{909E8E84-426E-40dd-AFC4-6F175D3DCCD1}">
-                  <a14:hiddenFill xmlns:a14="http://schemas.microsoft.com/office/drawing/2010/main" xmlns="">
+                  <a14:hiddenFill xmlns="" xmlns:a14="http://schemas.microsoft.com/office/drawing/2010/main">
                     <a:noFill/>
                   </a14:hiddenFill>
                 </a:ext>
@@ -23021,14 +22824,14 @@
             </a:ln>
             <a:extLst>
               <a:ext uri="{909E8E84-426E-40dd-AFC4-6F175D3DCCD1}">
-                <a14:hiddenFill xmlns:a14="http://schemas.microsoft.com/office/drawing/2010/main" xmlns="">
+                <a14:hiddenFill xmlns="" xmlns:a14="http://schemas.microsoft.com/office/drawing/2010/main">
                   <a:solidFill>
                     <a:srgbClr val="FFFFFF"/>
                   </a:solidFill>
                 </a14:hiddenFill>
               </a:ext>
               <a:ext uri="{91240B29-F687-4f45-9708-019B960494DF}">
-                <a14:hiddenLine xmlns:a14="http://schemas.microsoft.com/office/drawing/2010/main" xmlns="" w="9525">
+                <a14:hiddenLine xmlns="" xmlns:a14="http://schemas.microsoft.com/office/drawing/2010/main" w="9525">
                   <a:solidFill>
                     <a:srgbClr val="000000"/>
                   </a:solidFill>
@@ -23203,14 +23006,14 @@
             </a:ln>
             <a:extLst>
               <a:ext uri="{909E8E84-426E-40dd-AFC4-6F175D3DCCD1}">
-                <a14:hiddenFill xmlns:a14="http://schemas.microsoft.com/office/drawing/2010/main" xmlns="">
+                <a14:hiddenFill xmlns="" xmlns:a14="http://schemas.microsoft.com/office/drawing/2010/main">
                   <a:solidFill>
                     <a:srgbClr val="FFFFFF"/>
                   </a:solidFill>
                 </a14:hiddenFill>
               </a:ext>
               <a:ext uri="{91240B29-F687-4f45-9708-019B960494DF}">
-                <a14:hiddenLine xmlns:a14="http://schemas.microsoft.com/office/drawing/2010/main" xmlns="" w="9525">
+                <a14:hiddenLine xmlns="" xmlns:a14="http://schemas.microsoft.com/office/drawing/2010/main" w="9525">
                   <a:solidFill>
                     <a:srgbClr val="000000"/>
                   </a:solidFill>
@@ -23438,14 +23241,14 @@
               </a:ln>
               <a:extLst>
                 <a:ext uri="{909E8E84-426E-40dd-AFC4-6F175D3DCCD1}">
-                  <a14:hiddenFill xmlns:a14="http://schemas.microsoft.com/office/drawing/2010/main" xmlns="">
+                  <a14:hiddenFill xmlns="" xmlns:a14="http://schemas.microsoft.com/office/drawing/2010/main">
                     <a:solidFill>
                       <a:srgbClr val="FFFFFF"/>
                     </a:solidFill>
                   </a14:hiddenFill>
                 </a:ext>
                 <a:ext uri="{91240B29-F687-4f45-9708-019B960494DF}">
-                  <a14:hiddenLine xmlns:a14="http://schemas.microsoft.com/office/drawing/2010/main" xmlns="" w="9525">
+                  <a14:hiddenLine xmlns="" xmlns:a14="http://schemas.microsoft.com/office/drawing/2010/main" w="9525">
                     <a:solidFill>
                       <a:srgbClr val="000000"/>
                     </a:solidFill>
@@ -23618,7 +23421,7 @@
               </a:ln>
               <a:extLst>
                 <a:ext uri="{909E8E84-426E-40dd-AFC4-6F175D3DCCD1}">
-                  <a14:hiddenFill xmlns:a14="http://schemas.microsoft.com/office/drawing/2010/main" xmlns="">
+                  <a14:hiddenFill xmlns="" xmlns:a14="http://schemas.microsoft.com/office/drawing/2010/main">
                     <a:noFill/>
                   </a14:hiddenFill>
                 </a:ext>
@@ -23661,7 +23464,7 @@
               </a:ln>
               <a:extLst>
                 <a:ext uri="{909E8E84-426E-40dd-AFC4-6F175D3DCCD1}">
-                  <a14:hiddenFill xmlns:a14="http://schemas.microsoft.com/office/drawing/2010/main" xmlns="">
+                  <a14:hiddenFill xmlns="" xmlns:a14="http://schemas.microsoft.com/office/drawing/2010/main">
                     <a:noFill/>
                   </a14:hiddenFill>
                 </a:ext>
@@ -23700,14 +23503,14 @@
             </a:ln>
             <a:extLst>
               <a:ext uri="{909E8E84-426E-40dd-AFC4-6F175D3DCCD1}">
-                <a14:hiddenFill xmlns:a14="http://schemas.microsoft.com/office/drawing/2010/main" xmlns="">
+                <a14:hiddenFill xmlns="" xmlns:a14="http://schemas.microsoft.com/office/drawing/2010/main">
                   <a:solidFill>
                     <a:srgbClr val="FFFFFF"/>
                   </a:solidFill>
                 </a14:hiddenFill>
               </a:ext>
               <a:ext uri="{91240B29-F687-4f45-9708-019B960494DF}">
-                <a14:hiddenLine xmlns:a14="http://schemas.microsoft.com/office/drawing/2010/main" xmlns="" w="9525">
+                <a14:hiddenLine xmlns="" xmlns:a14="http://schemas.microsoft.com/office/drawing/2010/main" w="9525">
                   <a:solidFill>
                     <a:srgbClr val="000000"/>
                   </a:solidFill>
@@ -23882,14 +23685,14 @@
             </a:ln>
             <a:extLst>
               <a:ext uri="{909E8E84-426E-40dd-AFC4-6F175D3DCCD1}">
-                <a14:hiddenFill xmlns:a14="http://schemas.microsoft.com/office/drawing/2010/main" xmlns="">
+                <a14:hiddenFill xmlns="" xmlns:a14="http://schemas.microsoft.com/office/drawing/2010/main">
                   <a:solidFill>
                     <a:srgbClr val="FFFFFF"/>
                   </a:solidFill>
                 </a14:hiddenFill>
               </a:ext>
               <a:ext uri="{91240B29-F687-4f45-9708-019B960494DF}">
-                <a14:hiddenLine xmlns:a14="http://schemas.microsoft.com/office/drawing/2010/main" xmlns="" w="9525">
+                <a14:hiddenLine xmlns="" xmlns:a14="http://schemas.microsoft.com/office/drawing/2010/main" w="9525">
                   <a:solidFill>
                     <a:srgbClr val="000000"/>
                   </a:solidFill>
@@ -24047,14 +23850,14 @@
           </a:ln>
           <a:extLst>
             <a:ext uri="{909E8E84-426E-40dd-AFC4-6F175D3DCCD1}">
-              <a14:hiddenFill xmlns:a14="http://schemas.microsoft.com/office/drawing/2010/main" xmlns="">
+              <a14:hiddenFill xmlns="" xmlns:a14="http://schemas.microsoft.com/office/drawing/2010/main">
                 <a:solidFill>
                   <a:srgbClr val="FFFFFF"/>
                 </a:solidFill>
               </a14:hiddenFill>
             </a:ext>
             <a:ext uri="{91240B29-F687-4f45-9708-019B960494DF}">
-              <a14:hiddenLine xmlns:a14="http://schemas.microsoft.com/office/drawing/2010/main" xmlns="" w="9525">
+              <a14:hiddenLine xmlns="" xmlns:a14="http://schemas.microsoft.com/office/drawing/2010/main" w="9525">
                 <a:solidFill>
                   <a:srgbClr val="000000"/>
                 </a:solidFill>
@@ -24225,17 +24028,8 @@
               <a:rPr lang="en-US" sz="1800" b="0" dirty="0">
                 <a:latin typeface="+mj-lt"/>
               </a:rPr>
-              <a:t>Simple, easy to describe</a:t>
+              <a:t>Simple, easy to describe.</a:t>
             </a:r>
-            <a:r>
-              <a:rPr lang="en-US" sz="1800" b="0" dirty="0" smtClean="0">
-                <a:latin typeface="+mj-lt"/>
-              </a:rPr>
-              <a:t>.</a:t>
-            </a:r>
-            <a:endParaRPr lang="en-US" sz="1800" b="0" dirty="0">
-              <a:latin typeface="+mj-lt"/>
-            </a:endParaRPr>
           </a:p>
         </p:txBody>
       </p:sp>
@@ -24277,14 +24071,14 @@
             </a:ln>
             <a:extLst>
               <a:ext uri="{909E8E84-426E-40dd-AFC4-6F175D3DCCD1}">
-                <a14:hiddenFill xmlns:a14="http://schemas.microsoft.com/office/drawing/2010/main" xmlns="">
+                <a14:hiddenFill xmlns="" xmlns:a14="http://schemas.microsoft.com/office/drawing/2010/main">
                   <a:solidFill>
                     <a:srgbClr val="FFFFFF"/>
                   </a:solidFill>
                 </a14:hiddenFill>
               </a:ext>
               <a:ext uri="{91240B29-F687-4f45-9708-019B960494DF}">
-                <a14:hiddenLine xmlns:a14="http://schemas.microsoft.com/office/drawing/2010/main" xmlns="" w="9525">
+                <a14:hiddenLine xmlns="" xmlns:a14="http://schemas.microsoft.com/office/drawing/2010/main" w="9525">
                   <a:solidFill>
                     <a:srgbClr val="000000"/>
                   </a:solidFill>
@@ -24313,31 +24107,19 @@
                 <a:t>PROBLEM: Requires </a:t>
               </a:r>
               <a:r>
-                <a:rPr lang="en-US" i="1" dirty="0" smtClean="0">
+                <a:rPr lang="en-US" i="1" dirty="0">
                   <a:latin typeface="+mj-lt"/>
                 </a:rPr>
                 <a:t>arbitrarily</a:t>
               </a:r>
               <a:r>
-                <a:rPr lang="en-US" dirty="0" smtClean="0">
-                  <a:latin typeface="+mj-lt"/>
-                </a:rPr>
-                <a:t> </a:t>
-              </a:r>
-              <a:r>
                 <a:rPr lang="en-US" dirty="0">
                   <a:latin typeface="+mj-lt"/>
                 </a:rPr>
-                <a:t>many states, depending on input.   Must "COUNT" unmatched </a:t>
+                <a:t> many states, depending on input.   Must "COUNT" unmatched  left </a:t>
               </a:r>
               <a:r>
-                <a:rPr lang="en-US" dirty="0" smtClean="0">
-                  <a:latin typeface="+mj-lt"/>
-                </a:rPr>
-                <a:t> left </a:t>
-              </a:r>
-              <a:r>
-                <a:rPr lang="en-US" dirty="0" err="1" smtClean="0">
+                <a:rPr lang="en-US" dirty="0" err="1">
                   <a:latin typeface="+mj-lt"/>
                 </a:rPr>
                 <a:t>parens</a:t>
@@ -24394,14 +24176,14 @@
             </a:ln>
             <a:extLst>
               <a:ext uri="{909E8E84-426E-40dd-AFC4-6F175D3DCCD1}">
-                <a14:hiddenFill xmlns:a14="http://schemas.microsoft.com/office/drawing/2010/main" xmlns="">
+                <a14:hiddenFill xmlns="" xmlns:a14="http://schemas.microsoft.com/office/drawing/2010/main">
                   <a:solidFill>
                     <a:srgbClr val="FFFFFF"/>
                   </a:solidFill>
                 </a14:hiddenFill>
               </a:ext>
               <a:ext uri="{91240B29-F687-4f45-9708-019B960494DF}">
-                <a14:hiddenLine xmlns:a14="http://schemas.microsoft.com/office/drawing/2010/main" xmlns="" w="9525">
+                <a14:hiddenLine xmlns="" xmlns:a14="http://schemas.microsoft.com/office/drawing/2010/main" w="9525">
                   <a:solidFill>
                     <a:srgbClr val="000000"/>
                   </a:solidFill>
@@ -24575,14 +24357,14 @@
             </a:ln>
             <a:extLst>
               <a:ext uri="{909E8E84-426E-40dd-AFC4-6F175D3DCCD1}">
-                <a14:hiddenFill xmlns:a14="http://schemas.microsoft.com/office/drawing/2010/main" xmlns="">
+                <a14:hiddenFill xmlns="" xmlns:a14="http://schemas.microsoft.com/office/drawing/2010/main">
                   <a:solidFill>
                     <a:srgbClr val="FFFFFF"/>
                   </a:solidFill>
                 </a14:hiddenFill>
               </a:ext>
               <a:ext uri="{91240B29-F687-4f45-9708-019B960494DF}">
-                <a14:hiddenLine xmlns:a14="http://schemas.microsoft.com/office/drawing/2010/main" xmlns="" w="12700">
+                <a14:hiddenLine xmlns="" xmlns:a14="http://schemas.microsoft.com/office/drawing/2010/main" w="12700">
                   <a:solidFill>
                     <a:srgbClr val="000000"/>
                   </a:solidFill>
@@ -24631,14 +24413,14 @@
             </a:ln>
             <a:extLst>
               <a:ext uri="{909E8E84-426E-40dd-AFC4-6F175D3DCCD1}">
-                <a14:hiddenFill xmlns:a14="http://schemas.microsoft.com/office/drawing/2010/main" xmlns="">
+                <a14:hiddenFill xmlns="" xmlns:a14="http://schemas.microsoft.com/office/drawing/2010/main">
                   <a:solidFill>
                     <a:srgbClr val="FFFFFF"/>
                   </a:solidFill>
                 </a14:hiddenFill>
               </a:ext>
               <a:ext uri="{91240B29-F687-4f45-9708-019B960494DF}">
-                <a14:hiddenLine xmlns:a14="http://schemas.microsoft.com/office/drawing/2010/main" xmlns="" w="9525">
+                <a14:hiddenLine xmlns="" xmlns:a14="http://schemas.microsoft.com/office/drawing/2010/main" w="9525">
                   <a:solidFill>
                     <a:srgbClr val="000000"/>
                   </a:solidFill>
@@ -24840,7 +24622,7 @@
             </a:ln>
             <a:extLst>
               <a:ext uri="{909E8E84-426E-40dd-AFC4-6F175D3DCCD1}">
-                <a14:hiddenFill xmlns:a14="http://schemas.microsoft.com/office/drawing/2010/main" xmlns="">
+                <a14:hiddenFill xmlns="" xmlns:a14="http://schemas.microsoft.com/office/drawing/2010/main">
                   <a:noFill/>
                 </a14:hiddenFill>
               </a:ext>
@@ -24878,26 +24660,11 @@
           <a:lstStyle/>
           <a:p>
             <a:r>
-              <a:rPr lang="en-US" sz="2000" dirty="0" smtClean="0">
-                <a:latin typeface="+mj-lt"/>
-              </a:rPr>
-              <a:t>Can this problem be solved using an FSM?</a:t>
-            </a:r>
-            <a:r>
               <a:rPr lang="en-US" sz="2000" dirty="0">
                 <a:latin typeface="+mj-lt"/>
               </a:rPr>
-              <a:t>?</a:t>
+              <a:t>Can this problem be solved using an FSM???</a:t>
             </a:r>
-            <a:r>
-              <a:rPr lang="en-US" sz="2000" dirty="0" smtClean="0">
-                <a:latin typeface="+mj-lt"/>
-              </a:rPr>
-              <a:t>?</a:t>
-            </a:r>
-            <a:endParaRPr lang="en-US" sz="2000" dirty="0">
-              <a:latin typeface="+mj-lt"/>
-            </a:endParaRPr>
           </a:p>
         </p:txBody>
       </p:sp>
@@ -25083,10 +24850,9 @@
           <a:lstStyle/>
           <a:p>
             <a:r>
-              <a:rPr lang="en-US" dirty="0" smtClean="0"/>
+              <a:rPr lang="en-US" dirty="0"/>
               <a:t>Turing Machines</a:t>
             </a:r>
-            <a:endParaRPr lang="en-US" dirty="0"/>
           </a:p>
         </p:txBody>
       </p:sp>
@@ -25281,7 +25047,7 @@
               <a:buNone/>
             </a:pPr>
             <a:r>
-              <a:rPr lang="en-US" sz="2000" dirty="0" smtClean="0">
+              <a:rPr lang="en-US" sz="2000" dirty="0">
                 <a:latin typeface="+mj-lt"/>
                 <a:ea typeface="ＭＳ Ｐゴシック" charset="0"/>
                 <a:cs typeface="ＭＳ Ｐゴシック" charset="0"/>
@@ -25297,7 +25063,7 @@
               <a:buFontTx/>
               <a:buNone/>
             </a:pPr>
-            <a:endParaRPr lang="en-US" sz="2000" dirty="0" smtClean="0">
+            <a:endParaRPr lang="en-US" sz="2000" dirty="0">
               <a:latin typeface="+mj-lt"/>
               <a:ea typeface="ＭＳ Ｐゴシック" charset="0"/>
               <a:cs typeface="ＭＳ Ｐゴシック" charset="0"/>
@@ -25312,7 +25078,7 @@
               <a:buNone/>
             </a:pPr>
             <a:r>
-              <a:rPr lang="en-US" sz="2000" dirty="0" smtClean="0">
+              <a:rPr lang="en-US" sz="2000" dirty="0">
                 <a:latin typeface="+mj-lt"/>
                 <a:ea typeface="ＭＳ Ｐゴシック" charset="0"/>
                 <a:cs typeface="ＭＳ Ｐゴシック" charset="0"/>
@@ -25327,7 +25093,7 @@
               </a:spcBef>
             </a:pPr>
             <a:r>
-              <a:rPr lang="en-US" sz="1800" dirty="0" smtClean="0">
+              <a:rPr lang="en-US" sz="1800" dirty="0">
                 <a:latin typeface="+mj-lt"/>
                 <a:ea typeface="ＭＳ Ｐゴシック" charset="0"/>
                 <a:cs typeface="ＭＳ Ｐゴシック" charset="0"/>
@@ -25342,7 +25108,7 @@
               </a:spcBef>
             </a:pPr>
             <a:r>
-              <a:rPr lang="en-US" sz="1800" dirty="0" smtClean="0">
+              <a:rPr lang="en-US" sz="1800" dirty="0">
                 <a:latin typeface="+mj-lt"/>
                 <a:ea typeface="ＭＳ Ｐゴシック" charset="0"/>
                 <a:cs typeface="ＭＳ Ｐゴシック" charset="0"/>
@@ -25357,7 +25123,7 @@
               </a:spcBef>
             </a:pPr>
             <a:r>
-              <a:rPr lang="en-US" sz="1800" dirty="0" smtClean="0">
+              <a:rPr lang="en-US" sz="1800" dirty="0">
                 <a:latin typeface="+mj-lt"/>
                 <a:ea typeface="ＭＳ Ｐゴシック" charset="0"/>
                 <a:cs typeface="ＭＳ Ｐゴシック" charset="0"/>
@@ -25373,7 +25139,7 @@
               <a:buFontTx/>
               <a:buNone/>
             </a:pPr>
-            <a:endParaRPr lang="en-US" sz="2000" dirty="0" smtClean="0">
+            <a:endParaRPr lang="en-US" sz="2000" dirty="0">
               <a:latin typeface="+mj-lt"/>
               <a:ea typeface="ＭＳ Ｐゴシック" charset="0"/>
               <a:cs typeface="ＭＳ Ｐゴシック" charset="0"/>
@@ -25388,18 +25154,13 @@
               <a:buNone/>
             </a:pPr>
             <a:r>
-              <a:rPr lang="en-US" sz="2000" dirty="0" smtClean="0">
+              <a:rPr lang="en-US" sz="2000" dirty="0">
                 <a:latin typeface="+mj-lt"/>
                 <a:ea typeface="ＭＳ Ｐゴシック" charset="0"/>
                 <a:cs typeface="ＭＳ Ｐゴシック" charset="0"/>
               </a:rPr>
               <a:t>Turing’s model (like others of the time) solves the "FINITE" problem of FSMs.</a:t>
             </a:r>
-            <a:endParaRPr lang="en-US" sz="2000" dirty="0">
-              <a:latin typeface="+mj-lt"/>
-              <a:ea typeface="ＭＳ Ｐゴシック" charset="0"/>
-              <a:cs typeface="ＭＳ Ｐゴシック" charset="0"/>
-            </a:endParaRPr>
           </a:p>
         </p:txBody>
       </p:sp>
@@ -26594,7 +26355,7 @@
             </a:ln>
             <a:extLst>
               <a:ext uri="{909E8E84-426E-40dd-AFC4-6F175D3DCCD1}">
-                <a14:hiddenFill xmlns:a14="http://schemas.microsoft.com/office/drawing/2010/main" xmlns="">
+                <a14:hiddenFill xmlns="" xmlns:a14="http://schemas.microsoft.com/office/drawing/2010/main">
                   <a:solidFill>
                     <a:srgbClr val="FFFFFF"/>
                   </a:solidFill>
@@ -26632,14 +26393,14 @@
             </a:ln>
             <a:extLst>
               <a:ext uri="{909E8E84-426E-40dd-AFC4-6F175D3DCCD1}">
-                <a14:hiddenFill xmlns:a14="http://schemas.microsoft.com/office/drawing/2010/main" xmlns="">
+                <a14:hiddenFill xmlns="" xmlns:a14="http://schemas.microsoft.com/office/drawing/2010/main">
                   <a:solidFill>
                     <a:srgbClr val="FFFFFF"/>
                   </a:solidFill>
                 </a14:hiddenFill>
               </a:ext>
               <a:ext uri="{91240B29-F687-4f45-9708-019B960494DF}">
-                <a14:hiddenLine xmlns:a14="http://schemas.microsoft.com/office/drawing/2010/main" xmlns="" w="9525">
+                <a14:hiddenLine xmlns="" xmlns:a14="http://schemas.microsoft.com/office/drawing/2010/main" w="9525">
                   <a:solidFill>
                     <a:srgbClr val="000000"/>
                   </a:solidFill>
@@ -26843,7 +26604,7 @@
             </a:ln>
             <a:extLst>
               <a:ext uri="{909E8E84-426E-40dd-AFC4-6F175D3DCCD1}">
-                <a14:hiddenFill xmlns:a14="http://schemas.microsoft.com/office/drawing/2010/main" xmlns="">
+                <a14:hiddenFill xmlns="" xmlns:a14="http://schemas.microsoft.com/office/drawing/2010/main">
                   <a:solidFill>
                     <a:srgbClr val="FFFFFF"/>
                   </a:solidFill>
@@ -26881,14 +26642,14 @@
             </a:ln>
             <a:extLst>
               <a:ext uri="{909E8E84-426E-40dd-AFC4-6F175D3DCCD1}">
-                <a14:hiddenFill xmlns:a14="http://schemas.microsoft.com/office/drawing/2010/main" xmlns="">
+                <a14:hiddenFill xmlns="" xmlns:a14="http://schemas.microsoft.com/office/drawing/2010/main">
                   <a:solidFill>
                     <a:srgbClr val="FFFFFF"/>
                   </a:solidFill>
                 </a14:hiddenFill>
               </a:ext>
               <a:ext uri="{91240B29-F687-4f45-9708-019B960494DF}">
-                <a14:hiddenLine xmlns:a14="http://schemas.microsoft.com/office/drawing/2010/main" xmlns="" w="9525">
+                <a14:hiddenLine xmlns="" xmlns:a14="http://schemas.microsoft.com/office/drawing/2010/main" w="9525">
                   <a:solidFill>
                     <a:srgbClr val="000000"/>
                   </a:solidFill>
@@ -27092,7 +26853,7 @@
             </a:ln>
             <a:extLst>
               <a:ext uri="{909E8E84-426E-40dd-AFC4-6F175D3DCCD1}">
-                <a14:hiddenFill xmlns:a14="http://schemas.microsoft.com/office/drawing/2010/main" xmlns="">
+                <a14:hiddenFill xmlns="" xmlns:a14="http://schemas.microsoft.com/office/drawing/2010/main">
                   <a:solidFill>
                     <a:srgbClr val="FFFFFF"/>
                   </a:solidFill>
@@ -27130,14 +26891,14 @@
             </a:ln>
             <a:extLst>
               <a:ext uri="{909E8E84-426E-40dd-AFC4-6F175D3DCCD1}">
-                <a14:hiddenFill xmlns:a14="http://schemas.microsoft.com/office/drawing/2010/main" xmlns="">
+                <a14:hiddenFill xmlns="" xmlns:a14="http://schemas.microsoft.com/office/drawing/2010/main">
                   <a:solidFill>
                     <a:srgbClr val="FFFFFF"/>
                   </a:solidFill>
                 </a14:hiddenFill>
               </a:ext>
               <a:ext uri="{91240B29-F687-4f45-9708-019B960494DF}">
-                <a14:hiddenLine xmlns:a14="http://schemas.microsoft.com/office/drawing/2010/main" xmlns="" w="9525">
+                <a14:hiddenLine xmlns="" xmlns:a14="http://schemas.microsoft.com/office/drawing/2010/main" w="9525">
                   <a:solidFill>
                     <a:srgbClr val="000000"/>
                   </a:solidFill>
@@ -27296,7 +27057,7 @@
             </a:ln>
             <a:extLst>
               <a:ext uri="{909E8E84-426E-40dd-AFC4-6F175D3DCCD1}">
-                <a14:hiddenFill xmlns:a14="http://schemas.microsoft.com/office/drawing/2010/main" xmlns="">
+                <a14:hiddenFill xmlns="" xmlns:a14="http://schemas.microsoft.com/office/drawing/2010/main">
                   <a:noFill/>
                 </a14:hiddenFill>
               </a:ext>
@@ -27332,14 +27093,14 @@
             </a:ln>
             <a:extLst>
               <a:ext uri="{909E8E84-426E-40dd-AFC4-6F175D3DCCD1}">
-                <a14:hiddenFill xmlns:a14="http://schemas.microsoft.com/office/drawing/2010/main" xmlns="">
+                <a14:hiddenFill xmlns="" xmlns:a14="http://schemas.microsoft.com/office/drawing/2010/main">
                   <a:solidFill>
                     <a:srgbClr val="FFFFFF"/>
                   </a:solidFill>
                 </a14:hiddenFill>
               </a:ext>
               <a:ext uri="{91240B29-F687-4f45-9708-019B960494DF}">
-                <a14:hiddenLine xmlns:a14="http://schemas.microsoft.com/office/drawing/2010/main" xmlns="" w="9525">
+                <a14:hiddenLine xmlns="" xmlns:a14="http://schemas.microsoft.com/office/drawing/2010/main" w="9525">
                   <a:solidFill>
                     <a:srgbClr val="000000"/>
                   </a:solidFill>
@@ -27509,7 +27270,7 @@
             <a:lstStyle/>
             <a:p>
               <a:r>
-                <a:rPr lang="en-US" i="1" dirty="0" smtClean="0">
+                <a:rPr lang="en-US" i="1" dirty="0">
                   <a:solidFill>
                     <a:srgbClr val="FF0000"/>
                   </a:solidFill>
@@ -27517,12 +27278,6 @@
                 </a:rPr>
                 <a:t>Bounded tape configuration can be expressed as a (large!) integer</a:t>
               </a:r>
-              <a:endParaRPr lang="en-US" i="1" dirty="0">
-                <a:solidFill>
-                  <a:srgbClr val="FF0000"/>
-                </a:solidFill>
-                <a:latin typeface="+mj-lt"/>
-              </a:endParaRPr>
             </a:p>
           </p:txBody>
         </p:sp>
@@ -27658,7 +27413,7 @@
             <a:lstStyle/>
             <a:p>
               <a:r>
-                <a:rPr lang="en-US" i="1" dirty="0" smtClean="0">
+                <a:rPr lang="en-US" i="1" dirty="0">
                   <a:solidFill>
                     <a:srgbClr val="FF0000"/>
                   </a:solidFill>
@@ -27666,12 +27421,6 @@
                 </a:rPr>
                 <a:t>FSMs can be enumerated and given a (very large) integer index.</a:t>
               </a:r>
-              <a:endParaRPr lang="en-US" i="1" dirty="0">
-                <a:solidFill>
-                  <a:srgbClr val="FF0000"/>
-                </a:solidFill>
-                <a:latin typeface="+mj-lt"/>
-              </a:endParaRPr>
             </a:p>
           </p:txBody>
         </p:sp>
@@ -28998,7 +28747,7 @@
             <a:lstStyle/>
             <a:p>
               <a:r>
-                <a:rPr lang="en-US" sz="1600" i="1" dirty="0" smtClean="0">
+                <a:rPr lang="en-US" sz="1600" i="1" dirty="0">
                   <a:solidFill>
                     <a:srgbClr val="3366FF"/>
                   </a:solidFill>
@@ -29010,7 +28759,7 @@
             </a:p>
             <a:p>
               <a:r>
-                <a:rPr lang="en-US" sz="1600" i="1" dirty="0" smtClean="0">
+                <a:rPr lang="en-US" sz="1600" i="1" dirty="0">
                   <a:solidFill>
                     <a:srgbClr val="3366FF"/>
                   </a:solidFill>
@@ -29029,20 +28778,10 @@
                   <a:latin typeface="Comic Sans MS"/>
                   <a:cs typeface="Comic Sans MS"/>
                 </a:rPr>
-                <a:t> </a:t>
+                <a:t>               y = TM</a:t>
               </a:r>
               <a:r>
-                <a:rPr lang="en-US" sz="1600" i="1" dirty="0" smtClean="0">
-                  <a:solidFill>
-                    <a:srgbClr val="3366FF"/>
-                  </a:solidFill>
-                  <a:latin typeface="Comic Sans MS"/>
-                  <a:cs typeface="Comic Sans MS"/>
-                </a:rPr>
-                <a:t>              y = TM</a:t>
-              </a:r>
-              <a:r>
-                <a:rPr lang="en-US" sz="1600" i="1" baseline="-25000" dirty="0" smtClean="0">
+                <a:rPr lang="en-US" sz="1600" i="1" baseline="-25000" dirty="0">
                   <a:solidFill>
                     <a:srgbClr val="3366FF"/>
                   </a:solidFill>
@@ -29052,7 +28791,7 @@
                 <a:t>I</a:t>
               </a:r>
               <a:r>
-                <a:rPr lang="en-US" sz="1600" i="1" dirty="0" smtClean="0">
+                <a:rPr lang="en-US" sz="1600" i="1" dirty="0">
                   <a:solidFill>
                     <a:srgbClr val="3366FF"/>
                   </a:solidFill>
@@ -29061,13 +28800,6 @@
                 </a:rPr>
                 <a:t>[x]</a:t>
               </a:r>
-              <a:endParaRPr lang="en-US" sz="1600" i="1" dirty="0">
-                <a:solidFill>
-                  <a:srgbClr val="3366FF"/>
-                </a:solidFill>
-                <a:latin typeface="Comic Sans MS"/>
-                <a:cs typeface="Comic Sans MS"/>
-              </a:endParaRPr>
             </a:p>
           </p:txBody>
         </p:sp>
@@ -29307,10 +29039,9 @@
           <a:lstStyle/>
           <a:p>
             <a:r>
-              <a:rPr lang="en-US" dirty="0" smtClean="0"/>
+              <a:rPr lang="en-US" dirty="0"/>
               <a:t>Other Models of Computation…</a:t>
             </a:r>
-            <a:endParaRPr lang="en-US" dirty="0"/>
           </a:p>
         </p:txBody>
       </p:sp>
@@ -29336,14 +29067,14 @@
           </a:ln>
           <a:extLst>
             <a:ext uri="{909E8E84-426E-40dd-AFC4-6F175D3DCCD1}">
-              <a14:hiddenFill xmlns:a14="http://schemas.microsoft.com/office/drawing/2010/main" xmlns="">
+              <a14:hiddenFill xmlns="" xmlns:a14="http://schemas.microsoft.com/office/drawing/2010/main">
                 <a:solidFill>
                   <a:srgbClr val="FFFFFF"/>
                 </a:solidFill>
               </a14:hiddenFill>
             </a:ext>
             <a:ext uri="{91240B29-F687-4f45-9708-019B960494DF}">
-              <a14:hiddenLine xmlns:a14="http://schemas.microsoft.com/office/drawing/2010/main" xmlns="" w="9525">
+              <a14:hiddenLine xmlns="" xmlns:a14="http://schemas.microsoft.com/office/drawing/2010/main" w="9525">
                 <a:solidFill>
                   <a:srgbClr val="000000"/>
                 </a:solidFill>
@@ -29416,7 +29147,7 @@
             </a:ln>
             <a:extLst>
               <a:ext uri="{909E8E84-426E-40dd-AFC4-6F175D3DCCD1}">
-                <a14:hiddenFill xmlns:a14="http://schemas.microsoft.com/office/drawing/2010/main" xmlns="">
+                <a14:hiddenFill xmlns="" xmlns:a14="http://schemas.microsoft.com/office/drawing/2010/main">
                   <a:noFill/>
                 </a14:hiddenFill>
               </a:ext>
@@ -29457,7 +29188,7 @@
             </a:ln>
             <a:extLst>
               <a:ext uri="{909E8E84-426E-40dd-AFC4-6F175D3DCCD1}">
-                <a14:hiddenFill xmlns:a14="http://schemas.microsoft.com/office/drawing/2010/main" xmlns="">
+                <a14:hiddenFill xmlns="" xmlns:a14="http://schemas.microsoft.com/office/drawing/2010/main">
                   <a:noFill/>
                 </a14:hiddenFill>
               </a:ext>
@@ -29934,7 +29665,7 @@
             </a:ln>
             <a:extLst>
               <a:ext uri="{909E8E84-426E-40dd-AFC4-6F175D3DCCD1}">
-                <a14:hiddenFill xmlns:a14="http://schemas.microsoft.com/office/drawing/2010/main" xmlns="">
+                <a14:hiddenFill xmlns="" xmlns:a14="http://schemas.microsoft.com/office/drawing/2010/main">
                   <a:noFill/>
                 </a14:hiddenFill>
               </a:ext>
@@ -29975,7 +29706,7 @@
             </a:ln>
             <a:extLst>
               <a:ext uri="{909E8E84-426E-40dd-AFC4-6F175D3DCCD1}">
-                <a14:hiddenFill xmlns:a14="http://schemas.microsoft.com/office/drawing/2010/main" xmlns="">
+                <a14:hiddenFill xmlns="" xmlns:a14="http://schemas.microsoft.com/office/drawing/2010/main">
                   <a:noFill/>
                 </a14:hiddenFill>
               </a:ext>
@@ -30016,7 +29747,7 @@
             </a:ln>
             <a:extLst>
               <a:ext uri="{909E8E84-426E-40dd-AFC4-6F175D3DCCD1}">
-                <a14:hiddenFill xmlns:a14="http://schemas.microsoft.com/office/drawing/2010/main" xmlns="">
+                <a14:hiddenFill xmlns="" xmlns:a14="http://schemas.microsoft.com/office/drawing/2010/main">
                   <a:noFill/>
                 </a14:hiddenFill>
               </a:ext>
@@ -30057,7 +29788,7 @@
             </a:ln>
             <a:extLst>
               <a:ext uri="{909E8E84-426E-40dd-AFC4-6F175D3DCCD1}">
-                <a14:hiddenFill xmlns:a14="http://schemas.microsoft.com/office/drawing/2010/main" xmlns="">
+                <a14:hiddenFill xmlns="" xmlns:a14="http://schemas.microsoft.com/office/drawing/2010/main">
                   <a:noFill/>
                 </a14:hiddenFill>
               </a:ext>
@@ -30098,7 +29829,7 @@
             </a:ln>
             <a:extLst>
               <a:ext uri="{909E8E84-426E-40dd-AFC4-6F175D3DCCD1}">
-                <a14:hiddenFill xmlns:a14="http://schemas.microsoft.com/office/drawing/2010/main" xmlns="">
+                <a14:hiddenFill xmlns="" xmlns:a14="http://schemas.microsoft.com/office/drawing/2010/main">
                   <a:noFill/>
                 </a14:hiddenFill>
               </a:ext>
@@ -30139,7 +29870,7 @@
             </a:ln>
             <a:extLst>
               <a:ext uri="{909E8E84-426E-40dd-AFC4-6F175D3DCCD1}">
-                <a14:hiddenFill xmlns:a14="http://schemas.microsoft.com/office/drawing/2010/main" xmlns="">
+                <a14:hiddenFill xmlns="" xmlns:a14="http://schemas.microsoft.com/office/drawing/2010/main">
                   <a:noFill/>
                 </a14:hiddenFill>
               </a:ext>
@@ -30180,7 +29911,7 @@
             </a:ln>
             <a:extLst>
               <a:ext uri="{909E8E84-426E-40dd-AFC4-6F175D3DCCD1}">
-                <a14:hiddenFill xmlns:a14="http://schemas.microsoft.com/office/drawing/2010/main" xmlns="">
+                <a14:hiddenFill xmlns="" xmlns:a14="http://schemas.microsoft.com/office/drawing/2010/main">
                   <a:noFill/>
                 </a14:hiddenFill>
               </a:ext>
@@ -30221,7 +29952,7 @@
             </a:ln>
             <a:extLst>
               <a:ext uri="{909E8E84-426E-40dd-AFC4-6F175D3DCCD1}">
-                <a14:hiddenFill xmlns:a14="http://schemas.microsoft.com/office/drawing/2010/main" xmlns="">
+                <a14:hiddenFill xmlns="" xmlns:a14="http://schemas.microsoft.com/office/drawing/2010/main">
                   <a:noFill/>
                 </a14:hiddenFill>
               </a:ext>
@@ -30262,7 +29993,7 @@
             </a:ln>
             <a:extLst>
               <a:ext uri="{909E8E84-426E-40dd-AFC4-6F175D3DCCD1}">
-                <a14:hiddenFill xmlns:a14="http://schemas.microsoft.com/office/drawing/2010/main" xmlns="">
+                <a14:hiddenFill xmlns="" xmlns:a14="http://schemas.microsoft.com/office/drawing/2010/main">
                   <a:noFill/>
                 </a14:hiddenFill>
               </a:ext>
@@ -30303,7 +30034,7 @@
             </a:ln>
             <a:extLst>
               <a:ext uri="{909E8E84-426E-40dd-AFC4-6F175D3DCCD1}">
-                <a14:hiddenFill xmlns:a14="http://schemas.microsoft.com/office/drawing/2010/main" xmlns="">
+                <a14:hiddenFill xmlns="" xmlns:a14="http://schemas.microsoft.com/office/drawing/2010/main">
                   <a:noFill/>
                 </a14:hiddenFill>
               </a:ext>
@@ -30355,14 +30086,14 @@
               </a:ln>
               <a:extLst>
                 <a:ext uri="{909E8E84-426E-40dd-AFC4-6F175D3DCCD1}">
-                  <a14:hiddenFill xmlns:a14="http://schemas.microsoft.com/office/drawing/2010/main" xmlns="">
+                  <a14:hiddenFill xmlns="" xmlns:a14="http://schemas.microsoft.com/office/drawing/2010/main">
                     <a:solidFill>
                       <a:srgbClr val="FFFFFF"/>
                     </a:solidFill>
                   </a14:hiddenFill>
                 </a:ext>
                 <a:ext uri="{91240B29-F687-4f45-9708-019B960494DF}">
-                  <a14:hiddenLine xmlns:a14="http://schemas.microsoft.com/office/drawing/2010/main" xmlns="" w="9525">
+                  <a14:hiddenLine xmlns="" xmlns:a14="http://schemas.microsoft.com/office/drawing/2010/main" w="9525">
                     <a:solidFill>
                       <a:srgbClr val="000000"/>
                     </a:solidFill>
@@ -30414,14 +30145,14 @@
               </a:ln>
               <a:extLst>
                 <a:ext uri="{909E8E84-426E-40dd-AFC4-6F175D3DCCD1}">
-                  <a14:hiddenFill xmlns:a14="http://schemas.microsoft.com/office/drawing/2010/main" xmlns="">
+                  <a14:hiddenFill xmlns="" xmlns:a14="http://schemas.microsoft.com/office/drawing/2010/main">
                     <a:solidFill>
                       <a:srgbClr val="FFFFFF"/>
                     </a:solidFill>
                   </a14:hiddenFill>
                 </a:ext>
                 <a:ext uri="{91240B29-F687-4f45-9708-019B960494DF}">
-                  <a14:hiddenLine xmlns:a14="http://schemas.microsoft.com/office/drawing/2010/main" xmlns="" w="9525">
+                  <a14:hiddenLine xmlns="" xmlns:a14="http://schemas.microsoft.com/office/drawing/2010/main" w="9525">
                     <a:solidFill>
                       <a:srgbClr val="000000"/>
                     </a:solidFill>
@@ -30479,7 +30210,7 @@
             </a:ln>
             <a:extLst>
               <a:ext uri="{909E8E84-426E-40dd-AFC4-6F175D3DCCD1}">
-                <a14:hiddenFill xmlns:a14="http://schemas.microsoft.com/office/drawing/2010/main" xmlns="">
+                <a14:hiddenFill xmlns="" xmlns:a14="http://schemas.microsoft.com/office/drawing/2010/main">
                   <a:noFill/>
                 </a14:hiddenFill>
               </a:ext>
@@ -30520,7 +30251,7 @@
             </a:ln>
             <a:extLst>
               <a:ext uri="{909E8E84-426E-40dd-AFC4-6F175D3DCCD1}">
-                <a14:hiddenFill xmlns:a14="http://schemas.microsoft.com/office/drawing/2010/main" xmlns="">
+                <a14:hiddenFill xmlns="" xmlns:a14="http://schemas.microsoft.com/office/drawing/2010/main">
                   <a:noFill/>
                 </a14:hiddenFill>
               </a:ext>
@@ -30561,7 +30292,7 @@
             </a:ln>
             <a:extLst>
               <a:ext uri="{909E8E84-426E-40dd-AFC4-6F175D3DCCD1}">
-                <a14:hiddenFill xmlns:a14="http://schemas.microsoft.com/office/drawing/2010/main" xmlns="">
+                <a14:hiddenFill xmlns="" xmlns:a14="http://schemas.microsoft.com/office/drawing/2010/main">
                   <a:noFill/>
                 </a14:hiddenFill>
               </a:ext>
@@ -30602,7 +30333,7 @@
             </a:ln>
             <a:extLst>
               <a:ext uri="{909E8E84-426E-40dd-AFC4-6F175D3DCCD1}">
-                <a14:hiddenFill xmlns:a14="http://schemas.microsoft.com/office/drawing/2010/main" xmlns="">
+                <a14:hiddenFill xmlns="" xmlns:a14="http://schemas.microsoft.com/office/drawing/2010/main">
                   <a:noFill/>
                 </a14:hiddenFill>
               </a:ext>
@@ -30643,7 +30374,7 @@
             </a:ln>
             <a:extLst>
               <a:ext uri="{909E8E84-426E-40dd-AFC4-6F175D3DCCD1}">
-                <a14:hiddenFill xmlns:a14="http://schemas.microsoft.com/office/drawing/2010/main" xmlns="">
+                <a14:hiddenFill xmlns="" xmlns:a14="http://schemas.microsoft.com/office/drawing/2010/main">
                   <a:noFill/>
                 </a14:hiddenFill>
               </a:ext>
@@ -30684,7 +30415,7 @@
             </a:ln>
             <a:extLst>
               <a:ext uri="{909E8E84-426E-40dd-AFC4-6F175D3DCCD1}">
-                <a14:hiddenFill xmlns:a14="http://schemas.microsoft.com/office/drawing/2010/main" xmlns="">
+                <a14:hiddenFill xmlns="" xmlns:a14="http://schemas.microsoft.com/office/drawing/2010/main">
                   <a:noFill/>
                 </a14:hiddenFill>
               </a:ext>
@@ -30725,7 +30456,7 @@
             </a:ln>
             <a:extLst>
               <a:ext uri="{909E8E84-426E-40dd-AFC4-6F175D3DCCD1}">
-                <a14:hiddenFill xmlns:a14="http://schemas.microsoft.com/office/drawing/2010/main" xmlns="">
+                <a14:hiddenFill xmlns="" xmlns:a14="http://schemas.microsoft.com/office/drawing/2010/main">
                   <a:noFill/>
                 </a14:hiddenFill>
               </a:ext>
@@ -30766,7 +30497,7 @@
             </a:ln>
             <a:extLst>
               <a:ext uri="{909E8E84-426E-40dd-AFC4-6F175D3DCCD1}">
-                <a14:hiddenFill xmlns:a14="http://schemas.microsoft.com/office/drawing/2010/main" xmlns="">
+                <a14:hiddenFill xmlns="" xmlns:a14="http://schemas.microsoft.com/office/drawing/2010/main">
                   <a:noFill/>
                 </a14:hiddenFill>
               </a:ext>
@@ -30807,7 +30538,7 @@
             </a:ln>
             <a:extLst>
               <a:ext uri="{909E8E84-426E-40dd-AFC4-6F175D3DCCD1}">
-                <a14:hiddenFill xmlns:a14="http://schemas.microsoft.com/office/drawing/2010/main" xmlns="">
+                <a14:hiddenFill xmlns="" xmlns:a14="http://schemas.microsoft.com/office/drawing/2010/main">
                   <a:noFill/>
                 </a14:hiddenFill>
               </a:ext>
@@ -30848,7 +30579,7 @@
             </a:ln>
             <a:extLst>
               <a:ext uri="{909E8E84-426E-40dd-AFC4-6F175D3DCCD1}">
-                <a14:hiddenFill xmlns:a14="http://schemas.microsoft.com/office/drawing/2010/main" xmlns="">
+                <a14:hiddenFill xmlns="" xmlns:a14="http://schemas.microsoft.com/office/drawing/2010/main">
                   <a:noFill/>
                 </a14:hiddenFill>
               </a:ext>
@@ -30889,7 +30620,7 @@
             </a:ln>
             <a:extLst>
               <a:ext uri="{909E8E84-426E-40dd-AFC4-6F175D3DCCD1}">
-                <a14:hiddenFill xmlns:a14="http://schemas.microsoft.com/office/drawing/2010/main" xmlns="">
+                <a14:hiddenFill xmlns="" xmlns:a14="http://schemas.microsoft.com/office/drawing/2010/main">
                   <a:noFill/>
                 </a14:hiddenFill>
               </a:ext>
@@ -30925,14 +30656,14 @@
             </a:ln>
             <a:extLst>
               <a:ext uri="{909E8E84-426E-40dd-AFC4-6F175D3DCCD1}">
-                <a14:hiddenFill xmlns:a14="http://schemas.microsoft.com/office/drawing/2010/main" xmlns="">
+                <a14:hiddenFill xmlns="" xmlns:a14="http://schemas.microsoft.com/office/drawing/2010/main">
                   <a:solidFill>
                     <a:srgbClr val="FFFFFF"/>
                   </a:solidFill>
                 </a14:hiddenFill>
               </a:ext>
               <a:ext uri="{91240B29-F687-4f45-9708-019B960494DF}">
-                <a14:hiddenLine xmlns:a14="http://schemas.microsoft.com/office/drawing/2010/main" xmlns="" w="9525">
+                <a14:hiddenLine xmlns="" xmlns:a14="http://schemas.microsoft.com/office/drawing/2010/main" w="9525">
                   <a:solidFill>
                     <a:srgbClr val="000000"/>
                   </a:solidFill>
@@ -30984,14 +30715,14 @@
             </a:ln>
             <a:extLst>
               <a:ext uri="{909E8E84-426E-40dd-AFC4-6F175D3DCCD1}">
-                <a14:hiddenFill xmlns:a14="http://schemas.microsoft.com/office/drawing/2010/main" xmlns="">
+                <a14:hiddenFill xmlns="" xmlns:a14="http://schemas.microsoft.com/office/drawing/2010/main">
                   <a:solidFill>
                     <a:srgbClr val="FFFFFF"/>
                   </a:solidFill>
                 </a14:hiddenFill>
               </a:ext>
               <a:ext uri="{91240B29-F687-4f45-9708-019B960494DF}">
-                <a14:hiddenLine xmlns:a14="http://schemas.microsoft.com/office/drawing/2010/main" xmlns="" w="9525">
+                <a14:hiddenLine xmlns="" xmlns:a14="http://schemas.microsoft.com/office/drawing/2010/main" w="9525">
                   <a:solidFill>
                     <a:srgbClr val="000000"/>
                   </a:solidFill>
@@ -31043,14 +30774,14 @@
             </a:ln>
             <a:extLst>
               <a:ext uri="{909E8E84-426E-40dd-AFC4-6F175D3DCCD1}">
-                <a14:hiddenFill xmlns:a14="http://schemas.microsoft.com/office/drawing/2010/main" xmlns="">
+                <a14:hiddenFill xmlns="" xmlns:a14="http://schemas.microsoft.com/office/drawing/2010/main">
                   <a:solidFill>
                     <a:srgbClr val="FFFFFF"/>
                   </a:solidFill>
                 </a14:hiddenFill>
               </a:ext>
               <a:ext uri="{91240B29-F687-4f45-9708-019B960494DF}">
-                <a14:hiddenLine xmlns:a14="http://schemas.microsoft.com/office/drawing/2010/main" xmlns="" w="9525">
+                <a14:hiddenLine xmlns="" xmlns:a14="http://schemas.microsoft.com/office/drawing/2010/main" w="9525">
                   <a:solidFill>
                     <a:srgbClr val="000000"/>
                   </a:solidFill>
@@ -31102,14 +30833,14 @@
             </a:ln>
             <a:extLst>
               <a:ext uri="{909E8E84-426E-40dd-AFC4-6F175D3DCCD1}">
-                <a14:hiddenFill xmlns:a14="http://schemas.microsoft.com/office/drawing/2010/main" xmlns="">
+                <a14:hiddenFill xmlns="" xmlns:a14="http://schemas.microsoft.com/office/drawing/2010/main">
                   <a:solidFill>
                     <a:srgbClr val="FFFFFF"/>
                   </a:solidFill>
                 </a14:hiddenFill>
               </a:ext>
               <a:ext uri="{91240B29-F687-4f45-9708-019B960494DF}">
-                <a14:hiddenLine xmlns:a14="http://schemas.microsoft.com/office/drawing/2010/main" xmlns="" w="9525">
+                <a14:hiddenLine xmlns="" xmlns:a14="http://schemas.microsoft.com/office/drawing/2010/main" w="9525">
                   <a:solidFill>
                     <a:srgbClr val="000000"/>
                   </a:solidFill>
@@ -31161,14 +30892,14 @@
             </a:ln>
             <a:extLst>
               <a:ext uri="{909E8E84-426E-40dd-AFC4-6F175D3DCCD1}">
-                <a14:hiddenFill xmlns:a14="http://schemas.microsoft.com/office/drawing/2010/main" xmlns="">
+                <a14:hiddenFill xmlns="" xmlns:a14="http://schemas.microsoft.com/office/drawing/2010/main">
                   <a:solidFill>
                     <a:srgbClr val="FFFFFF"/>
                   </a:solidFill>
                 </a14:hiddenFill>
               </a:ext>
               <a:ext uri="{91240B29-F687-4f45-9708-019B960494DF}">
-                <a14:hiddenLine xmlns:a14="http://schemas.microsoft.com/office/drawing/2010/main" xmlns="" w="9525">
+                <a14:hiddenLine xmlns="" xmlns:a14="http://schemas.microsoft.com/office/drawing/2010/main" w="9525">
                   <a:solidFill>
                     <a:srgbClr val="000000"/>
                   </a:solidFill>
@@ -31220,14 +30951,14 @@
             </a:ln>
             <a:extLst>
               <a:ext uri="{909E8E84-426E-40dd-AFC4-6F175D3DCCD1}">
-                <a14:hiddenFill xmlns:a14="http://schemas.microsoft.com/office/drawing/2010/main" xmlns="">
+                <a14:hiddenFill xmlns="" xmlns:a14="http://schemas.microsoft.com/office/drawing/2010/main">
                   <a:solidFill>
                     <a:srgbClr val="FFFFFF"/>
                   </a:solidFill>
                 </a14:hiddenFill>
               </a:ext>
               <a:ext uri="{91240B29-F687-4f45-9708-019B960494DF}">
-                <a14:hiddenLine xmlns:a14="http://schemas.microsoft.com/office/drawing/2010/main" xmlns="" w="9525">
+                <a14:hiddenLine xmlns="" xmlns:a14="http://schemas.microsoft.com/office/drawing/2010/main" w="9525">
                   <a:solidFill>
                     <a:srgbClr val="000000"/>
                   </a:solidFill>
@@ -31279,14 +31010,14 @@
             </a:ln>
             <a:extLst>
               <a:ext uri="{909E8E84-426E-40dd-AFC4-6F175D3DCCD1}">
-                <a14:hiddenFill xmlns:a14="http://schemas.microsoft.com/office/drawing/2010/main" xmlns="">
+                <a14:hiddenFill xmlns="" xmlns:a14="http://schemas.microsoft.com/office/drawing/2010/main">
                   <a:solidFill>
                     <a:srgbClr val="FFFFFF"/>
                   </a:solidFill>
                 </a14:hiddenFill>
               </a:ext>
               <a:ext uri="{91240B29-F687-4f45-9708-019B960494DF}">
-                <a14:hiddenLine xmlns:a14="http://schemas.microsoft.com/office/drawing/2010/main" xmlns="" w="9525">
+                <a14:hiddenLine xmlns="" xmlns:a14="http://schemas.microsoft.com/office/drawing/2010/main" w="9525">
                   <a:solidFill>
                     <a:srgbClr val="000000"/>
                   </a:solidFill>
@@ -31338,14 +31069,14 @@
             </a:ln>
             <a:extLst>
               <a:ext uri="{909E8E84-426E-40dd-AFC4-6F175D3DCCD1}">
-                <a14:hiddenFill xmlns:a14="http://schemas.microsoft.com/office/drawing/2010/main" xmlns="">
+                <a14:hiddenFill xmlns="" xmlns:a14="http://schemas.microsoft.com/office/drawing/2010/main">
                   <a:solidFill>
                     <a:srgbClr val="FFFFFF"/>
                   </a:solidFill>
                 </a14:hiddenFill>
               </a:ext>
               <a:ext uri="{91240B29-F687-4f45-9708-019B960494DF}">
-                <a14:hiddenLine xmlns:a14="http://schemas.microsoft.com/office/drawing/2010/main" xmlns="" w="9525">
+                <a14:hiddenLine xmlns="" xmlns:a14="http://schemas.microsoft.com/office/drawing/2010/main" w="9525">
                   <a:solidFill>
                     <a:srgbClr val="000000"/>
                   </a:solidFill>
@@ -31397,14 +31128,14 @@
             </a:ln>
             <a:extLst>
               <a:ext uri="{909E8E84-426E-40dd-AFC4-6F175D3DCCD1}">
-                <a14:hiddenFill xmlns:a14="http://schemas.microsoft.com/office/drawing/2010/main" xmlns="">
+                <a14:hiddenFill xmlns="" xmlns:a14="http://schemas.microsoft.com/office/drawing/2010/main">
                   <a:solidFill>
                     <a:srgbClr val="FFFFFF"/>
                   </a:solidFill>
                 </a14:hiddenFill>
               </a:ext>
               <a:ext uri="{91240B29-F687-4f45-9708-019B960494DF}">
-                <a14:hiddenLine xmlns:a14="http://schemas.microsoft.com/office/drawing/2010/main" xmlns="" w="9525">
+                <a14:hiddenLine xmlns="" xmlns:a14="http://schemas.microsoft.com/office/drawing/2010/main" w="9525">
                   <a:solidFill>
                     <a:srgbClr val="000000"/>
                   </a:solidFill>
@@ -31457,14 +31188,14 @@
           </a:ln>
           <a:extLst>
             <a:ext uri="{909E8E84-426E-40dd-AFC4-6F175D3DCCD1}">
-              <a14:hiddenFill xmlns:a14="http://schemas.microsoft.com/office/drawing/2010/main" xmlns="">
+              <a14:hiddenFill xmlns="" xmlns:a14="http://schemas.microsoft.com/office/drawing/2010/main">
                 <a:solidFill>
                   <a:srgbClr val="FFFFFF"/>
                 </a:solidFill>
               </a14:hiddenFill>
             </a:ext>
             <a:ext uri="{91240B29-F687-4f45-9708-019B960494DF}">
-              <a14:hiddenLine xmlns:a14="http://schemas.microsoft.com/office/drawing/2010/main" xmlns="" w="12700">
+              <a14:hiddenLine xmlns="" xmlns:a14="http://schemas.microsoft.com/office/drawing/2010/main" w="12700">
                 <a:solidFill>
                   <a:srgbClr val="000000"/>
                 </a:solidFill>
@@ -31487,14 +31218,11 @@
               </a:lnSpc>
             </a:pPr>
             <a:r>
-              <a:rPr lang="en-US" sz="1600" dirty="0" smtClean="0">
+              <a:rPr lang="en-US" sz="1600" dirty="0">
                 <a:latin typeface="+mj-lt"/>
               </a:rPr>
               <a:t>Alan Turing</a:t>
             </a:r>
-            <a:endParaRPr lang="en-US" sz="1600" dirty="0">
-              <a:latin typeface="+mj-lt"/>
-            </a:endParaRPr>
           </a:p>
         </p:txBody>
       </p:sp>
@@ -31558,14 +31286,14 @@
             </a:ln>
             <a:extLst>
               <a:ext uri="{909E8E84-426E-40dd-AFC4-6F175D3DCCD1}">
-                <a14:hiddenFill xmlns:a14="http://schemas.microsoft.com/office/drawing/2010/main" xmlns="">
+                <a14:hiddenFill xmlns="" xmlns:a14="http://schemas.microsoft.com/office/drawing/2010/main">
                   <a:solidFill>
                     <a:srgbClr val="FFFFFF"/>
                   </a:solidFill>
                 </a14:hiddenFill>
               </a:ext>
               <a:ext uri="{91240B29-F687-4f45-9708-019B960494DF}">
-                <a14:hiddenLine xmlns:a14="http://schemas.microsoft.com/office/drawing/2010/main" xmlns="" w="9525">
+                <a14:hiddenLine xmlns="" xmlns:a14="http://schemas.microsoft.com/office/drawing/2010/main" w="9525">
                   <a:solidFill>
                     <a:srgbClr val="000000"/>
                   </a:solidFill>
@@ -31650,14 +31378,14 @@
             </a:ln>
             <a:extLst>
               <a:ext uri="{909E8E84-426E-40dd-AFC4-6F175D3DCCD1}">
-                <a14:hiddenFill xmlns:a14="http://schemas.microsoft.com/office/drawing/2010/main" xmlns="">
+                <a14:hiddenFill xmlns="" xmlns:a14="http://schemas.microsoft.com/office/drawing/2010/main">
                   <a:solidFill>
                     <a:srgbClr val="FFFFFF"/>
                   </a:solidFill>
                 </a14:hiddenFill>
               </a:ext>
               <a:ext uri="{91240B29-F687-4f45-9708-019B960494DF}">
-                <a14:hiddenLine xmlns:a14="http://schemas.microsoft.com/office/drawing/2010/main" xmlns="" w="12700">
+                <a14:hiddenLine xmlns="" xmlns:a14="http://schemas.microsoft.com/office/drawing/2010/main" w="12700">
                   <a:solidFill>
                     <a:srgbClr val="000000"/>
                   </a:solidFill>
@@ -31691,14 +31419,14 @@
             </a:ln>
             <a:extLst>
               <a:ext uri="{909E8E84-426E-40dd-AFC4-6F175D3DCCD1}">
-                <a14:hiddenFill xmlns:a14="http://schemas.microsoft.com/office/drawing/2010/main" xmlns="">
+                <a14:hiddenFill xmlns="" xmlns:a14="http://schemas.microsoft.com/office/drawing/2010/main">
                   <a:solidFill>
                     <a:srgbClr val="FFFFFF"/>
                   </a:solidFill>
                 </a14:hiddenFill>
               </a:ext>
               <a:ext uri="{91240B29-F687-4f45-9708-019B960494DF}">
-                <a14:hiddenLine xmlns:a14="http://schemas.microsoft.com/office/drawing/2010/main" xmlns="" w="12700">
+                <a14:hiddenLine xmlns="" xmlns:a14="http://schemas.microsoft.com/office/drawing/2010/main" w="12700">
                   <a:solidFill>
                     <a:srgbClr val="000000"/>
                   </a:solidFill>
@@ -31764,14 +31492,14 @@
             </a:ln>
             <a:extLst>
               <a:ext uri="{909E8E84-426E-40dd-AFC4-6F175D3DCCD1}">
-                <a14:hiddenFill xmlns:a14="http://schemas.microsoft.com/office/drawing/2010/main" xmlns="">
+                <a14:hiddenFill xmlns="" xmlns:a14="http://schemas.microsoft.com/office/drawing/2010/main">
                   <a:solidFill>
                     <a:srgbClr val="FFFFFF"/>
                   </a:solidFill>
                 </a14:hiddenFill>
               </a:ext>
               <a:ext uri="{91240B29-F687-4f45-9708-019B960494DF}">
-                <a14:hiddenLine xmlns:a14="http://schemas.microsoft.com/office/drawing/2010/main" xmlns="" w="12700">
+                <a14:hiddenLine xmlns="" xmlns:a14="http://schemas.microsoft.com/office/drawing/2010/main" w="12700">
                   <a:solidFill>
                     <a:srgbClr val="000000"/>
                   </a:solidFill>
@@ -31794,7 +31522,7 @@
                 </a:lnSpc>
               </a:pPr>
               <a:r>
-                <a:rPr lang="en-US" dirty="0" smtClean="0">
+                <a:rPr lang="en-US" dirty="0">
                   <a:latin typeface="+mj-lt"/>
                 </a:rPr>
                 <a:t>Stephen</a:t>
@@ -31807,7 +31535,7 @@
                 </a:lnSpc>
               </a:pPr>
               <a:r>
-                <a:rPr lang="en-US" dirty="0" err="1" smtClean="0">
+                <a:rPr lang="en-US" dirty="0" err="1">
                   <a:latin typeface="+mj-lt"/>
                 </a:rPr>
                 <a:t>Kleene</a:t>
@@ -31879,14 +31607,14 @@
             </a:ln>
             <a:extLst>
               <a:ext uri="{909E8E84-426E-40dd-AFC4-6F175D3DCCD1}">
-                <a14:hiddenFill xmlns:a14="http://schemas.microsoft.com/office/drawing/2010/main" xmlns="">
+                <a14:hiddenFill xmlns="" xmlns:a14="http://schemas.microsoft.com/office/drawing/2010/main">
                   <a:solidFill>
                     <a:srgbClr val="FFFFFF"/>
                   </a:solidFill>
                 </a14:hiddenFill>
               </a:ext>
               <a:ext uri="{91240B29-F687-4f45-9708-019B960494DF}">
-                <a14:hiddenLine xmlns:a14="http://schemas.microsoft.com/office/drawing/2010/main" xmlns="" w="9525">
+                <a14:hiddenLine xmlns="" xmlns:a14="http://schemas.microsoft.com/office/drawing/2010/main" w="9525">
                   <a:solidFill>
                     <a:srgbClr val="000000"/>
                   </a:solidFill>
@@ -31940,14 +31668,14 @@
             </a:ln>
             <a:extLst>
               <a:ext uri="{909E8E84-426E-40dd-AFC4-6F175D3DCCD1}">
-                <a14:hiddenFill xmlns:a14="http://schemas.microsoft.com/office/drawing/2010/main" xmlns="">
+                <a14:hiddenFill xmlns="" xmlns:a14="http://schemas.microsoft.com/office/drawing/2010/main">
                   <a:solidFill>
                     <a:srgbClr val="FFFFFF"/>
                   </a:solidFill>
                 </a14:hiddenFill>
               </a:ext>
               <a:ext uri="{91240B29-F687-4f45-9708-019B960494DF}">
-                <a14:hiddenLine xmlns:a14="http://schemas.microsoft.com/office/drawing/2010/main" xmlns="" w="9525">
+                <a14:hiddenLine xmlns="" xmlns:a14="http://schemas.microsoft.com/office/drawing/2010/main" w="9525">
                   <a:solidFill>
                     <a:srgbClr val="000000"/>
                   </a:solidFill>
@@ -31999,14 +31727,14 @@
             </a:ln>
             <a:extLst>
               <a:ext uri="{909E8E84-426E-40dd-AFC4-6F175D3DCCD1}">
-                <a14:hiddenFill xmlns:a14="http://schemas.microsoft.com/office/drawing/2010/main" xmlns="">
+                <a14:hiddenFill xmlns="" xmlns:a14="http://schemas.microsoft.com/office/drawing/2010/main">
                   <a:solidFill>
                     <a:srgbClr val="FFFFFF"/>
                   </a:solidFill>
                 </a14:hiddenFill>
               </a:ext>
               <a:ext uri="{91240B29-F687-4f45-9708-019B960494DF}">
-                <a14:hiddenLine xmlns:a14="http://schemas.microsoft.com/office/drawing/2010/main" xmlns="" w="9525">
+                <a14:hiddenLine xmlns="" xmlns:a14="http://schemas.microsoft.com/office/drawing/2010/main" w="9525">
                   <a:solidFill>
                     <a:srgbClr val="000000"/>
                   </a:solidFill>
@@ -32058,14 +31786,14 @@
             </a:ln>
             <a:extLst>
               <a:ext uri="{909E8E84-426E-40dd-AFC4-6F175D3DCCD1}">
-                <a14:hiddenFill xmlns:a14="http://schemas.microsoft.com/office/drawing/2010/main" xmlns="">
+                <a14:hiddenFill xmlns="" xmlns:a14="http://schemas.microsoft.com/office/drawing/2010/main">
                   <a:solidFill>
                     <a:srgbClr val="FFFFFF"/>
                   </a:solidFill>
                 </a14:hiddenFill>
               </a:ext>
               <a:ext uri="{91240B29-F687-4f45-9708-019B960494DF}">
-                <a14:hiddenLine xmlns:a14="http://schemas.microsoft.com/office/drawing/2010/main" xmlns="" w="9525">
+                <a14:hiddenLine xmlns="" xmlns:a14="http://schemas.microsoft.com/office/drawing/2010/main" w="9525">
                   <a:solidFill>
                     <a:srgbClr val="000000"/>
                   </a:solidFill>
@@ -32117,14 +31845,14 @@
             </a:ln>
             <a:extLst>
               <a:ext uri="{909E8E84-426E-40dd-AFC4-6F175D3DCCD1}">
-                <a14:hiddenFill xmlns:a14="http://schemas.microsoft.com/office/drawing/2010/main" xmlns="">
+                <a14:hiddenFill xmlns="" xmlns:a14="http://schemas.microsoft.com/office/drawing/2010/main">
                   <a:solidFill>
                     <a:srgbClr val="FFFFFF"/>
                   </a:solidFill>
                 </a14:hiddenFill>
               </a:ext>
               <a:ext uri="{91240B29-F687-4f45-9708-019B960494DF}">
-                <a14:hiddenLine xmlns:a14="http://schemas.microsoft.com/office/drawing/2010/main" xmlns="" w="9525">
+                <a14:hiddenLine xmlns="" xmlns:a14="http://schemas.microsoft.com/office/drawing/2010/main" w="9525">
                   <a:solidFill>
                     <a:srgbClr val="000000"/>
                   </a:solidFill>
@@ -32176,14 +31904,14 @@
             </a:ln>
             <a:extLst>
               <a:ext uri="{909E8E84-426E-40dd-AFC4-6F175D3DCCD1}">
-                <a14:hiddenFill xmlns:a14="http://schemas.microsoft.com/office/drawing/2010/main" xmlns="">
+                <a14:hiddenFill xmlns="" xmlns:a14="http://schemas.microsoft.com/office/drawing/2010/main">
                   <a:solidFill>
                     <a:srgbClr val="FFFFFF"/>
                   </a:solidFill>
                 </a14:hiddenFill>
               </a:ext>
               <a:ext uri="{91240B29-F687-4f45-9708-019B960494DF}">
-                <a14:hiddenLine xmlns:a14="http://schemas.microsoft.com/office/drawing/2010/main" xmlns="" w="12700">
+                <a14:hiddenLine xmlns="" xmlns:a14="http://schemas.microsoft.com/office/drawing/2010/main" w="12700">
                   <a:solidFill>
                     <a:srgbClr val="000000"/>
                   </a:solidFill>
@@ -32236,14 +31964,14 @@
             </a:ln>
             <a:extLst>
               <a:ext uri="{909E8E84-426E-40dd-AFC4-6F175D3DCCD1}">
-                <a14:hiddenFill xmlns:a14="http://schemas.microsoft.com/office/drawing/2010/main" xmlns="">
+                <a14:hiddenFill xmlns="" xmlns:a14="http://schemas.microsoft.com/office/drawing/2010/main">
                   <a:solidFill>
                     <a:srgbClr val="FFFFFF"/>
                   </a:solidFill>
                 </a14:hiddenFill>
               </a:ext>
               <a:ext uri="{91240B29-F687-4f45-9708-019B960494DF}">
-                <a14:hiddenLine xmlns:a14="http://schemas.microsoft.com/office/drawing/2010/main" xmlns="" w="12700">
+                <a14:hiddenLine xmlns="" xmlns:a14="http://schemas.microsoft.com/office/drawing/2010/main" w="12700">
                   <a:solidFill>
                     <a:srgbClr val="000000"/>
                   </a:solidFill>
@@ -32266,7 +31994,7 @@
                 </a:lnSpc>
               </a:pPr>
               <a:r>
-                <a:rPr lang="en-US" dirty="0" smtClean="0">
+                <a:rPr lang="en-US" dirty="0">
                   <a:latin typeface="+mj-lt"/>
                 </a:rPr>
                 <a:t>Alonzo</a:t>
@@ -32279,14 +32007,11 @@
                 </a:lnSpc>
               </a:pPr>
               <a:r>
-                <a:rPr lang="en-US" dirty="0" smtClean="0">
+                <a:rPr lang="en-US" dirty="0">
                   <a:latin typeface="+mj-lt"/>
                 </a:rPr>
                 <a:t>Church</a:t>
               </a:r>
-              <a:endParaRPr lang="en-US" dirty="0">
-                <a:latin typeface="+mj-lt"/>
-              </a:endParaRPr>
             </a:p>
           </p:txBody>
         </p:sp>
@@ -32351,14 +32076,14 @@
             </a:ln>
             <a:extLst>
               <a:ext uri="{909E8E84-426E-40dd-AFC4-6F175D3DCCD1}">
-                <a14:hiddenFill xmlns:a14="http://schemas.microsoft.com/office/drawing/2010/main" xmlns="">
+                <a14:hiddenFill xmlns="" xmlns:a14="http://schemas.microsoft.com/office/drawing/2010/main">
                   <a:solidFill>
                     <a:srgbClr val="FFFFFF"/>
                   </a:solidFill>
                 </a14:hiddenFill>
               </a:ext>
               <a:ext uri="{91240B29-F687-4f45-9708-019B960494DF}">
-                <a14:hiddenLine xmlns:a14="http://schemas.microsoft.com/office/drawing/2010/main" xmlns="" w="9525">
+                <a14:hiddenLine xmlns="" xmlns:a14="http://schemas.microsoft.com/office/drawing/2010/main" w="9525">
                   <a:solidFill>
                     <a:srgbClr val="000000"/>
                   </a:solidFill>
@@ -32412,14 +32137,14 @@
             </a:ln>
             <a:extLst>
               <a:ext uri="{909E8E84-426E-40dd-AFC4-6F175D3DCCD1}">
-                <a14:hiddenFill xmlns:a14="http://schemas.microsoft.com/office/drawing/2010/main" xmlns="">
+                <a14:hiddenFill xmlns="" xmlns:a14="http://schemas.microsoft.com/office/drawing/2010/main">
                   <a:solidFill>
                     <a:srgbClr val="FFFFFF"/>
                   </a:solidFill>
                 </a14:hiddenFill>
               </a:ext>
               <a:ext uri="{91240B29-F687-4f45-9708-019B960494DF}">
-                <a14:hiddenLine xmlns:a14="http://schemas.microsoft.com/office/drawing/2010/main" xmlns="" w="9525">
+                <a14:hiddenLine xmlns="" xmlns:a14="http://schemas.microsoft.com/office/drawing/2010/main" w="9525">
                   <a:solidFill>
                     <a:srgbClr val="000000"/>
                   </a:solidFill>
@@ -32471,14 +32196,14 @@
             </a:ln>
             <a:extLst>
               <a:ext uri="{909E8E84-426E-40dd-AFC4-6F175D3DCCD1}">
-                <a14:hiddenFill xmlns:a14="http://schemas.microsoft.com/office/drawing/2010/main" xmlns="">
+                <a14:hiddenFill xmlns="" xmlns:a14="http://schemas.microsoft.com/office/drawing/2010/main">
                   <a:solidFill>
                     <a:srgbClr val="FFFFFF"/>
                   </a:solidFill>
                 </a14:hiddenFill>
               </a:ext>
               <a:ext uri="{91240B29-F687-4f45-9708-019B960494DF}">
-                <a14:hiddenLine xmlns:a14="http://schemas.microsoft.com/office/drawing/2010/main" xmlns="" w="9525">
+                <a14:hiddenLine xmlns="" xmlns:a14="http://schemas.microsoft.com/office/drawing/2010/main" w="9525">
                   <a:solidFill>
                     <a:srgbClr val="000000"/>
                   </a:solidFill>
@@ -32530,14 +32255,14 @@
             </a:ln>
             <a:extLst>
               <a:ext uri="{909E8E84-426E-40dd-AFC4-6F175D3DCCD1}">
-                <a14:hiddenFill xmlns:a14="http://schemas.microsoft.com/office/drawing/2010/main" xmlns="">
+                <a14:hiddenFill xmlns="" xmlns:a14="http://schemas.microsoft.com/office/drawing/2010/main">
                   <a:solidFill>
                     <a:srgbClr val="FFFFFF"/>
                   </a:solidFill>
                 </a14:hiddenFill>
               </a:ext>
               <a:ext uri="{91240B29-F687-4f45-9708-019B960494DF}">
-                <a14:hiddenLine xmlns:a14="http://schemas.microsoft.com/office/drawing/2010/main" xmlns="" w="9525">
+                <a14:hiddenLine xmlns="" xmlns:a14="http://schemas.microsoft.com/office/drawing/2010/main" w="9525">
                   <a:solidFill>
                     <a:srgbClr val="000000"/>
                   </a:solidFill>
@@ -32589,14 +32314,14 @@
             </a:ln>
             <a:extLst>
               <a:ext uri="{909E8E84-426E-40dd-AFC4-6F175D3DCCD1}">
-                <a14:hiddenFill xmlns:a14="http://schemas.microsoft.com/office/drawing/2010/main" xmlns="">
+                <a14:hiddenFill xmlns="" xmlns:a14="http://schemas.microsoft.com/office/drawing/2010/main">
                   <a:solidFill>
                     <a:srgbClr val="FFFFFF"/>
                   </a:solidFill>
                 </a14:hiddenFill>
               </a:ext>
               <a:ext uri="{91240B29-F687-4f45-9708-019B960494DF}">
-                <a14:hiddenLine xmlns:a14="http://schemas.microsoft.com/office/drawing/2010/main" xmlns="" w="9525">
+                <a14:hiddenLine xmlns="" xmlns:a14="http://schemas.microsoft.com/office/drawing/2010/main" w="9525">
                   <a:solidFill>
                     <a:srgbClr val="000000"/>
                   </a:solidFill>
@@ -32648,14 +32373,14 @@
             </a:ln>
             <a:extLst>
               <a:ext uri="{909E8E84-426E-40dd-AFC4-6F175D3DCCD1}">
-                <a14:hiddenFill xmlns:a14="http://schemas.microsoft.com/office/drawing/2010/main" xmlns="">
+                <a14:hiddenFill xmlns="" xmlns:a14="http://schemas.microsoft.com/office/drawing/2010/main">
                   <a:solidFill>
                     <a:srgbClr val="FFFFFF"/>
                   </a:solidFill>
                 </a14:hiddenFill>
               </a:ext>
               <a:ext uri="{91240B29-F687-4f45-9708-019B960494DF}">
-                <a14:hiddenLine xmlns:a14="http://schemas.microsoft.com/office/drawing/2010/main" xmlns="" w="9525">
+                <a14:hiddenLine xmlns="" xmlns:a14="http://schemas.microsoft.com/office/drawing/2010/main" w="9525">
                   <a:solidFill>
                     <a:srgbClr val="000000"/>
                   </a:solidFill>
@@ -32707,14 +32432,14 @@
             </a:ln>
             <a:extLst>
               <a:ext uri="{909E8E84-426E-40dd-AFC4-6F175D3DCCD1}">
-                <a14:hiddenFill xmlns:a14="http://schemas.microsoft.com/office/drawing/2010/main" xmlns="">
+                <a14:hiddenFill xmlns="" xmlns:a14="http://schemas.microsoft.com/office/drawing/2010/main">
                   <a:solidFill>
                     <a:srgbClr val="FFFFFF"/>
                   </a:solidFill>
                 </a14:hiddenFill>
               </a:ext>
               <a:ext uri="{91240B29-F687-4f45-9708-019B960494DF}">
-                <a14:hiddenLine xmlns:a14="http://schemas.microsoft.com/office/drawing/2010/main" xmlns="" w="12700">
+                <a14:hiddenLine xmlns="" xmlns:a14="http://schemas.microsoft.com/office/drawing/2010/main" w="12700">
                   <a:solidFill>
                     <a:srgbClr val="000000"/>
                   </a:solidFill>
@@ -32780,14 +32505,14 @@
             </a:ln>
             <a:extLst>
               <a:ext uri="{909E8E84-426E-40dd-AFC4-6F175D3DCCD1}">
-                <a14:hiddenFill xmlns:a14="http://schemas.microsoft.com/office/drawing/2010/main" xmlns="">
+                <a14:hiddenFill xmlns="" xmlns:a14="http://schemas.microsoft.com/office/drawing/2010/main">
                   <a:solidFill>
                     <a:srgbClr val="FFFFFF"/>
                   </a:solidFill>
                 </a14:hiddenFill>
               </a:ext>
               <a:ext uri="{91240B29-F687-4f45-9708-019B960494DF}">
-                <a14:hiddenLine xmlns:a14="http://schemas.microsoft.com/office/drawing/2010/main" xmlns="" w="12700">
+                <a14:hiddenLine xmlns="" xmlns:a14="http://schemas.microsoft.com/office/drawing/2010/main" w="12700">
                   <a:solidFill>
                     <a:srgbClr val="000000"/>
                   </a:solidFill>
@@ -32810,14 +32535,11 @@
                 </a:lnSpc>
               </a:pPr>
               <a:r>
-                <a:rPr lang="en-US" dirty="0" smtClean="0">
+                <a:rPr lang="en-US" dirty="0">
                   <a:latin typeface="+mj-lt"/>
                 </a:rPr>
                 <a:t>Emile Post</a:t>
               </a:r>
-              <a:endParaRPr lang="en-US" dirty="0">
-                <a:latin typeface="+mj-lt"/>
-              </a:endParaRPr>
             </a:p>
           </p:txBody>
         </p:sp>
@@ -33066,10 +32788,9 @@
           <a:lstStyle/>
           <a:p>
             <a:r>
-              <a:rPr lang="en-US" dirty="0" smtClean="0"/>
+              <a:rPr lang="en-US" dirty="0"/>
               <a:t>Computability</a:t>
             </a:r>
-            <a:endParaRPr lang="en-US" dirty="0"/>
           </a:p>
         </p:txBody>
       </p:sp>
@@ -33256,7 +32977,7 @@
               <a:buNone/>
             </a:pPr>
             <a:r>
-              <a:rPr lang="en-US" sz="2000" dirty="0" smtClean="0">
+              <a:rPr lang="en-US" sz="2000" dirty="0">
                 <a:latin typeface="+mj-lt"/>
                 <a:ea typeface="ＭＳ Ｐゴシック" charset="0"/>
                 <a:cs typeface="ＭＳ Ｐゴシック" charset="0"/>
@@ -33264,7 +32985,7 @@
               <a:t>FACT: Each model studied is capable of computing </a:t>
             </a:r>
             <a:r>
-              <a:rPr lang="en-US" sz="2000" u="sng" dirty="0" smtClean="0">
+              <a:rPr lang="en-US" sz="2000" u="sng" dirty="0">
                 <a:latin typeface="+mj-lt"/>
                 <a:ea typeface="ＭＳ Ｐゴシック" charset="0"/>
                 <a:cs typeface="ＭＳ Ｐゴシック" charset="0"/>
@@ -33272,7 +32993,7 @@
               <a:t>exactly</a:t>
             </a:r>
             <a:r>
-              <a:rPr lang="en-US" sz="2000" dirty="0" smtClean="0">
+              <a:rPr lang="en-US" sz="2000" dirty="0">
                 <a:latin typeface="+mj-lt"/>
                 <a:ea typeface="ＭＳ Ｐゴシック" charset="0"/>
                 <a:cs typeface="ＭＳ Ｐゴシック" charset="0"/>
@@ -33291,7 +33012,7 @@
               <a:buFontTx/>
               <a:buNone/>
             </a:pPr>
-            <a:endParaRPr lang="en-US" sz="2000" dirty="0" smtClean="0">
+            <a:endParaRPr lang="en-US" sz="2000" dirty="0">
               <a:latin typeface="+mj-lt"/>
               <a:ea typeface="ＭＳ Ｐゴシック" charset="0"/>
               <a:cs typeface="ＭＳ Ｐゴシック" charset="0"/>
@@ -33309,7 +33030,7 @@
               <a:buNone/>
             </a:pPr>
             <a:r>
-              <a:rPr lang="en-US" dirty="0" smtClean="0">
+              <a:rPr lang="en-US" dirty="0">
                 <a:latin typeface="+mj-lt"/>
                 <a:ea typeface="ＭＳ Ｐゴシック" charset="0"/>
               </a:rPr>
@@ -33328,7 +33049,7 @@
               <a:buNone/>
             </a:pPr>
             <a:r>
-              <a:rPr lang="en-US" sz="2000" dirty="0" smtClean="0">
+              <a:rPr lang="en-US" sz="2000" dirty="0">
                 <a:latin typeface="+mj-lt"/>
                 <a:ea typeface="ＭＳ Ｐゴシック" charset="0"/>
               </a:rPr>
@@ -33346,7 +33067,7 @@
               <a:buFontTx/>
               <a:buNone/>
             </a:pPr>
-            <a:endParaRPr lang="en-US" sz="2000" dirty="0" smtClean="0">
+            <a:endParaRPr lang="en-US" sz="2000" dirty="0">
               <a:latin typeface="+mj-lt"/>
               <a:ea typeface="ＭＳ Ｐゴシック" charset="0"/>
               <a:cs typeface="ＭＳ Ｐゴシック" charset="0"/>
@@ -33364,13 +33085,13 @@
               <a:buNone/>
             </a:pPr>
             <a:r>
-              <a:rPr lang="en-US" sz="1800" dirty="0" smtClean="0">
+              <a:rPr lang="en-US" sz="1800" dirty="0">
                 <a:latin typeface="+mj-lt"/>
                 <a:ea typeface="ＭＳ Ｐゴシック" charset="0"/>
               </a:rPr>
               <a:t>BIG IDEA:</a:t>
             </a:r>
-            <a:endParaRPr lang="en-US" dirty="0" smtClean="0">
+            <a:endParaRPr lang="en-US" dirty="0">
               <a:latin typeface="+mj-lt"/>
               <a:ea typeface="ＭＳ Ｐゴシック" charset="0"/>
             </a:endParaRPr>
@@ -33387,7 +33108,7 @@
               <a:buNone/>
             </a:pPr>
             <a:r>
-              <a:rPr lang="en-US" sz="2400" dirty="0" smtClean="0">
+              <a:rPr lang="en-US" sz="2400" dirty="0">
                 <a:solidFill>
                   <a:srgbClr val="FF0000"/>
                 </a:solidFill>
@@ -33397,23 +33118,19 @@
               <a:t>Computability</a:t>
             </a:r>
             <a:r>
-              <a:rPr lang="en-US" dirty="0" smtClean="0">
+              <a:rPr lang="en-US" dirty="0">
                 <a:latin typeface="+mj-lt"/>
                 <a:ea typeface="ＭＳ Ｐゴシック" charset="0"/>
               </a:rPr>
               <a:t>, </a:t>
             </a:r>
             <a:r>
-              <a:rPr lang="en-US" sz="1600" dirty="0" smtClean="0">
+              <a:rPr lang="en-US" sz="1600" dirty="0">
                 <a:latin typeface="+mj-lt"/>
                 <a:ea typeface="ＭＳ Ｐゴシック" charset="0"/>
               </a:rPr>
               <a:t>independent of computation scheme chosen</a:t>
             </a:r>
-            <a:endParaRPr lang="en-US" sz="1600" dirty="0">
-              <a:latin typeface="+mj-lt"/>
-              <a:ea typeface="ＭＳ Ｐゴシック" charset="0"/>
-            </a:endParaRPr>
           </a:p>
         </p:txBody>
       </p:sp>
@@ -33544,14 +33261,14 @@
               </a:ln>
               <a:extLst>
                 <a:ext uri="{909E8E84-426E-40dd-AFC4-6F175D3DCCD1}">
-                  <a14:hiddenFill xmlns:a14="http://schemas.microsoft.com/office/drawing/2010/main" xmlns="">
+                  <a14:hiddenFill xmlns="" xmlns:a14="http://schemas.microsoft.com/office/drawing/2010/main">
                     <a:solidFill>
                       <a:srgbClr val="FFFFFF"/>
                     </a:solidFill>
                   </a14:hiddenFill>
                 </a:ext>
                 <a:ext uri="{91240B29-F687-4f45-9708-019B960494DF}">
-                  <a14:hiddenLine xmlns:a14="http://schemas.microsoft.com/office/drawing/2010/main" xmlns="" w="12700">
+                  <a14:hiddenLine xmlns="" xmlns:a14="http://schemas.microsoft.com/office/drawing/2010/main" w="12700">
                     <a:solidFill>
                       <a:srgbClr val="000000"/>
                     </a:solidFill>
@@ -33600,37 +33317,7 @@
                   <a:rPr lang="en-US" dirty="0">
                     <a:latin typeface="+mj-lt"/>
                   </a:rPr>
-                  <a:t>Every discrete function </a:t>
-                </a:r>
-                <a:r>
-                  <a:rPr lang="en-US" dirty="0" smtClean="0">
-                    <a:latin typeface="+mj-lt"/>
-                  </a:rPr>
-                  <a:t>computable by </a:t>
-                </a:r>
-                <a:r>
-                  <a:rPr lang="en-US" dirty="0">
-                    <a:latin typeface="+mj-lt"/>
-                  </a:rPr>
-                  <a:t>ANY  realizable machine </a:t>
-                </a:r>
-                <a:r>
-                  <a:rPr lang="en-US" dirty="0" smtClean="0">
-                    <a:latin typeface="+mj-lt"/>
-                  </a:rPr>
-                  <a:t>is computable </a:t>
-                </a:r>
-                <a:r>
-                  <a:rPr lang="en-US" dirty="0">
-                    <a:latin typeface="+mj-lt"/>
-                  </a:rPr>
-                  <a:t>by some Turing machine</a:t>
-                </a:r>
-                <a:r>
-                  <a:rPr lang="en-US" dirty="0" smtClean="0">
-                    <a:latin typeface="+mj-lt"/>
-                  </a:rPr>
-                  <a:t>.</a:t>
+                  <a:t>Every discrete function computable by ANY  realizable machine is computable by some Turing machine.</a:t>
                 </a:r>
               </a:p>
               <a:p>
@@ -33639,7 +33326,7 @@
                     <a:spcPct val="87000"/>
                   </a:lnSpc>
                 </a:pPr>
-                <a:endParaRPr lang="en-US" dirty="0" smtClean="0">
+                <a:endParaRPr lang="en-US" dirty="0">
                   <a:latin typeface="+mj-lt"/>
                 </a:endParaRPr>
               </a:p>
@@ -33649,89 +33336,47 @@
                   <a:rPr lang="en-US" sz="2000" dirty="0">
                     <a:latin typeface="+mj-lt"/>
                   </a:rPr>
-                  <a:t>f(x</a:t>
+                  <a:t>f(x) </a:t>
                 </a:r>
                 <a:r>
-                  <a:rPr lang="en-US" sz="2000" dirty="0" smtClean="0">
-                    <a:latin typeface="+mj-lt"/>
-                  </a:rPr>
-                  <a:t>) </a:t>
-                </a:r>
-                <a:r>
-                  <a:rPr lang="en-US" sz="2000" i="1" dirty="0" smtClean="0">
+                  <a:rPr lang="en-US" sz="2000" i="1" dirty="0">
                     <a:latin typeface="+mj-lt"/>
                   </a:rPr>
                   <a:t>computable</a:t>
                 </a:r>
                 <a:r>
-                  <a:rPr lang="en-US" sz="2000" dirty="0" smtClean="0">
+                  <a:rPr lang="en-US" sz="2000" dirty="0">
                     <a:latin typeface="+mj-lt"/>
                   </a:rPr>
-                  <a:t> ⇔ </a:t>
+                  <a:t> ⇔ for some k, all x</a:t>
+                </a:r>
+              </a:p>
+              <a:p>
+                <a:pPr algn="ctr"/>
+                <a:r>
+                  <a:rPr lang="en-US" sz="2000" dirty="0">
+                    <a:latin typeface="+mj-lt"/>
+                  </a:rPr>
+                  <a:t> f(x) = </a:t>
+                </a:r>
+                <a:r>
+                  <a:rPr lang="en-US" sz="2000" dirty="0" err="1">
+                    <a:latin typeface="+mj-lt"/>
+                  </a:rPr>
+                  <a:t>T</a:t>
+                </a:r>
+                <a:r>
+                  <a:rPr lang="en-US" sz="2000" baseline="-25000" dirty="0" err="1">
+                    <a:latin typeface="+mj-lt"/>
+                  </a:rPr>
+                  <a:t>k</a:t>
                 </a:r>
                 <a:r>
                   <a:rPr lang="en-US" sz="2000" dirty="0">
                     <a:latin typeface="+mj-lt"/>
                   </a:rPr>
-                  <a:t>for some k, all </a:t>
+                  <a:t>[x]</a:t>
                 </a:r>
-                <a:r>
-                  <a:rPr lang="en-US" sz="2000" dirty="0" smtClean="0">
-                    <a:latin typeface="+mj-lt"/>
-                  </a:rPr>
-                  <a:t>x</a:t>
-                </a:r>
-                <a:endParaRPr lang="en-US" sz="2000" dirty="0">
-                  <a:latin typeface="+mj-lt"/>
-                </a:endParaRPr>
-              </a:p>
-              <a:p>
-                <a:pPr algn="ctr"/>
-                <a:r>
-                  <a:rPr lang="en-US" sz="2000" dirty="0" smtClean="0">
-                    <a:latin typeface="+mj-lt"/>
-                  </a:rPr>
-                  <a:t> </a:t>
-                </a:r>
-                <a:r>
-                  <a:rPr lang="en-US" sz="2000" dirty="0">
-                    <a:latin typeface="+mj-lt"/>
-                  </a:rPr>
-                  <a:t>f(x) = </a:t>
-                </a:r>
-                <a:r>
-                  <a:rPr lang="en-US" sz="2000" dirty="0" err="1" smtClean="0">
-                    <a:latin typeface="+mj-lt"/>
-                  </a:rPr>
-                  <a:t>T</a:t>
-                </a:r>
-                <a:r>
-                  <a:rPr lang="en-US" sz="2000" baseline="-25000" dirty="0" err="1" smtClean="0">
-                    <a:latin typeface="+mj-lt"/>
-                  </a:rPr>
-                  <a:t>k</a:t>
-                </a:r>
-                <a:r>
-                  <a:rPr lang="en-US" sz="2000" dirty="0" smtClean="0">
-                    <a:latin typeface="+mj-lt"/>
-                  </a:rPr>
-                  <a:t>[</a:t>
-                </a:r>
-                <a:r>
-                  <a:rPr lang="en-US" sz="2000" dirty="0">
-                    <a:latin typeface="+mj-lt"/>
-                  </a:rPr>
-                  <a:t>x</a:t>
-                </a:r>
-                <a:r>
-                  <a:rPr lang="en-US" sz="2000" dirty="0" smtClean="0">
-                    <a:latin typeface="+mj-lt"/>
-                  </a:rPr>
-                  <a:t>]</a:t>
-                </a:r>
-                <a:endParaRPr lang="en-US" sz="2000" dirty="0">
-                  <a:latin typeface="+mj-lt"/>
-                </a:endParaRPr>
               </a:p>
               <a:p>
                 <a:pPr marL="1588" indent="-1588">
@@ -33783,14 +33428,14 @@
             </a:ln>
             <a:extLst>
               <a:ext uri="{909E8E84-426E-40dd-AFC4-6F175D3DCCD1}">
-                <a14:hiddenFill xmlns:a14="http://schemas.microsoft.com/office/drawing/2010/main" xmlns="">
+                <a14:hiddenFill xmlns="" xmlns:a14="http://schemas.microsoft.com/office/drawing/2010/main">
                   <a:solidFill>
                     <a:srgbClr val="FFFFFF"/>
                   </a:solidFill>
                 </a14:hiddenFill>
               </a:ext>
               <a:ext uri="{91240B29-F687-4f45-9708-019B960494DF}">
-                <a14:hiddenLine xmlns:a14="http://schemas.microsoft.com/office/drawing/2010/main" xmlns="" w="9525">
+                <a14:hiddenLine xmlns="" xmlns:a14="http://schemas.microsoft.com/office/drawing/2010/main" w="9525">
                   <a:solidFill>
                     <a:srgbClr val="000000"/>
                   </a:solidFill>
@@ -33981,7 +33626,7 @@
             </a:ln>
             <a:extLst>
               <a:ext uri="{909E8E84-426E-40dd-AFC4-6F175D3DCCD1}">
-                <a14:hiddenFill xmlns:a14="http://schemas.microsoft.com/office/drawing/2010/main" xmlns="">
+                <a14:hiddenFill xmlns="" xmlns:a14="http://schemas.microsoft.com/office/drawing/2010/main">
                   <a:noFill/>
                 </a14:hiddenFill>
               </a:ext>
@@ -35414,7 +35059,7 @@
               </a:ln>
               <a:extLst>
                 <a:ext uri="{909E8E84-426E-40dd-AFC4-6F175D3DCCD1}">
-                  <a14:hiddenFill xmlns:a14="http://schemas.microsoft.com/office/drawing/2010/main" xmlns="">
+                  <a14:hiddenFill xmlns="" xmlns:a14="http://schemas.microsoft.com/office/drawing/2010/main">
                     <a:noFill/>
                   </a14:hiddenFill>
                 </a:ext>
@@ -35457,7 +35102,7 @@
               </a:ln>
               <a:extLst>
                 <a:ext uri="{909E8E84-426E-40dd-AFC4-6F175D3DCCD1}">
-                  <a14:hiddenFill xmlns:a14="http://schemas.microsoft.com/office/drawing/2010/main" xmlns="">
+                  <a14:hiddenFill xmlns="" xmlns:a14="http://schemas.microsoft.com/office/drawing/2010/main">
                     <a:noFill/>
                   </a14:hiddenFill>
                 </a:ext>
@@ -35573,7 +35218,7 @@
                 </a:ln>
                 <a:extLst>
                   <a:ext uri="{909E8E84-426E-40dd-AFC4-6F175D3DCCD1}">
-                    <a14:hiddenFill xmlns:a14="http://schemas.microsoft.com/office/drawing/2010/main" xmlns="">
+                    <a14:hiddenFill xmlns="" xmlns:a14="http://schemas.microsoft.com/office/drawing/2010/main">
                       <a:solidFill>
                         <a:srgbClr val="FFFFFF"/>
                       </a:solidFill>
@@ -35675,7 +35320,7 @@
                 </a:ln>
                 <a:extLst>
                   <a:ext uri="{909E8E84-426E-40dd-AFC4-6F175D3DCCD1}">
-                    <a14:hiddenFill xmlns:a14="http://schemas.microsoft.com/office/drawing/2010/main" xmlns="">
+                    <a14:hiddenFill xmlns="" xmlns:a14="http://schemas.microsoft.com/office/drawing/2010/main">
                       <a:solidFill>
                         <a:srgbClr val="FFFFFF"/>
                       </a:solidFill>
@@ -35794,7 +35439,7 @@
                 </a:ln>
                 <a:extLst>
                   <a:ext uri="{909E8E84-426E-40dd-AFC4-6F175D3DCCD1}">
-                    <a14:hiddenFill xmlns:a14="http://schemas.microsoft.com/office/drawing/2010/main" xmlns="">
+                    <a14:hiddenFill xmlns="" xmlns:a14="http://schemas.microsoft.com/office/drawing/2010/main">
                       <a:solidFill>
                         <a:srgbClr val="FFFFFF"/>
                       </a:solidFill>
@@ -35906,7 +35551,7 @@
                 </a:ln>
                 <a:extLst>
                   <a:ext uri="{909E8E84-426E-40dd-AFC4-6F175D3DCCD1}">
-                    <a14:hiddenFill xmlns:a14="http://schemas.microsoft.com/office/drawing/2010/main" xmlns="">
+                    <a14:hiddenFill xmlns="" xmlns:a14="http://schemas.microsoft.com/office/drawing/2010/main">
                       <a:solidFill>
                         <a:srgbClr val="FFFFFF"/>
                       </a:solidFill>
@@ -35952,7 +35597,7 @@
               </a:ln>
               <a:extLst>
                 <a:ext uri="{909E8E84-426E-40dd-AFC4-6F175D3DCCD1}">
-                  <a14:hiddenFill xmlns:a14="http://schemas.microsoft.com/office/drawing/2010/main" xmlns="">
+                  <a14:hiddenFill xmlns="" xmlns:a14="http://schemas.microsoft.com/office/drawing/2010/main">
                     <a:noFill/>
                   </a14:hiddenFill>
                 </a:ext>
@@ -35995,7 +35640,7 @@
               </a:ln>
               <a:extLst>
                 <a:ext uri="{909E8E84-426E-40dd-AFC4-6F175D3DCCD1}">
-                  <a14:hiddenFill xmlns:a14="http://schemas.microsoft.com/office/drawing/2010/main" xmlns="">
+                  <a14:hiddenFill xmlns="" xmlns:a14="http://schemas.microsoft.com/office/drawing/2010/main">
                     <a:noFill/>
                   </a14:hiddenFill>
                 </a:ext>
@@ -36038,7 +35683,7 @@
               </a:ln>
               <a:extLst>
                 <a:ext uri="{909E8E84-426E-40dd-AFC4-6F175D3DCCD1}">
-                  <a14:hiddenFill xmlns:a14="http://schemas.microsoft.com/office/drawing/2010/main" xmlns="">
+                  <a14:hiddenFill xmlns="" xmlns:a14="http://schemas.microsoft.com/office/drawing/2010/main">
                     <a:noFill/>
                   </a14:hiddenFill>
                 </a:ext>
@@ -36081,7 +35726,7 @@
               </a:ln>
               <a:extLst>
                 <a:ext uri="{909E8E84-426E-40dd-AFC4-6F175D3DCCD1}">
-                  <a14:hiddenFill xmlns:a14="http://schemas.microsoft.com/office/drawing/2010/main" xmlns="">
+                  <a14:hiddenFill xmlns="" xmlns:a14="http://schemas.microsoft.com/office/drawing/2010/main">
                     <a:noFill/>
                   </a14:hiddenFill>
                 </a:ext>
@@ -36124,7 +35769,7 @@
               </a:ln>
               <a:extLst>
                 <a:ext uri="{909E8E84-426E-40dd-AFC4-6F175D3DCCD1}">
-                  <a14:hiddenFill xmlns:a14="http://schemas.microsoft.com/office/drawing/2010/main" xmlns="">
+                  <a14:hiddenFill xmlns="" xmlns:a14="http://schemas.microsoft.com/office/drawing/2010/main">
                     <a:noFill/>
                   </a14:hiddenFill>
                 </a:ext>
@@ -36167,7 +35812,7 @@
               </a:ln>
               <a:extLst>
                 <a:ext uri="{909E8E84-426E-40dd-AFC4-6F175D3DCCD1}">
-                  <a14:hiddenFill xmlns:a14="http://schemas.microsoft.com/office/drawing/2010/main" xmlns="">
+                  <a14:hiddenFill xmlns="" xmlns:a14="http://schemas.microsoft.com/office/drawing/2010/main">
                     <a:noFill/>
                   </a14:hiddenFill>
                 </a:ext>
@@ -36210,7 +35855,7 @@
               </a:ln>
               <a:extLst>
                 <a:ext uri="{909E8E84-426E-40dd-AFC4-6F175D3DCCD1}">
-                  <a14:hiddenFill xmlns:a14="http://schemas.microsoft.com/office/drawing/2010/main" xmlns="">
+                  <a14:hiddenFill xmlns="" xmlns:a14="http://schemas.microsoft.com/office/drawing/2010/main">
                     <a:noFill/>
                   </a14:hiddenFill>
                 </a:ext>
@@ -36253,7 +35898,7 @@
               </a:ln>
               <a:extLst>
                 <a:ext uri="{909E8E84-426E-40dd-AFC4-6F175D3DCCD1}">
-                  <a14:hiddenFill xmlns:a14="http://schemas.microsoft.com/office/drawing/2010/main" xmlns="">
+                  <a14:hiddenFill xmlns="" xmlns:a14="http://schemas.microsoft.com/office/drawing/2010/main">
                     <a:noFill/>
                   </a14:hiddenFill>
                 </a:ext>
@@ -36296,7 +35941,7 @@
               </a:ln>
               <a:extLst>
                 <a:ext uri="{909E8E84-426E-40dd-AFC4-6F175D3DCCD1}">
-                  <a14:hiddenFill xmlns:a14="http://schemas.microsoft.com/office/drawing/2010/main" xmlns="">
+                  <a14:hiddenFill xmlns="" xmlns:a14="http://schemas.microsoft.com/office/drawing/2010/main">
                     <a:noFill/>
                   </a14:hiddenFill>
                 </a:ext>
@@ -36339,7 +35984,7 @@
               </a:ln>
               <a:extLst>
                 <a:ext uri="{909E8E84-426E-40dd-AFC4-6F175D3DCCD1}">
-                  <a14:hiddenFill xmlns:a14="http://schemas.microsoft.com/office/drawing/2010/main" xmlns="">
+                  <a14:hiddenFill xmlns="" xmlns:a14="http://schemas.microsoft.com/office/drawing/2010/main">
                     <a:noFill/>
                   </a14:hiddenFill>
                 </a:ext>
@@ -36377,14 +36022,14 @@
               </a:ln>
               <a:extLst>
                 <a:ext uri="{909E8E84-426E-40dd-AFC4-6F175D3DCCD1}">
-                  <a14:hiddenFill xmlns:a14="http://schemas.microsoft.com/office/drawing/2010/main" xmlns="">
+                  <a14:hiddenFill xmlns="" xmlns:a14="http://schemas.microsoft.com/office/drawing/2010/main">
                     <a:solidFill>
                       <a:srgbClr val="FFFFFF"/>
                     </a:solidFill>
                   </a14:hiddenFill>
                 </a:ext>
                 <a:ext uri="{91240B29-F687-4f45-9708-019B960494DF}">
-                  <a14:hiddenLine xmlns:a14="http://schemas.microsoft.com/office/drawing/2010/main" xmlns="" w="12700">
+                  <a14:hiddenLine xmlns="" xmlns:a14="http://schemas.microsoft.com/office/drawing/2010/main" w="12700">
                     <a:solidFill>
                       <a:srgbClr val="000000"/>
                     </a:solidFill>
@@ -36495,7 +36140,7 @@
               </a:ln>
               <a:extLst>
                 <a:ext uri="{909E8E84-426E-40dd-AFC4-6F175D3DCCD1}">
-                  <a14:hiddenFill xmlns:a14="http://schemas.microsoft.com/office/drawing/2010/main" xmlns="">
+                  <a14:hiddenFill xmlns="" xmlns:a14="http://schemas.microsoft.com/office/drawing/2010/main">
                     <a:solidFill>
                       <a:srgbClr val="FFFFFF"/>
                     </a:solidFill>
@@ -36540,7 +36185,7 @@
               </a:ln>
               <a:extLst>
                 <a:ext uri="{909E8E84-426E-40dd-AFC4-6F175D3DCCD1}">
-                  <a14:hiddenFill xmlns:a14="http://schemas.microsoft.com/office/drawing/2010/main" xmlns="">
+                  <a14:hiddenFill xmlns="" xmlns:a14="http://schemas.microsoft.com/office/drawing/2010/main">
                     <a:noFill/>
                   </a14:hiddenFill>
                 </a:ext>
@@ -36583,7 +36228,7 @@
               </a:ln>
               <a:extLst>
                 <a:ext uri="{909E8E84-426E-40dd-AFC4-6F175D3DCCD1}">
-                  <a14:hiddenFill xmlns:a14="http://schemas.microsoft.com/office/drawing/2010/main" xmlns="">
+                  <a14:hiddenFill xmlns="" xmlns:a14="http://schemas.microsoft.com/office/drawing/2010/main">
                     <a:noFill/>
                   </a14:hiddenFill>
                 </a:ext>
@@ -36626,7 +36271,7 @@
               </a:ln>
               <a:extLst>
                 <a:ext uri="{909E8E84-426E-40dd-AFC4-6F175D3DCCD1}">
-                  <a14:hiddenFill xmlns:a14="http://schemas.microsoft.com/office/drawing/2010/main" xmlns="">
+                  <a14:hiddenFill xmlns="" xmlns:a14="http://schemas.microsoft.com/office/drawing/2010/main">
                     <a:noFill/>
                   </a14:hiddenFill>
                 </a:ext>
@@ -36669,7 +36314,7 @@
               </a:ln>
               <a:extLst>
                 <a:ext uri="{909E8E84-426E-40dd-AFC4-6F175D3DCCD1}">
-                  <a14:hiddenFill xmlns:a14="http://schemas.microsoft.com/office/drawing/2010/main" xmlns="">
+                  <a14:hiddenFill xmlns="" xmlns:a14="http://schemas.microsoft.com/office/drawing/2010/main">
                     <a:noFill/>
                   </a14:hiddenFill>
                 </a:ext>
@@ -36712,7 +36357,7 @@
               </a:ln>
               <a:extLst>
                 <a:ext uri="{909E8E84-426E-40dd-AFC4-6F175D3DCCD1}">
-                  <a14:hiddenFill xmlns:a14="http://schemas.microsoft.com/office/drawing/2010/main" xmlns="">
+                  <a14:hiddenFill xmlns="" xmlns:a14="http://schemas.microsoft.com/office/drawing/2010/main">
                     <a:noFill/>
                   </a14:hiddenFill>
                 </a:ext>
@@ -36755,7 +36400,7 @@
               </a:ln>
               <a:extLst>
                 <a:ext uri="{909E8E84-426E-40dd-AFC4-6F175D3DCCD1}">
-                  <a14:hiddenFill xmlns:a14="http://schemas.microsoft.com/office/drawing/2010/main" xmlns="">
+                  <a14:hiddenFill xmlns="" xmlns:a14="http://schemas.microsoft.com/office/drawing/2010/main">
                     <a:noFill/>
                   </a14:hiddenFill>
                 </a:ext>
@@ -36798,7 +36443,7 @@
               </a:ln>
               <a:extLst>
                 <a:ext uri="{909E8E84-426E-40dd-AFC4-6F175D3DCCD1}">
-                  <a14:hiddenFill xmlns:a14="http://schemas.microsoft.com/office/drawing/2010/main" xmlns="">
+                  <a14:hiddenFill xmlns="" xmlns:a14="http://schemas.microsoft.com/office/drawing/2010/main">
                     <a:noFill/>
                   </a14:hiddenFill>
                 </a:ext>
@@ -36841,7 +36486,7 @@
               </a:ln>
               <a:extLst>
                 <a:ext uri="{909E8E84-426E-40dd-AFC4-6F175D3DCCD1}">
-                  <a14:hiddenFill xmlns:a14="http://schemas.microsoft.com/office/drawing/2010/main" xmlns="">
+                  <a14:hiddenFill xmlns="" xmlns:a14="http://schemas.microsoft.com/office/drawing/2010/main">
                     <a:noFill/>
                   </a14:hiddenFill>
                 </a:ext>
@@ -36879,14 +36524,14 @@
               </a:ln>
               <a:extLst>
                 <a:ext uri="{909E8E84-426E-40dd-AFC4-6F175D3DCCD1}">
-                  <a14:hiddenFill xmlns:a14="http://schemas.microsoft.com/office/drawing/2010/main" xmlns="">
+                  <a14:hiddenFill xmlns="" xmlns:a14="http://schemas.microsoft.com/office/drawing/2010/main">
                     <a:solidFill>
                       <a:srgbClr val="FFFFFF"/>
                     </a:solidFill>
                   </a14:hiddenFill>
                 </a:ext>
                 <a:ext uri="{91240B29-F687-4f45-9708-019B960494DF}">
-                  <a14:hiddenLine xmlns:a14="http://schemas.microsoft.com/office/drawing/2010/main" xmlns="" w="12700">
+                  <a14:hiddenLine xmlns="" xmlns:a14="http://schemas.microsoft.com/office/drawing/2010/main" w="12700">
                     <a:solidFill>
                       <a:srgbClr val="000000"/>
                     </a:solidFill>
@@ -36942,14 +36587,14 @@
               </a:ln>
               <a:extLst>
                 <a:ext uri="{909E8E84-426E-40dd-AFC4-6F175D3DCCD1}">
-                  <a14:hiddenFill xmlns:a14="http://schemas.microsoft.com/office/drawing/2010/main" xmlns="">
+                  <a14:hiddenFill xmlns="" xmlns:a14="http://schemas.microsoft.com/office/drawing/2010/main">
                     <a:solidFill>
                       <a:srgbClr val="FFFFFF"/>
                     </a:solidFill>
                   </a14:hiddenFill>
                 </a:ext>
                 <a:ext uri="{91240B29-F687-4f45-9708-019B960494DF}">
-                  <a14:hiddenLine xmlns:a14="http://schemas.microsoft.com/office/drawing/2010/main" xmlns="" w="12700">
+                  <a14:hiddenLine xmlns="" xmlns:a14="http://schemas.microsoft.com/office/drawing/2010/main" w="12700">
                     <a:solidFill>
                       <a:srgbClr val="000000"/>
                     </a:solidFill>
@@ -37005,14 +36650,14 @@
               </a:ln>
               <a:extLst>
                 <a:ext uri="{909E8E84-426E-40dd-AFC4-6F175D3DCCD1}">
-                  <a14:hiddenFill xmlns:a14="http://schemas.microsoft.com/office/drawing/2010/main" xmlns="">
+                  <a14:hiddenFill xmlns="" xmlns:a14="http://schemas.microsoft.com/office/drawing/2010/main">
                     <a:solidFill>
                       <a:srgbClr val="FFFFFF"/>
                     </a:solidFill>
                   </a14:hiddenFill>
                 </a:ext>
                 <a:ext uri="{91240B29-F687-4f45-9708-019B960494DF}">
-                  <a14:hiddenLine xmlns:a14="http://schemas.microsoft.com/office/drawing/2010/main" xmlns="" w="12700">
+                  <a14:hiddenLine xmlns="" xmlns:a14="http://schemas.microsoft.com/office/drawing/2010/main" w="12700">
                     <a:solidFill>
                       <a:srgbClr val="000000"/>
                     </a:solidFill>
@@ -37068,14 +36713,14 @@
               </a:ln>
               <a:extLst>
                 <a:ext uri="{909E8E84-426E-40dd-AFC4-6F175D3DCCD1}">
-                  <a14:hiddenFill xmlns:a14="http://schemas.microsoft.com/office/drawing/2010/main" xmlns="">
+                  <a14:hiddenFill xmlns="" xmlns:a14="http://schemas.microsoft.com/office/drawing/2010/main">
                     <a:solidFill>
                       <a:srgbClr val="FFFFFF"/>
                     </a:solidFill>
                   </a14:hiddenFill>
                 </a:ext>
                 <a:ext uri="{91240B29-F687-4f45-9708-019B960494DF}">
-                  <a14:hiddenLine xmlns:a14="http://schemas.microsoft.com/office/drawing/2010/main" xmlns="" w="12700">
+                  <a14:hiddenLine xmlns="" xmlns:a14="http://schemas.microsoft.com/office/drawing/2010/main" w="12700">
                     <a:solidFill>
                       <a:srgbClr val="000000"/>
                     </a:solidFill>
@@ -37131,14 +36776,14 @@
               </a:ln>
               <a:extLst>
                 <a:ext uri="{909E8E84-426E-40dd-AFC4-6F175D3DCCD1}">
-                  <a14:hiddenFill xmlns:a14="http://schemas.microsoft.com/office/drawing/2010/main" xmlns="">
+                  <a14:hiddenFill xmlns="" xmlns:a14="http://schemas.microsoft.com/office/drawing/2010/main">
                     <a:solidFill>
                       <a:srgbClr val="FFFFFF"/>
                     </a:solidFill>
                   </a14:hiddenFill>
                 </a:ext>
                 <a:ext uri="{91240B29-F687-4f45-9708-019B960494DF}">
-                  <a14:hiddenLine xmlns:a14="http://schemas.microsoft.com/office/drawing/2010/main" xmlns="" w="12700">
+                  <a14:hiddenLine xmlns="" xmlns:a14="http://schemas.microsoft.com/office/drawing/2010/main" w="12700">
                     <a:solidFill>
                       <a:srgbClr val="000000"/>
                     </a:solidFill>
@@ -37194,14 +36839,14 @@
               </a:ln>
               <a:extLst>
                 <a:ext uri="{909E8E84-426E-40dd-AFC4-6F175D3DCCD1}">
-                  <a14:hiddenFill xmlns:a14="http://schemas.microsoft.com/office/drawing/2010/main" xmlns="">
+                  <a14:hiddenFill xmlns="" xmlns:a14="http://schemas.microsoft.com/office/drawing/2010/main">
                     <a:solidFill>
                       <a:srgbClr val="FFFFFF"/>
                     </a:solidFill>
                   </a14:hiddenFill>
                 </a:ext>
                 <a:ext uri="{91240B29-F687-4f45-9708-019B960494DF}">
-                  <a14:hiddenLine xmlns:a14="http://schemas.microsoft.com/office/drawing/2010/main" xmlns="" w="12700">
+                  <a14:hiddenLine xmlns="" xmlns:a14="http://schemas.microsoft.com/office/drawing/2010/main" w="12700">
                     <a:solidFill>
                       <a:srgbClr val="000000"/>
                     </a:solidFill>
@@ -37257,14 +36902,14 @@
               </a:ln>
               <a:extLst>
                 <a:ext uri="{909E8E84-426E-40dd-AFC4-6F175D3DCCD1}">
-                  <a14:hiddenFill xmlns:a14="http://schemas.microsoft.com/office/drawing/2010/main" xmlns="">
+                  <a14:hiddenFill xmlns="" xmlns:a14="http://schemas.microsoft.com/office/drawing/2010/main">
                     <a:solidFill>
                       <a:srgbClr val="FFFFFF"/>
                     </a:solidFill>
                   </a14:hiddenFill>
                 </a:ext>
                 <a:ext uri="{91240B29-F687-4f45-9708-019B960494DF}">
-                  <a14:hiddenLine xmlns:a14="http://schemas.microsoft.com/office/drawing/2010/main" xmlns="" w="12700">
+                  <a14:hiddenLine xmlns="" xmlns:a14="http://schemas.microsoft.com/office/drawing/2010/main" w="12700">
                     <a:solidFill>
                       <a:srgbClr val="000000"/>
                     </a:solidFill>
@@ -37320,14 +36965,14 @@
               </a:ln>
               <a:extLst>
                 <a:ext uri="{909E8E84-426E-40dd-AFC4-6F175D3DCCD1}">
-                  <a14:hiddenFill xmlns:a14="http://schemas.microsoft.com/office/drawing/2010/main" xmlns="">
+                  <a14:hiddenFill xmlns="" xmlns:a14="http://schemas.microsoft.com/office/drawing/2010/main">
                     <a:solidFill>
                       <a:srgbClr val="FFFFFF"/>
                     </a:solidFill>
                   </a14:hiddenFill>
                 </a:ext>
                 <a:ext uri="{91240B29-F687-4f45-9708-019B960494DF}">
-                  <a14:hiddenLine xmlns:a14="http://schemas.microsoft.com/office/drawing/2010/main" xmlns="" w="12700">
+                  <a14:hiddenLine xmlns="" xmlns:a14="http://schemas.microsoft.com/office/drawing/2010/main" w="12700">
                     <a:solidFill>
                       <a:srgbClr val="000000"/>
                     </a:solidFill>
@@ -37383,14 +37028,14 @@
               </a:ln>
               <a:extLst>
                 <a:ext uri="{909E8E84-426E-40dd-AFC4-6F175D3DCCD1}">
-                  <a14:hiddenFill xmlns:a14="http://schemas.microsoft.com/office/drawing/2010/main" xmlns="">
+                  <a14:hiddenFill xmlns="" xmlns:a14="http://schemas.microsoft.com/office/drawing/2010/main">
                     <a:solidFill>
                       <a:srgbClr val="FFFFFF"/>
                     </a:solidFill>
                   </a14:hiddenFill>
                 </a:ext>
                 <a:ext uri="{91240B29-F687-4f45-9708-019B960494DF}">
-                  <a14:hiddenLine xmlns:a14="http://schemas.microsoft.com/office/drawing/2010/main" xmlns="" w="12700">
+                  <a14:hiddenLine xmlns="" xmlns:a14="http://schemas.microsoft.com/office/drawing/2010/main" w="12700">
                     <a:solidFill>
                       <a:srgbClr val="000000"/>
                     </a:solidFill>
@@ -37447,14 +37092,14 @@
             </a:ln>
             <a:extLst>
               <a:ext uri="{909E8E84-426E-40dd-AFC4-6F175D3DCCD1}">
-                <a14:hiddenFill xmlns:a14="http://schemas.microsoft.com/office/drawing/2010/main" xmlns="">
+                <a14:hiddenFill xmlns="" xmlns:a14="http://schemas.microsoft.com/office/drawing/2010/main">
                   <a:solidFill>
                     <a:srgbClr val="FFFFFF"/>
                   </a:solidFill>
                 </a14:hiddenFill>
               </a:ext>
               <a:ext uri="{91240B29-F687-4f45-9708-019B960494DF}">
-                <a14:hiddenLine xmlns:a14="http://schemas.microsoft.com/office/drawing/2010/main" xmlns="" w="12700">
+                <a14:hiddenLine xmlns="" xmlns:a14="http://schemas.microsoft.com/office/drawing/2010/main" w="12700">
                   <a:solidFill>
                     <a:srgbClr val="000000"/>
                   </a:solidFill>
@@ -37545,7 +37190,7 @@
               </a:ln>
               <a:extLst>
                 <a:ext uri="{909E8E84-426E-40dd-AFC4-6F175D3DCCD1}">
-                  <a14:hiddenFill xmlns:a14="http://schemas.microsoft.com/office/drawing/2010/main" xmlns="">
+                  <a14:hiddenFill xmlns="" xmlns:a14="http://schemas.microsoft.com/office/drawing/2010/main">
                     <a:noFill/>
                   </a14:hiddenFill>
                 </a:ext>
@@ -37588,7 +37233,7 @@
               </a:ln>
               <a:extLst>
                 <a:ext uri="{909E8E84-426E-40dd-AFC4-6F175D3DCCD1}">
-                  <a14:hiddenFill xmlns:a14="http://schemas.microsoft.com/office/drawing/2010/main" xmlns="">
+                  <a14:hiddenFill xmlns="" xmlns:a14="http://schemas.microsoft.com/office/drawing/2010/main">
                     <a:noFill/>
                   </a14:hiddenFill>
                 </a:ext>
@@ -37704,7 +37349,7 @@
                 </a:ln>
                 <a:extLst>
                   <a:ext uri="{909E8E84-426E-40dd-AFC4-6F175D3DCCD1}">
-                    <a14:hiddenFill xmlns:a14="http://schemas.microsoft.com/office/drawing/2010/main" xmlns="">
+                    <a14:hiddenFill xmlns="" xmlns:a14="http://schemas.microsoft.com/office/drawing/2010/main">
                       <a:solidFill>
                         <a:srgbClr val="FFFFFF"/>
                       </a:solidFill>
@@ -37806,7 +37451,7 @@
                 </a:ln>
                 <a:extLst>
                   <a:ext uri="{909E8E84-426E-40dd-AFC4-6F175D3DCCD1}">
-                    <a14:hiddenFill xmlns:a14="http://schemas.microsoft.com/office/drawing/2010/main" xmlns="">
+                    <a14:hiddenFill xmlns="" xmlns:a14="http://schemas.microsoft.com/office/drawing/2010/main">
                       <a:solidFill>
                         <a:srgbClr val="FFFFFF"/>
                       </a:solidFill>
@@ -37925,7 +37570,7 @@
                 </a:ln>
                 <a:extLst>
                   <a:ext uri="{909E8E84-426E-40dd-AFC4-6F175D3DCCD1}">
-                    <a14:hiddenFill xmlns:a14="http://schemas.microsoft.com/office/drawing/2010/main" xmlns="">
+                    <a14:hiddenFill xmlns="" xmlns:a14="http://schemas.microsoft.com/office/drawing/2010/main">
                       <a:solidFill>
                         <a:srgbClr val="FFFFFF"/>
                       </a:solidFill>
@@ -38037,7 +37682,7 @@
                 </a:ln>
                 <a:extLst>
                   <a:ext uri="{909E8E84-426E-40dd-AFC4-6F175D3DCCD1}">
-                    <a14:hiddenFill xmlns:a14="http://schemas.microsoft.com/office/drawing/2010/main" xmlns="">
+                    <a14:hiddenFill xmlns="" xmlns:a14="http://schemas.microsoft.com/office/drawing/2010/main">
                       <a:solidFill>
                         <a:srgbClr val="FFFFFF"/>
                       </a:solidFill>
@@ -38083,7 +37728,7 @@
               </a:ln>
               <a:extLst>
                 <a:ext uri="{909E8E84-426E-40dd-AFC4-6F175D3DCCD1}">
-                  <a14:hiddenFill xmlns:a14="http://schemas.microsoft.com/office/drawing/2010/main" xmlns="">
+                  <a14:hiddenFill xmlns="" xmlns:a14="http://schemas.microsoft.com/office/drawing/2010/main">
                     <a:noFill/>
                   </a14:hiddenFill>
                 </a:ext>
@@ -38126,7 +37771,7 @@
               </a:ln>
               <a:extLst>
                 <a:ext uri="{909E8E84-426E-40dd-AFC4-6F175D3DCCD1}">
-                  <a14:hiddenFill xmlns:a14="http://schemas.microsoft.com/office/drawing/2010/main" xmlns="">
+                  <a14:hiddenFill xmlns="" xmlns:a14="http://schemas.microsoft.com/office/drawing/2010/main">
                     <a:noFill/>
                   </a14:hiddenFill>
                 </a:ext>
@@ -38169,7 +37814,7 @@
               </a:ln>
               <a:extLst>
                 <a:ext uri="{909E8E84-426E-40dd-AFC4-6F175D3DCCD1}">
-                  <a14:hiddenFill xmlns:a14="http://schemas.microsoft.com/office/drawing/2010/main" xmlns="">
+                  <a14:hiddenFill xmlns="" xmlns:a14="http://schemas.microsoft.com/office/drawing/2010/main">
                     <a:noFill/>
                   </a14:hiddenFill>
                 </a:ext>
@@ -38212,7 +37857,7 @@
               </a:ln>
               <a:extLst>
                 <a:ext uri="{909E8E84-426E-40dd-AFC4-6F175D3DCCD1}">
-                  <a14:hiddenFill xmlns:a14="http://schemas.microsoft.com/office/drawing/2010/main" xmlns="">
+                  <a14:hiddenFill xmlns="" xmlns:a14="http://schemas.microsoft.com/office/drawing/2010/main">
                     <a:noFill/>
                   </a14:hiddenFill>
                 </a:ext>
@@ -38255,7 +37900,7 @@
               </a:ln>
               <a:extLst>
                 <a:ext uri="{909E8E84-426E-40dd-AFC4-6F175D3DCCD1}">
-                  <a14:hiddenFill xmlns:a14="http://schemas.microsoft.com/office/drawing/2010/main" xmlns="">
+                  <a14:hiddenFill xmlns="" xmlns:a14="http://schemas.microsoft.com/office/drawing/2010/main">
                     <a:noFill/>
                   </a14:hiddenFill>
                 </a:ext>
@@ -38298,7 +37943,7 @@
               </a:ln>
               <a:extLst>
                 <a:ext uri="{909E8E84-426E-40dd-AFC4-6F175D3DCCD1}">
-                  <a14:hiddenFill xmlns:a14="http://schemas.microsoft.com/office/drawing/2010/main" xmlns="">
+                  <a14:hiddenFill xmlns="" xmlns:a14="http://schemas.microsoft.com/office/drawing/2010/main">
                     <a:noFill/>
                   </a14:hiddenFill>
                 </a:ext>
@@ -38341,7 +37986,7 @@
               </a:ln>
               <a:extLst>
                 <a:ext uri="{909E8E84-426E-40dd-AFC4-6F175D3DCCD1}">
-                  <a14:hiddenFill xmlns:a14="http://schemas.microsoft.com/office/drawing/2010/main" xmlns="">
+                  <a14:hiddenFill xmlns="" xmlns:a14="http://schemas.microsoft.com/office/drawing/2010/main">
                     <a:noFill/>
                   </a14:hiddenFill>
                 </a:ext>
@@ -38384,7 +38029,7 @@
               </a:ln>
               <a:extLst>
                 <a:ext uri="{909E8E84-426E-40dd-AFC4-6F175D3DCCD1}">
-                  <a14:hiddenFill xmlns:a14="http://schemas.microsoft.com/office/drawing/2010/main" xmlns="">
+                  <a14:hiddenFill xmlns="" xmlns:a14="http://schemas.microsoft.com/office/drawing/2010/main">
                     <a:noFill/>
                   </a14:hiddenFill>
                 </a:ext>
@@ -38427,7 +38072,7 @@
               </a:ln>
               <a:extLst>
                 <a:ext uri="{909E8E84-426E-40dd-AFC4-6F175D3DCCD1}">
-                  <a14:hiddenFill xmlns:a14="http://schemas.microsoft.com/office/drawing/2010/main" xmlns="">
+                  <a14:hiddenFill xmlns="" xmlns:a14="http://schemas.microsoft.com/office/drawing/2010/main">
                     <a:noFill/>
                   </a14:hiddenFill>
                 </a:ext>
@@ -38470,7 +38115,7 @@
               </a:ln>
               <a:extLst>
                 <a:ext uri="{909E8E84-426E-40dd-AFC4-6F175D3DCCD1}">
-                  <a14:hiddenFill xmlns:a14="http://schemas.microsoft.com/office/drawing/2010/main" xmlns="">
+                  <a14:hiddenFill xmlns="" xmlns:a14="http://schemas.microsoft.com/office/drawing/2010/main">
                     <a:noFill/>
                   </a14:hiddenFill>
                 </a:ext>
@@ -38508,14 +38153,14 @@
               </a:ln>
               <a:extLst>
                 <a:ext uri="{909E8E84-426E-40dd-AFC4-6F175D3DCCD1}">
-                  <a14:hiddenFill xmlns:a14="http://schemas.microsoft.com/office/drawing/2010/main" xmlns="">
+                  <a14:hiddenFill xmlns="" xmlns:a14="http://schemas.microsoft.com/office/drawing/2010/main">
                     <a:solidFill>
                       <a:srgbClr val="FFFFFF"/>
                     </a:solidFill>
                   </a14:hiddenFill>
                 </a:ext>
                 <a:ext uri="{91240B29-F687-4f45-9708-019B960494DF}">
-                  <a14:hiddenLine xmlns:a14="http://schemas.microsoft.com/office/drawing/2010/main" xmlns="" w="12700">
+                  <a14:hiddenLine xmlns="" xmlns:a14="http://schemas.microsoft.com/office/drawing/2010/main" w="12700">
                     <a:solidFill>
                       <a:srgbClr val="000000"/>
                     </a:solidFill>
@@ -38626,7 +38271,7 @@
               </a:ln>
               <a:extLst>
                 <a:ext uri="{909E8E84-426E-40dd-AFC4-6F175D3DCCD1}">
-                  <a14:hiddenFill xmlns:a14="http://schemas.microsoft.com/office/drawing/2010/main" xmlns="">
+                  <a14:hiddenFill xmlns="" xmlns:a14="http://schemas.microsoft.com/office/drawing/2010/main">
                     <a:solidFill>
                       <a:srgbClr val="FFFFFF"/>
                     </a:solidFill>
@@ -38671,7 +38316,7 @@
               </a:ln>
               <a:extLst>
                 <a:ext uri="{909E8E84-426E-40dd-AFC4-6F175D3DCCD1}">
-                  <a14:hiddenFill xmlns:a14="http://schemas.microsoft.com/office/drawing/2010/main" xmlns="">
+                  <a14:hiddenFill xmlns="" xmlns:a14="http://schemas.microsoft.com/office/drawing/2010/main">
                     <a:noFill/>
                   </a14:hiddenFill>
                 </a:ext>
@@ -38714,7 +38359,7 @@
               </a:ln>
               <a:extLst>
                 <a:ext uri="{909E8E84-426E-40dd-AFC4-6F175D3DCCD1}">
-                  <a14:hiddenFill xmlns:a14="http://schemas.microsoft.com/office/drawing/2010/main" xmlns="">
+                  <a14:hiddenFill xmlns="" xmlns:a14="http://schemas.microsoft.com/office/drawing/2010/main">
                     <a:noFill/>
                   </a14:hiddenFill>
                 </a:ext>
@@ -38757,7 +38402,7 @@
               </a:ln>
               <a:extLst>
                 <a:ext uri="{909E8E84-426E-40dd-AFC4-6F175D3DCCD1}">
-                  <a14:hiddenFill xmlns:a14="http://schemas.microsoft.com/office/drawing/2010/main" xmlns="">
+                  <a14:hiddenFill xmlns="" xmlns:a14="http://schemas.microsoft.com/office/drawing/2010/main">
                     <a:noFill/>
                   </a14:hiddenFill>
                 </a:ext>
@@ -38800,7 +38445,7 @@
               </a:ln>
               <a:extLst>
                 <a:ext uri="{909E8E84-426E-40dd-AFC4-6F175D3DCCD1}">
-                  <a14:hiddenFill xmlns:a14="http://schemas.microsoft.com/office/drawing/2010/main" xmlns="">
+                  <a14:hiddenFill xmlns="" xmlns:a14="http://schemas.microsoft.com/office/drawing/2010/main">
                     <a:noFill/>
                   </a14:hiddenFill>
                 </a:ext>
@@ -38843,7 +38488,7 @@
               </a:ln>
               <a:extLst>
                 <a:ext uri="{909E8E84-426E-40dd-AFC4-6F175D3DCCD1}">
-                  <a14:hiddenFill xmlns:a14="http://schemas.microsoft.com/office/drawing/2010/main" xmlns="">
+                  <a14:hiddenFill xmlns="" xmlns:a14="http://schemas.microsoft.com/office/drawing/2010/main">
                     <a:noFill/>
                   </a14:hiddenFill>
                 </a:ext>
@@ -38886,7 +38531,7 @@
               </a:ln>
               <a:extLst>
                 <a:ext uri="{909E8E84-426E-40dd-AFC4-6F175D3DCCD1}">
-                  <a14:hiddenFill xmlns:a14="http://schemas.microsoft.com/office/drawing/2010/main" xmlns="">
+                  <a14:hiddenFill xmlns="" xmlns:a14="http://schemas.microsoft.com/office/drawing/2010/main">
                     <a:noFill/>
                   </a14:hiddenFill>
                 </a:ext>
@@ -38929,7 +38574,7 @@
               </a:ln>
               <a:extLst>
                 <a:ext uri="{909E8E84-426E-40dd-AFC4-6F175D3DCCD1}">
-                  <a14:hiddenFill xmlns:a14="http://schemas.microsoft.com/office/drawing/2010/main" xmlns="">
+                  <a14:hiddenFill xmlns="" xmlns:a14="http://schemas.microsoft.com/office/drawing/2010/main">
                     <a:noFill/>
                   </a14:hiddenFill>
                 </a:ext>
@@ -38972,7 +38617,7 @@
               </a:ln>
               <a:extLst>
                 <a:ext uri="{909E8E84-426E-40dd-AFC4-6F175D3DCCD1}">
-                  <a14:hiddenFill xmlns:a14="http://schemas.microsoft.com/office/drawing/2010/main" xmlns="">
+                  <a14:hiddenFill xmlns="" xmlns:a14="http://schemas.microsoft.com/office/drawing/2010/main">
                     <a:noFill/>
                   </a14:hiddenFill>
                 </a:ext>
@@ -39010,14 +38655,14 @@
               </a:ln>
               <a:extLst>
                 <a:ext uri="{909E8E84-426E-40dd-AFC4-6F175D3DCCD1}">
-                  <a14:hiddenFill xmlns:a14="http://schemas.microsoft.com/office/drawing/2010/main" xmlns="">
+                  <a14:hiddenFill xmlns="" xmlns:a14="http://schemas.microsoft.com/office/drawing/2010/main">
                     <a:solidFill>
                       <a:srgbClr val="FFFFFF"/>
                     </a:solidFill>
                   </a14:hiddenFill>
                 </a:ext>
                 <a:ext uri="{91240B29-F687-4f45-9708-019B960494DF}">
-                  <a14:hiddenLine xmlns:a14="http://schemas.microsoft.com/office/drawing/2010/main" xmlns="" w="12700">
+                  <a14:hiddenLine xmlns="" xmlns:a14="http://schemas.microsoft.com/office/drawing/2010/main" w="12700">
                     <a:solidFill>
                       <a:srgbClr val="000000"/>
                     </a:solidFill>
@@ -39073,14 +38718,14 @@
               </a:ln>
               <a:extLst>
                 <a:ext uri="{909E8E84-426E-40dd-AFC4-6F175D3DCCD1}">
-                  <a14:hiddenFill xmlns:a14="http://schemas.microsoft.com/office/drawing/2010/main" xmlns="">
+                  <a14:hiddenFill xmlns="" xmlns:a14="http://schemas.microsoft.com/office/drawing/2010/main">
                     <a:solidFill>
                       <a:srgbClr val="FFFFFF"/>
                     </a:solidFill>
                   </a14:hiddenFill>
                 </a:ext>
                 <a:ext uri="{91240B29-F687-4f45-9708-019B960494DF}">
-                  <a14:hiddenLine xmlns:a14="http://schemas.microsoft.com/office/drawing/2010/main" xmlns="" w="12700">
+                  <a14:hiddenLine xmlns="" xmlns:a14="http://schemas.microsoft.com/office/drawing/2010/main" w="12700">
                     <a:solidFill>
                       <a:srgbClr val="000000"/>
                     </a:solidFill>
@@ -39136,14 +38781,14 @@
               </a:ln>
               <a:extLst>
                 <a:ext uri="{909E8E84-426E-40dd-AFC4-6F175D3DCCD1}">
-                  <a14:hiddenFill xmlns:a14="http://schemas.microsoft.com/office/drawing/2010/main" xmlns="">
+                  <a14:hiddenFill xmlns="" xmlns:a14="http://schemas.microsoft.com/office/drawing/2010/main">
                     <a:solidFill>
                       <a:srgbClr val="FFFFFF"/>
                     </a:solidFill>
                   </a14:hiddenFill>
                 </a:ext>
                 <a:ext uri="{91240B29-F687-4f45-9708-019B960494DF}">
-                  <a14:hiddenLine xmlns:a14="http://schemas.microsoft.com/office/drawing/2010/main" xmlns="" w="12700">
+                  <a14:hiddenLine xmlns="" xmlns:a14="http://schemas.microsoft.com/office/drawing/2010/main" w="12700">
                     <a:solidFill>
                       <a:srgbClr val="000000"/>
                     </a:solidFill>
@@ -39199,14 +38844,14 @@
               </a:ln>
               <a:extLst>
                 <a:ext uri="{909E8E84-426E-40dd-AFC4-6F175D3DCCD1}">
-                  <a14:hiddenFill xmlns:a14="http://schemas.microsoft.com/office/drawing/2010/main" xmlns="">
+                  <a14:hiddenFill xmlns="" xmlns:a14="http://schemas.microsoft.com/office/drawing/2010/main">
                     <a:solidFill>
                       <a:srgbClr val="FFFFFF"/>
                     </a:solidFill>
                   </a14:hiddenFill>
                 </a:ext>
                 <a:ext uri="{91240B29-F687-4f45-9708-019B960494DF}">
-                  <a14:hiddenLine xmlns:a14="http://schemas.microsoft.com/office/drawing/2010/main" xmlns="" w="12700">
+                  <a14:hiddenLine xmlns="" xmlns:a14="http://schemas.microsoft.com/office/drawing/2010/main" w="12700">
                     <a:solidFill>
                       <a:srgbClr val="000000"/>
                     </a:solidFill>
@@ -39262,14 +38907,14 @@
               </a:ln>
               <a:extLst>
                 <a:ext uri="{909E8E84-426E-40dd-AFC4-6F175D3DCCD1}">
-                  <a14:hiddenFill xmlns:a14="http://schemas.microsoft.com/office/drawing/2010/main" xmlns="">
+                  <a14:hiddenFill xmlns="" xmlns:a14="http://schemas.microsoft.com/office/drawing/2010/main">
                     <a:solidFill>
                       <a:srgbClr val="FFFFFF"/>
                     </a:solidFill>
                   </a14:hiddenFill>
                 </a:ext>
                 <a:ext uri="{91240B29-F687-4f45-9708-019B960494DF}">
-                  <a14:hiddenLine xmlns:a14="http://schemas.microsoft.com/office/drawing/2010/main" xmlns="" w="12700">
+                  <a14:hiddenLine xmlns="" xmlns:a14="http://schemas.microsoft.com/office/drawing/2010/main" w="12700">
                     <a:solidFill>
                       <a:srgbClr val="000000"/>
                     </a:solidFill>
@@ -39325,14 +38970,14 @@
               </a:ln>
               <a:extLst>
                 <a:ext uri="{909E8E84-426E-40dd-AFC4-6F175D3DCCD1}">
-                  <a14:hiddenFill xmlns:a14="http://schemas.microsoft.com/office/drawing/2010/main" xmlns="">
+                  <a14:hiddenFill xmlns="" xmlns:a14="http://schemas.microsoft.com/office/drawing/2010/main">
                     <a:solidFill>
                       <a:srgbClr val="FFFFFF"/>
                     </a:solidFill>
                   </a14:hiddenFill>
                 </a:ext>
                 <a:ext uri="{91240B29-F687-4f45-9708-019B960494DF}">
-                  <a14:hiddenLine xmlns:a14="http://schemas.microsoft.com/office/drawing/2010/main" xmlns="" w="12700">
+                  <a14:hiddenLine xmlns="" xmlns:a14="http://schemas.microsoft.com/office/drawing/2010/main" w="12700">
                     <a:solidFill>
                       <a:srgbClr val="000000"/>
                     </a:solidFill>
@@ -39388,14 +39033,14 @@
               </a:ln>
               <a:extLst>
                 <a:ext uri="{909E8E84-426E-40dd-AFC4-6F175D3DCCD1}">
-                  <a14:hiddenFill xmlns:a14="http://schemas.microsoft.com/office/drawing/2010/main" xmlns="">
+                  <a14:hiddenFill xmlns="" xmlns:a14="http://schemas.microsoft.com/office/drawing/2010/main">
                     <a:solidFill>
                       <a:srgbClr val="FFFFFF"/>
                     </a:solidFill>
                   </a14:hiddenFill>
                 </a:ext>
                 <a:ext uri="{91240B29-F687-4f45-9708-019B960494DF}">
-                  <a14:hiddenLine xmlns:a14="http://schemas.microsoft.com/office/drawing/2010/main" xmlns="" w="12700">
+                  <a14:hiddenLine xmlns="" xmlns:a14="http://schemas.microsoft.com/office/drawing/2010/main" w="12700">
                     <a:solidFill>
                       <a:srgbClr val="000000"/>
                     </a:solidFill>
@@ -39451,14 +39096,14 @@
               </a:ln>
               <a:extLst>
                 <a:ext uri="{909E8E84-426E-40dd-AFC4-6F175D3DCCD1}">
-                  <a14:hiddenFill xmlns:a14="http://schemas.microsoft.com/office/drawing/2010/main" xmlns="">
+                  <a14:hiddenFill xmlns="" xmlns:a14="http://schemas.microsoft.com/office/drawing/2010/main">
                     <a:solidFill>
                       <a:srgbClr val="FFFFFF"/>
                     </a:solidFill>
                   </a14:hiddenFill>
                 </a:ext>
                 <a:ext uri="{91240B29-F687-4f45-9708-019B960494DF}">
-                  <a14:hiddenLine xmlns:a14="http://schemas.microsoft.com/office/drawing/2010/main" xmlns="" w="12700">
+                  <a14:hiddenLine xmlns="" xmlns:a14="http://schemas.microsoft.com/office/drawing/2010/main" w="12700">
                     <a:solidFill>
                       <a:srgbClr val="000000"/>
                     </a:solidFill>
@@ -39514,14 +39159,14 @@
               </a:ln>
               <a:extLst>
                 <a:ext uri="{909E8E84-426E-40dd-AFC4-6F175D3DCCD1}">
-                  <a14:hiddenFill xmlns:a14="http://schemas.microsoft.com/office/drawing/2010/main" xmlns="">
+                  <a14:hiddenFill xmlns="" xmlns:a14="http://schemas.microsoft.com/office/drawing/2010/main">
                     <a:solidFill>
                       <a:srgbClr val="FFFFFF"/>
                     </a:solidFill>
                   </a14:hiddenFill>
                 </a:ext>
                 <a:ext uri="{91240B29-F687-4f45-9708-019B960494DF}">
-                  <a14:hiddenLine xmlns:a14="http://schemas.microsoft.com/office/drawing/2010/main" xmlns="" w="12700">
+                  <a14:hiddenLine xmlns="" xmlns:a14="http://schemas.microsoft.com/office/drawing/2010/main" w="12700">
                     <a:solidFill>
                       <a:srgbClr val="000000"/>
                     </a:solidFill>
@@ -39578,14 +39223,14 @@
             </a:ln>
             <a:extLst>
               <a:ext uri="{909E8E84-426E-40dd-AFC4-6F175D3DCCD1}">
-                <a14:hiddenFill xmlns:a14="http://schemas.microsoft.com/office/drawing/2010/main" xmlns="">
+                <a14:hiddenFill xmlns="" xmlns:a14="http://schemas.microsoft.com/office/drawing/2010/main">
                   <a:solidFill>
                     <a:srgbClr val="FFFFFF"/>
                   </a:solidFill>
                 </a14:hiddenFill>
               </a:ext>
               <a:ext uri="{91240B29-F687-4f45-9708-019B960494DF}">
-                <a14:hiddenLine xmlns:a14="http://schemas.microsoft.com/office/drawing/2010/main" xmlns="" w="12700">
+                <a14:hiddenLine xmlns="" xmlns:a14="http://schemas.microsoft.com/office/drawing/2010/main" w="12700">
                   <a:solidFill>
                     <a:srgbClr val="000000"/>
                   </a:solidFill>
@@ -39676,7 +39321,7 @@
               </a:ln>
               <a:extLst>
                 <a:ext uri="{909E8E84-426E-40dd-AFC4-6F175D3DCCD1}">
-                  <a14:hiddenFill xmlns:a14="http://schemas.microsoft.com/office/drawing/2010/main" xmlns="">
+                  <a14:hiddenFill xmlns="" xmlns:a14="http://schemas.microsoft.com/office/drawing/2010/main">
                     <a:noFill/>
                   </a14:hiddenFill>
                 </a:ext>
@@ -39719,7 +39364,7 @@
               </a:ln>
               <a:extLst>
                 <a:ext uri="{909E8E84-426E-40dd-AFC4-6F175D3DCCD1}">
-                  <a14:hiddenFill xmlns:a14="http://schemas.microsoft.com/office/drawing/2010/main" xmlns="">
+                  <a14:hiddenFill xmlns="" xmlns:a14="http://schemas.microsoft.com/office/drawing/2010/main">
                     <a:noFill/>
                   </a14:hiddenFill>
                 </a:ext>
@@ -39835,7 +39480,7 @@
                 </a:ln>
                 <a:extLst>
                   <a:ext uri="{909E8E84-426E-40dd-AFC4-6F175D3DCCD1}">
-                    <a14:hiddenFill xmlns:a14="http://schemas.microsoft.com/office/drawing/2010/main" xmlns="">
+                    <a14:hiddenFill xmlns="" xmlns:a14="http://schemas.microsoft.com/office/drawing/2010/main">
                       <a:solidFill>
                         <a:srgbClr val="FFFFFF"/>
                       </a:solidFill>
@@ -39937,7 +39582,7 @@
                 </a:ln>
                 <a:extLst>
                   <a:ext uri="{909E8E84-426E-40dd-AFC4-6F175D3DCCD1}">
-                    <a14:hiddenFill xmlns:a14="http://schemas.microsoft.com/office/drawing/2010/main" xmlns="">
+                    <a14:hiddenFill xmlns="" xmlns:a14="http://schemas.microsoft.com/office/drawing/2010/main">
                       <a:solidFill>
                         <a:srgbClr val="FFFFFF"/>
                       </a:solidFill>
@@ -40056,7 +39701,7 @@
                 </a:ln>
                 <a:extLst>
                   <a:ext uri="{909E8E84-426E-40dd-AFC4-6F175D3DCCD1}">
-                    <a14:hiddenFill xmlns:a14="http://schemas.microsoft.com/office/drawing/2010/main" xmlns="">
+                    <a14:hiddenFill xmlns="" xmlns:a14="http://schemas.microsoft.com/office/drawing/2010/main">
                       <a:solidFill>
                         <a:srgbClr val="FFFFFF"/>
                       </a:solidFill>
@@ -40168,7 +39813,7 @@
                 </a:ln>
                 <a:extLst>
                   <a:ext uri="{909E8E84-426E-40dd-AFC4-6F175D3DCCD1}">
-                    <a14:hiddenFill xmlns:a14="http://schemas.microsoft.com/office/drawing/2010/main" xmlns="">
+                    <a14:hiddenFill xmlns="" xmlns:a14="http://schemas.microsoft.com/office/drawing/2010/main">
                       <a:solidFill>
                         <a:srgbClr val="FFFFFF"/>
                       </a:solidFill>
@@ -40214,7 +39859,7 @@
               </a:ln>
               <a:extLst>
                 <a:ext uri="{909E8E84-426E-40dd-AFC4-6F175D3DCCD1}">
-                  <a14:hiddenFill xmlns:a14="http://schemas.microsoft.com/office/drawing/2010/main" xmlns="">
+                  <a14:hiddenFill xmlns="" xmlns:a14="http://schemas.microsoft.com/office/drawing/2010/main">
                     <a:noFill/>
                   </a14:hiddenFill>
                 </a:ext>
@@ -40257,7 +39902,7 @@
               </a:ln>
               <a:extLst>
                 <a:ext uri="{909E8E84-426E-40dd-AFC4-6F175D3DCCD1}">
-                  <a14:hiddenFill xmlns:a14="http://schemas.microsoft.com/office/drawing/2010/main" xmlns="">
+                  <a14:hiddenFill xmlns="" xmlns:a14="http://schemas.microsoft.com/office/drawing/2010/main">
                     <a:noFill/>
                   </a14:hiddenFill>
                 </a:ext>
@@ -40300,7 +39945,7 @@
               </a:ln>
               <a:extLst>
                 <a:ext uri="{909E8E84-426E-40dd-AFC4-6F175D3DCCD1}">
-                  <a14:hiddenFill xmlns:a14="http://schemas.microsoft.com/office/drawing/2010/main" xmlns="">
+                  <a14:hiddenFill xmlns="" xmlns:a14="http://schemas.microsoft.com/office/drawing/2010/main">
                     <a:noFill/>
                   </a14:hiddenFill>
                 </a:ext>
@@ -40343,7 +39988,7 @@
               </a:ln>
               <a:extLst>
                 <a:ext uri="{909E8E84-426E-40dd-AFC4-6F175D3DCCD1}">
-                  <a14:hiddenFill xmlns:a14="http://schemas.microsoft.com/office/drawing/2010/main" xmlns="">
+                  <a14:hiddenFill xmlns="" xmlns:a14="http://schemas.microsoft.com/office/drawing/2010/main">
                     <a:noFill/>
                   </a14:hiddenFill>
                 </a:ext>
@@ -40386,7 +40031,7 @@
               </a:ln>
               <a:extLst>
                 <a:ext uri="{909E8E84-426E-40dd-AFC4-6F175D3DCCD1}">
-                  <a14:hiddenFill xmlns:a14="http://schemas.microsoft.com/office/drawing/2010/main" xmlns="">
+                  <a14:hiddenFill xmlns="" xmlns:a14="http://schemas.microsoft.com/office/drawing/2010/main">
                     <a:noFill/>
                   </a14:hiddenFill>
                 </a:ext>
@@ -40429,7 +40074,7 @@
               </a:ln>
               <a:extLst>
                 <a:ext uri="{909E8E84-426E-40dd-AFC4-6F175D3DCCD1}">
-                  <a14:hiddenFill xmlns:a14="http://schemas.microsoft.com/office/drawing/2010/main" xmlns="">
+                  <a14:hiddenFill xmlns="" xmlns:a14="http://schemas.microsoft.com/office/drawing/2010/main">
                     <a:noFill/>
                   </a14:hiddenFill>
                 </a:ext>
@@ -40472,7 +40117,7 @@
               </a:ln>
               <a:extLst>
                 <a:ext uri="{909E8E84-426E-40dd-AFC4-6F175D3DCCD1}">
-                  <a14:hiddenFill xmlns:a14="http://schemas.microsoft.com/office/drawing/2010/main" xmlns="">
+                  <a14:hiddenFill xmlns="" xmlns:a14="http://schemas.microsoft.com/office/drawing/2010/main">
                     <a:noFill/>
                   </a14:hiddenFill>
                 </a:ext>
@@ -40515,7 +40160,7 @@
               </a:ln>
               <a:extLst>
                 <a:ext uri="{909E8E84-426E-40dd-AFC4-6F175D3DCCD1}">
-                  <a14:hiddenFill xmlns:a14="http://schemas.microsoft.com/office/drawing/2010/main" xmlns="">
+                  <a14:hiddenFill xmlns="" xmlns:a14="http://schemas.microsoft.com/office/drawing/2010/main">
                     <a:noFill/>
                   </a14:hiddenFill>
                 </a:ext>
@@ -40558,7 +40203,7 @@
               </a:ln>
               <a:extLst>
                 <a:ext uri="{909E8E84-426E-40dd-AFC4-6F175D3DCCD1}">
-                  <a14:hiddenFill xmlns:a14="http://schemas.microsoft.com/office/drawing/2010/main" xmlns="">
+                  <a14:hiddenFill xmlns="" xmlns:a14="http://schemas.microsoft.com/office/drawing/2010/main">
                     <a:noFill/>
                   </a14:hiddenFill>
                 </a:ext>
@@ -40601,7 +40246,7 @@
               </a:ln>
               <a:extLst>
                 <a:ext uri="{909E8E84-426E-40dd-AFC4-6F175D3DCCD1}">
-                  <a14:hiddenFill xmlns:a14="http://schemas.microsoft.com/office/drawing/2010/main" xmlns="">
+                  <a14:hiddenFill xmlns="" xmlns:a14="http://schemas.microsoft.com/office/drawing/2010/main">
                     <a:noFill/>
                   </a14:hiddenFill>
                 </a:ext>
@@ -40639,14 +40284,14 @@
               </a:ln>
               <a:extLst>
                 <a:ext uri="{909E8E84-426E-40dd-AFC4-6F175D3DCCD1}">
-                  <a14:hiddenFill xmlns:a14="http://schemas.microsoft.com/office/drawing/2010/main" xmlns="">
+                  <a14:hiddenFill xmlns="" xmlns:a14="http://schemas.microsoft.com/office/drawing/2010/main">
                     <a:solidFill>
                       <a:srgbClr val="FFFFFF"/>
                     </a:solidFill>
                   </a14:hiddenFill>
                 </a:ext>
                 <a:ext uri="{91240B29-F687-4f45-9708-019B960494DF}">
-                  <a14:hiddenLine xmlns:a14="http://schemas.microsoft.com/office/drawing/2010/main" xmlns="" w="12700">
+                  <a14:hiddenLine xmlns="" xmlns:a14="http://schemas.microsoft.com/office/drawing/2010/main" w="12700">
                     <a:solidFill>
                       <a:srgbClr val="000000"/>
                     </a:solidFill>
@@ -40757,7 +40402,7 @@
               </a:ln>
               <a:extLst>
                 <a:ext uri="{909E8E84-426E-40dd-AFC4-6F175D3DCCD1}">
-                  <a14:hiddenFill xmlns:a14="http://schemas.microsoft.com/office/drawing/2010/main" xmlns="">
+                  <a14:hiddenFill xmlns="" xmlns:a14="http://schemas.microsoft.com/office/drawing/2010/main">
                     <a:solidFill>
                       <a:srgbClr val="FFFFFF"/>
                     </a:solidFill>
@@ -40802,7 +40447,7 @@
               </a:ln>
               <a:extLst>
                 <a:ext uri="{909E8E84-426E-40dd-AFC4-6F175D3DCCD1}">
-                  <a14:hiddenFill xmlns:a14="http://schemas.microsoft.com/office/drawing/2010/main" xmlns="">
+                  <a14:hiddenFill xmlns="" xmlns:a14="http://schemas.microsoft.com/office/drawing/2010/main">
                     <a:noFill/>
                   </a14:hiddenFill>
                 </a:ext>
@@ -40845,7 +40490,7 @@
               </a:ln>
               <a:extLst>
                 <a:ext uri="{909E8E84-426E-40dd-AFC4-6F175D3DCCD1}">
-                  <a14:hiddenFill xmlns:a14="http://schemas.microsoft.com/office/drawing/2010/main" xmlns="">
+                  <a14:hiddenFill xmlns="" xmlns:a14="http://schemas.microsoft.com/office/drawing/2010/main">
                     <a:noFill/>
                   </a14:hiddenFill>
                 </a:ext>
@@ -40888,7 +40533,7 @@
               </a:ln>
               <a:extLst>
                 <a:ext uri="{909E8E84-426E-40dd-AFC4-6F175D3DCCD1}">
-                  <a14:hiddenFill xmlns:a14="http://schemas.microsoft.com/office/drawing/2010/main" xmlns="">
+                  <a14:hiddenFill xmlns="" xmlns:a14="http://schemas.microsoft.com/office/drawing/2010/main">
                     <a:noFill/>
                   </a14:hiddenFill>
                 </a:ext>
@@ -40931,7 +40576,7 @@
               </a:ln>
               <a:extLst>
                 <a:ext uri="{909E8E84-426E-40dd-AFC4-6F175D3DCCD1}">
-                  <a14:hiddenFill xmlns:a14="http://schemas.microsoft.com/office/drawing/2010/main" xmlns="">
+                  <a14:hiddenFill xmlns="" xmlns:a14="http://schemas.microsoft.com/office/drawing/2010/main">
                     <a:noFill/>
                   </a14:hiddenFill>
                 </a:ext>
@@ -40974,7 +40619,7 @@
               </a:ln>
               <a:extLst>
                 <a:ext uri="{909E8E84-426E-40dd-AFC4-6F175D3DCCD1}">
-                  <a14:hiddenFill xmlns:a14="http://schemas.microsoft.com/office/drawing/2010/main" xmlns="">
+                  <a14:hiddenFill xmlns="" xmlns:a14="http://schemas.microsoft.com/office/drawing/2010/main">
                     <a:noFill/>
                   </a14:hiddenFill>
                 </a:ext>
@@ -41017,7 +40662,7 @@
               </a:ln>
               <a:extLst>
                 <a:ext uri="{909E8E84-426E-40dd-AFC4-6F175D3DCCD1}">
-                  <a14:hiddenFill xmlns:a14="http://schemas.microsoft.com/office/drawing/2010/main" xmlns="">
+                  <a14:hiddenFill xmlns="" xmlns:a14="http://schemas.microsoft.com/office/drawing/2010/main">
                     <a:noFill/>
                   </a14:hiddenFill>
                 </a:ext>
@@ -41060,7 +40705,7 @@
               </a:ln>
               <a:extLst>
                 <a:ext uri="{909E8E84-426E-40dd-AFC4-6F175D3DCCD1}">
-                  <a14:hiddenFill xmlns:a14="http://schemas.microsoft.com/office/drawing/2010/main" xmlns="">
+                  <a14:hiddenFill xmlns="" xmlns:a14="http://schemas.microsoft.com/office/drawing/2010/main">
                     <a:noFill/>
                   </a14:hiddenFill>
                 </a:ext>
@@ -41103,7 +40748,7 @@
               </a:ln>
               <a:extLst>
                 <a:ext uri="{909E8E84-426E-40dd-AFC4-6F175D3DCCD1}">
-                  <a14:hiddenFill xmlns:a14="http://schemas.microsoft.com/office/drawing/2010/main" xmlns="">
+                  <a14:hiddenFill xmlns="" xmlns:a14="http://schemas.microsoft.com/office/drawing/2010/main">
                     <a:noFill/>
                   </a14:hiddenFill>
                 </a:ext>
@@ -41141,14 +40786,14 @@
               </a:ln>
               <a:extLst>
                 <a:ext uri="{909E8E84-426E-40dd-AFC4-6F175D3DCCD1}">
-                  <a14:hiddenFill xmlns:a14="http://schemas.microsoft.com/office/drawing/2010/main" xmlns="">
+                  <a14:hiddenFill xmlns="" xmlns:a14="http://schemas.microsoft.com/office/drawing/2010/main">
                     <a:solidFill>
                       <a:srgbClr val="FFFFFF"/>
                     </a:solidFill>
                   </a14:hiddenFill>
                 </a:ext>
                 <a:ext uri="{91240B29-F687-4f45-9708-019B960494DF}">
-                  <a14:hiddenLine xmlns:a14="http://schemas.microsoft.com/office/drawing/2010/main" xmlns="" w="12700">
+                  <a14:hiddenLine xmlns="" xmlns:a14="http://schemas.microsoft.com/office/drawing/2010/main" w="12700">
                     <a:solidFill>
                       <a:srgbClr val="000000"/>
                     </a:solidFill>
@@ -41204,14 +40849,14 @@
               </a:ln>
               <a:extLst>
                 <a:ext uri="{909E8E84-426E-40dd-AFC4-6F175D3DCCD1}">
-                  <a14:hiddenFill xmlns:a14="http://schemas.microsoft.com/office/drawing/2010/main" xmlns="">
+                  <a14:hiddenFill xmlns="" xmlns:a14="http://schemas.microsoft.com/office/drawing/2010/main">
                     <a:solidFill>
                       <a:srgbClr val="FFFFFF"/>
                     </a:solidFill>
                   </a14:hiddenFill>
                 </a:ext>
                 <a:ext uri="{91240B29-F687-4f45-9708-019B960494DF}">
-                  <a14:hiddenLine xmlns:a14="http://schemas.microsoft.com/office/drawing/2010/main" xmlns="" w="12700">
+                  <a14:hiddenLine xmlns="" xmlns:a14="http://schemas.microsoft.com/office/drawing/2010/main" w="12700">
                     <a:solidFill>
                       <a:srgbClr val="000000"/>
                     </a:solidFill>
@@ -41267,14 +40912,14 @@
               </a:ln>
               <a:extLst>
                 <a:ext uri="{909E8E84-426E-40dd-AFC4-6F175D3DCCD1}">
-                  <a14:hiddenFill xmlns:a14="http://schemas.microsoft.com/office/drawing/2010/main" xmlns="">
+                  <a14:hiddenFill xmlns="" xmlns:a14="http://schemas.microsoft.com/office/drawing/2010/main">
                     <a:solidFill>
                       <a:srgbClr val="FFFFFF"/>
                     </a:solidFill>
                   </a14:hiddenFill>
                 </a:ext>
                 <a:ext uri="{91240B29-F687-4f45-9708-019B960494DF}">
-                  <a14:hiddenLine xmlns:a14="http://schemas.microsoft.com/office/drawing/2010/main" xmlns="" w="12700">
+                  <a14:hiddenLine xmlns="" xmlns:a14="http://schemas.microsoft.com/office/drawing/2010/main" w="12700">
                     <a:solidFill>
                       <a:srgbClr val="000000"/>
                     </a:solidFill>
@@ -41330,14 +40975,14 @@
               </a:ln>
               <a:extLst>
                 <a:ext uri="{909E8E84-426E-40dd-AFC4-6F175D3DCCD1}">
-                  <a14:hiddenFill xmlns:a14="http://schemas.microsoft.com/office/drawing/2010/main" xmlns="">
+                  <a14:hiddenFill xmlns="" xmlns:a14="http://schemas.microsoft.com/office/drawing/2010/main">
                     <a:solidFill>
                       <a:srgbClr val="FFFFFF"/>
                     </a:solidFill>
                   </a14:hiddenFill>
                 </a:ext>
                 <a:ext uri="{91240B29-F687-4f45-9708-019B960494DF}">
-                  <a14:hiddenLine xmlns:a14="http://schemas.microsoft.com/office/drawing/2010/main" xmlns="" w="12700">
+                  <a14:hiddenLine xmlns="" xmlns:a14="http://schemas.microsoft.com/office/drawing/2010/main" w="12700">
                     <a:solidFill>
                       <a:srgbClr val="000000"/>
                     </a:solidFill>
@@ -41393,14 +41038,14 @@
               </a:ln>
               <a:extLst>
                 <a:ext uri="{909E8E84-426E-40dd-AFC4-6F175D3DCCD1}">
-                  <a14:hiddenFill xmlns:a14="http://schemas.microsoft.com/office/drawing/2010/main" xmlns="">
+                  <a14:hiddenFill xmlns="" xmlns:a14="http://schemas.microsoft.com/office/drawing/2010/main">
                     <a:solidFill>
                       <a:srgbClr val="FFFFFF"/>
                     </a:solidFill>
                   </a14:hiddenFill>
                 </a:ext>
                 <a:ext uri="{91240B29-F687-4f45-9708-019B960494DF}">
-                  <a14:hiddenLine xmlns:a14="http://schemas.microsoft.com/office/drawing/2010/main" xmlns="" w="12700">
+                  <a14:hiddenLine xmlns="" xmlns:a14="http://schemas.microsoft.com/office/drawing/2010/main" w="12700">
                     <a:solidFill>
                       <a:srgbClr val="000000"/>
                     </a:solidFill>
@@ -41456,14 +41101,14 @@
               </a:ln>
               <a:extLst>
                 <a:ext uri="{909E8E84-426E-40dd-AFC4-6F175D3DCCD1}">
-                  <a14:hiddenFill xmlns:a14="http://schemas.microsoft.com/office/drawing/2010/main" xmlns="">
+                  <a14:hiddenFill xmlns="" xmlns:a14="http://schemas.microsoft.com/office/drawing/2010/main">
                     <a:solidFill>
                       <a:srgbClr val="FFFFFF"/>
                     </a:solidFill>
                   </a14:hiddenFill>
                 </a:ext>
                 <a:ext uri="{91240B29-F687-4f45-9708-019B960494DF}">
-                  <a14:hiddenLine xmlns:a14="http://schemas.microsoft.com/office/drawing/2010/main" xmlns="" w="12700">
+                  <a14:hiddenLine xmlns="" xmlns:a14="http://schemas.microsoft.com/office/drawing/2010/main" w="12700">
                     <a:solidFill>
                       <a:srgbClr val="000000"/>
                     </a:solidFill>
@@ -41519,14 +41164,14 @@
               </a:ln>
               <a:extLst>
                 <a:ext uri="{909E8E84-426E-40dd-AFC4-6F175D3DCCD1}">
-                  <a14:hiddenFill xmlns:a14="http://schemas.microsoft.com/office/drawing/2010/main" xmlns="">
+                  <a14:hiddenFill xmlns="" xmlns:a14="http://schemas.microsoft.com/office/drawing/2010/main">
                     <a:solidFill>
                       <a:srgbClr val="FFFFFF"/>
                     </a:solidFill>
                   </a14:hiddenFill>
                 </a:ext>
                 <a:ext uri="{91240B29-F687-4f45-9708-019B960494DF}">
-                  <a14:hiddenLine xmlns:a14="http://schemas.microsoft.com/office/drawing/2010/main" xmlns="" w="12700">
+                  <a14:hiddenLine xmlns="" xmlns:a14="http://schemas.microsoft.com/office/drawing/2010/main" w="12700">
                     <a:solidFill>
                       <a:srgbClr val="000000"/>
                     </a:solidFill>
@@ -41582,14 +41227,14 @@
               </a:ln>
               <a:extLst>
                 <a:ext uri="{909E8E84-426E-40dd-AFC4-6F175D3DCCD1}">
-                  <a14:hiddenFill xmlns:a14="http://schemas.microsoft.com/office/drawing/2010/main" xmlns="">
+                  <a14:hiddenFill xmlns="" xmlns:a14="http://schemas.microsoft.com/office/drawing/2010/main">
                     <a:solidFill>
                       <a:srgbClr val="FFFFFF"/>
                     </a:solidFill>
                   </a14:hiddenFill>
                 </a:ext>
                 <a:ext uri="{91240B29-F687-4f45-9708-019B960494DF}">
-                  <a14:hiddenLine xmlns:a14="http://schemas.microsoft.com/office/drawing/2010/main" xmlns="" w="12700">
+                  <a14:hiddenLine xmlns="" xmlns:a14="http://schemas.microsoft.com/office/drawing/2010/main" w="12700">
                     <a:solidFill>
                       <a:srgbClr val="000000"/>
                     </a:solidFill>
@@ -41645,14 +41290,14 @@
               </a:ln>
               <a:extLst>
                 <a:ext uri="{909E8E84-426E-40dd-AFC4-6F175D3DCCD1}">
-                  <a14:hiddenFill xmlns:a14="http://schemas.microsoft.com/office/drawing/2010/main" xmlns="">
+                  <a14:hiddenFill xmlns="" xmlns:a14="http://schemas.microsoft.com/office/drawing/2010/main">
                     <a:solidFill>
                       <a:srgbClr val="FFFFFF"/>
                     </a:solidFill>
                   </a14:hiddenFill>
                 </a:ext>
                 <a:ext uri="{91240B29-F687-4f45-9708-019B960494DF}">
-                  <a14:hiddenLine xmlns:a14="http://schemas.microsoft.com/office/drawing/2010/main" xmlns="" w="12700">
+                  <a14:hiddenLine xmlns="" xmlns:a14="http://schemas.microsoft.com/office/drawing/2010/main" w="12700">
                     <a:solidFill>
                       <a:srgbClr val="000000"/>
                     </a:solidFill>
@@ -41709,14 +41354,14 @@
             </a:ln>
             <a:extLst>
               <a:ext uri="{909E8E84-426E-40dd-AFC4-6F175D3DCCD1}">
-                <a14:hiddenFill xmlns:a14="http://schemas.microsoft.com/office/drawing/2010/main" xmlns="">
+                <a14:hiddenFill xmlns="" xmlns:a14="http://schemas.microsoft.com/office/drawing/2010/main">
                   <a:solidFill>
                     <a:srgbClr val="FFFFFF"/>
                   </a:solidFill>
                 </a14:hiddenFill>
               </a:ext>
               <a:ext uri="{91240B29-F687-4f45-9708-019B960494DF}">
-                <a14:hiddenLine xmlns:a14="http://schemas.microsoft.com/office/drawing/2010/main" xmlns="" w="12700">
+                <a14:hiddenLine xmlns="" xmlns:a14="http://schemas.microsoft.com/office/drawing/2010/main" w="12700">
                   <a:solidFill>
                     <a:srgbClr val="000000"/>
                   </a:solidFill>
@@ -41807,7 +41452,7 @@
               </a:ln>
               <a:extLst>
                 <a:ext uri="{909E8E84-426E-40dd-AFC4-6F175D3DCCD1}">
-                  <a14:hiddenFill xmlns:a14="http://schemas.microsoft.com/office/drawing/2010/main" xmlns="">
+                  <a14:hiddenFill xmlns="" xmlns:a14="http://schemas.microsoft.com/office/drawing/2010/main">
                     <a:noFill/>
                   </a14:hiddenFill>
                 </a:ext>
@@ -41850,7 +41495,7 @@
               </a:ln>
               <a:extLst>
                 <a:ext uri="{909E8E84-426E-40dd-AFC4-6F175D3DCCD1}">
-                  <a14:hiddenFill xmlns:a14="http://schemas.microsoft.com/office/drawing/2010/main" xmlns="">
+                  <a14:hiddenFill xmlns="" xmlns:a14="http://schemas.microsoft.com/office/drawing/2010/main">
                     <a:noFill/>
                   </a14:hiddenFill>
                 </a:ext>
@@ -41966,7 +41611,7 @@
                 </a:ln>
                 <a:extLst>
                   <a:ext uri="{909E8E84-426E-40dd-AFC4-6F175D3DCCD1}">
-                    <a14:hiddenFill xmlns:a14="http://schemas.microsoft.com/office/drawing/2010/main" xmlns="">
+                    <a14:hiddenFill xmlns="" xmlns:a14="http://schemas.microsoft.com/office/drawing/2010/main">
                       <a:solidFill>
                         <a:srgbClr val="FFFFFF"/>
                       </a:solidFill>
@@ -42068,7 +41713,7 @@
                 </a:ln>
                 <a:extLst>
                   <a:ext uri="{909E8E84-426E-40dd-AFC4-6F175D3DCCD1}">
-                    <a14:hiddenFill xmlns:a14="http://schemas.microsoft.com/office/drawing/2010/main" xmlns="">
+                    <a14:hiddenFill xmlns="" xmlns:a14="http://schemas.microsoft.com/office/drawing/2010/main">
                       <a:solidFill>
                         <a:srgbClr val="FFFFFF"/>
                       </a:solidFill>
@@ -42187,7 +41832,7 @@
                 </a:ln>
                 <a:extLst>
                   <a:ext uri="{909E8E84-426E-40dd-AFC4-6F175D3DCCD1}">
-                    <a14:hiddenFill xmlns:a14="http://schemas.microsoft.com/office/drawing/2010/main" xmlns="">
+                    <a14:hiddenFill xmlns="" xmlns:a14="http://schemas.microsoft.com/office/drawing/2010/main">
                       <a:solidFill>
                         <a:srgbClr val="FFFFFF"/>
                       </a:solidFill>
@@ -42299,7 +41944,7 @@
                 </a:ln>
                 <a:extLst>
                   <a:ext uri="{909E8E84-426E-40dd-AFC4-6F175D3DCCD1}">
-                    <a14:hiddenFill xmlns:a14="http://schemas.microsoft.com/office/drawing/2010/main" xmlns="">
+                    <a14:hiddenFill xmlns="" xmlns:a14="http://schemas.microsoft.com/office/drawing/2010/main">
                       <a:solidFill>
                         <a:srgbClr val="FFFFFF"/>
                       </a:solidFill>
@@ -42345,7 +41990,7 @@
               </a:ln>
               <a:extLst>
                 <a:ext uri="{909E8E84-426E-40dd-AFC4-6F175D3DCCD1}">
-                  <a14:hiddenFill xmlns:a14="http://schemas.microsoft.com/office/drawing/2010/main" xmlns="">
+                  <a14:hiddenFill xmlns="" xmlns:a14="http://schemas.microsoft.com/office/drawing/2010/main">
                     <a:noFill/>
                   </a14:hiddenFill>
                 </a:ext>
@@ -42388,7 +42033,7 @@
               </a:ln>
               <a:extLst>
                 <a:ext uri="{909E8E84-426E-40dd-AFC4-6F175D3DCCD1}">
-                  <a14:hiddenFill xmlns:a14="http://schemas.microsoft.com/office/drawing/2010/main" xmlns="">
+                  <a14:hiddenFill xmlns="" xmlns:a14="http://schemas.microsoft.com/office/drawing/2010/main">
                     <a:noFill/>
                   </a14:hiddenFill>
                 </a:ext>
@@ -42431,7 +42076,7 @@
               </a:ln>
               <a:extLst>
                 <a:ext uri="{909E8E84-426E-40dd-AFC4-6F175D3DCCD1}">
-                  <a14:hiddenFill xmlns:a14="http://schemas.microsoft.com/office/drawing/2010/main" xmlns="">
+                  <a14:hiddenFill xmlns="" xmlns:a14="http://schemas.microsoft.com/office/drawing/2010/main">
                     <a:noFill/>
                   </a14:hiddenFill>
                 </a:ext>
@@ -42474,7 +42119,7 @@
               </a:ln>
               <a:extLst>
                 <a:ext uri="{909E8E84-426E-40dd-AFC4-6F175D3DCCD1}">
-                  <a14:hiddenFill xmlns:a14="http://schemas.microsoft.com/office/drawing/2010/main" xmlns="">
+                  <a14:hiddenFill xmlns="" xmlns:a14="http://schemas.microsoft.com/office/drawing/2010/main">
                     <a:noFill/>
                   </a14:hiddenFill>
                 </a:ext>
@@ -42517,7 +42162,7 @@
               </a:ln>
               <a:extLst>
                 <a:ext uri="{909E8E84-426E-40dd-AFC4-6F175D3DCCD1}">
-                  <a14:hiddenFill xmlns:a14="http://schemas.microsoft.com/office/drawing/2010/main" xmlns="">
+                  <a14:hiddenFill xmlns="" xmlns:a14="http://schemas.microsoft.com/office/drawing/2010/main">
                     <a:noFill/>
                   </a14:hiddenFill>
                 </a:ext>
@@ -42560,7 +42205,7 @@
               </a:ln>
               <a:extLst>
                 <a:ext uri="{909E8E84-426E-40dd-AFC4-6F175D3DCCD1}">
-                  <a14:hiddenFill xmlns:a14="http://schemas.microsoft.com/office/drawing/2010/main" xmlns="">
+                  <a14:hiddenFill xmlns="" xmlns:a14="http://schemas.microsoft.com/office/drawing/2010/main">
                     <a:noFill/>
                   </a14:hiddenFill>
                 </a:ext>
@@ -42603,7 +42248,7 @@
               </a:ln>
               <a:extLst>
                 <a:ext uri="{909E8E84-426E-40dd-AFC4-6F175D3DCCD1}">
-                  <a14:hiddenFill xmlns:a14="http://schemas.microsoft.com/office/drawing/2010/main" xmlns="">
+                  <a14:hiddenFill xmlns="" xmlns:a14="http://schemas.microsoft.com/office/drawing/2010/main">
                     <a:noFill/>
                   </a14:hiddenFill>
                 </a:ext>
@@ -42646,7 +42291,7 @@
               </a:ln>
               <a:extLst>
                 <a:ext uri="{909E8E84-426E-40dd-AFC4-6F175D3DCCD1}">
-                  <a14:hiddenFill xmlns:a14="http://schemas.microsoft.com/office/drawing/2010/main" xmlns="">
+                  <a14:hiddenFill xmlns="" xmlns:a14="http://schemas.microsoft.com/office/drawing/2010/main">
                     <a:noFill/>
                   </a14:hiddenFill>
                 </a:ext>
@@ -42689,7 +42334,7 @@
               </a:ln>
               <a:extLst>
                 <a:ext uri="{909E8E84-426E-40dd-AFC4-6F175D3DCCD1}">
-                  <a14:hiddenFill xmlns:a14="http://schemas.microsoft.com/office/drawing/2010/main" xmlns="">
+                  <a14:hiddenFill xmlns="" xmlns:a14="http://schemas.microsoft.com/office/drawing/2010/main">
                     <a:noFill/>
                   </a14:hiddenFill>
                 </a:ext>
@@ -42732,7 +42377,7 @@
               </a:ln>
               <a:extLst>
                 <a:ext uri="{909E8E84-426E-40dd-AFC4-6F175D3DCCD1}">
-                  <a14:hiddenFill xmlns:a14="http://schemas.microsoft.com/office/drawing/2010/main" xmlns="">
+                  <a14:hiddenFill xmlns="" xmlns:a14="http://schemas.microsoft.com/office/drawing/2010/main">
                     <a:noFill/>
                   </a14:hiddenFill>
                 </a:ext>
@@ -42770,14 +42415,14 @@
               </a:ln>
               <a:extLst>
                 <a:ext uri="{909E8E84-426E-40dd-AFC4-6F175D3DCCD1}">
-                  <a14:hiddenFill xmlns:a14="http://schemas.microsoft.com/office/drawing/2010/main" xmlns="">
+                  <a14:hiddenFill xmlns="" xmlns:a14="http://schemas.microsoft.com/office/drawing/2010/main">
                     <a:solidFill>
                       <a:srgbClr val="FFFFFF"/>
                     </a:solidFill>
                   </a14:hiddenFill>
                 </a:ext>
                 <a:ext uri="{91240B29-F687-4f45-9708-019B960494DF}">
-                  <a14:hiddenLine xmlns:a14="http://schemas.microsoft.com/office/drawing/2010/main" xmlns="" w="12700">
+                  <a14:hiddenLine xmlns="" xmlns:a14="http://schemas.microsoft.com/office/drawing/2010/main" w="12700">
                     <a:solidFill>
                       <a:srgbClr val="000000"/>
                     </a:solidFill>
@@ -42888,7 +42533,7 @@
               </a:ln>
               <a:extLst>
                 <a:ext uri="{909E8E84-426E-40dd-AFC4-6F175D3DCCD1}">
-                  <a14:hiddenFill xmlns:a14="http://schemas.microsoft.com/office/drawing/2010/main" xmlns="">
+                  <a14:hiddenFill xmlns="" xmlns:a14="http://schemas.microsoft.com/office/drawing/2010/main">
                     <a:solidFill>
                       <a:srgbClr val="FFFFFF"/>
                     </a:solidFill>
@@ -42933,7 +42578,7 @@
               </a:ln>
               <a:extLst>
                 <a:ext uri="{909E8E84-426E-40dd-AFC4-6F175D3DCCD1}">
-                  <a14:hiddenFill xmlns:a14="http://schemas.microsoft.com/office/drawing/2010/main" xmlns="">
+                  <a14:hiddenFill xmlns="" xmlns:a14="http://schemas.microsoft.com/office/drawing/2010/main">
                     <a:noFill/>
                   </a14:hiddenFill>
                 </a:ext>
@@ -42976,7 +42621,7 @@
               </a:ln>
               <a:extLst>
                 <a:ext uri="{909E8E84-426E-40dd-AFC4-6F175D3DCCD1}">
-                  <a14:hiddenFill xmlns:a14="http://schemas.microsoft.com/office/drawing/2010/main" xmlns="">
+                  <a14:hiddenFill xmlns="" xmlns:a14="http://schemas.microsoft.com/office/drawing/2010/main">
                     <a:noFill/>
                   </a14:hiddenFill>
                 </a:ext>
@@ -43019,7 +42664,7 @@
               </a:ln>
               <a:extLst>
                 <a:ext uri="{909E8E84-426E-40dd-AFC4-6F175D3DCCD1}">
-                  <a14:hiddenFill xmlns:a14="http://schemas.microsoft.com/office/drawing/2010/main" xmlns="">
+                  <a14:hiddenFill xmlns="" xmlns:a14="http://schemas.microsoft.com/office/drawing/2010/main">
                     <a:noFill/>
                   </a14:hiddenFill>
                 </a:ext>
@@ -43062,7 +42707,7 @@
               </a:ln>
               <a:extLst>
                 <a:ext uri="{909E8E84-426E-40dd-AFC4-6F175D3DCCD1}">
-                  <a14:hiddenFill xmlns:a14="http://schemas.microsoft.com/office/drawing/2010/main" xmlns="">
+                  <a14:hiddenFill xmlns="" xmlns:a14="http://schemas.microsoft.com/office/drawing/2010/main">
                     <a:noFill/>
                   </a14:hiddenFill>
                 </a:ext>
@@ -43105,7 +42750,7 @@
               </a:ln>
               <a:extLst>
                 <a:ext uri="{909E8E84-426E-40dd-AFC4-6F175D3DCCD1}">
-                  <a14:hiddenFill xmlns:a14="http://schemas.microsoft.com/office/drawing/2010/main" xmlns="">
+                  <a14:hiddenFill xmlns="" xmlns:a14="http://schemas.microsoft.com/office/drawing/2010/main">
                     <a:noFill/>
                   </a14:hiddenFill>
                 </a:ext>
@@ -43148,7 +42793,7 @@
               </a:ln>
               <a:extLst>
                 <a:ext uri="{909E8E84-426E-40dd-AFC4-6F175D3DCCD1}">
-                  <a14:hiddenFill xmlns:a14="http://schemas.microsoft.com/office/drawing/2010/main" xmlns="">
+                  <a14:hiddenFill xmlns="" xmlns:a14="http://schemas.microsoft.com/office/drawing/2010/main">
                     <a:noFill/>
                   </a14:hiddenFill>
                 </a:ext>
@@ -43191,7 +42836,7 @@
               </a:ln>
               <a:extLst>
                 <a:ext uri="{909E8E84-426E-40dd-AFC4-6F175D3DCCD1}">
-                  <a14:hiddenFill xmlns:a14="http://schemas.microsoft.com/office/drawing/2010/main" xmlns="">
+                  <a14:hiddenFill xmlns="" xmlns:a14="http://schemas.microsoft.com/office/drawing/2010/main">
                     <a:noFill/>
                   </a14:hiddenFill>
                 </a:ext>
@@ -43234,7 +42879,7 @@
               </a:ln>
               <a:extLst>
                 <a:ext uri="{909E8E84-426E-40dd-AFC4-6F175D3DCCD1}">
-                  <a14:hiddenFill xmlns:a14="http://schemas.microsoft.com/office/drawing/2010/main" xmlns="">
+                  <a14:hiddenFill xmlns="" xmlns:a14="http://schemas.microsoft.com/office/drawing/2010/main">
                     <a:noFill/>
                   </a14:hiddenFill>
                 </a:ext>
@@ -43272,14 +42917,14 @@
               </a:ln>
               <a:extLst>
                 <a:ext uri="{909E8E84-426E-40dd-AFC4-6F175D3DCCD1}">
-                  <a14:hiddenFill xmlns:a14="http://schemas.microsoft.com/office/drawing/2010/main" xmlns="">
+                  <a14:hiddenFill xmlns="" xmlns:a14="http://schemas.microsoft.com/office/drawing/2010/main">
                     <a:solidFill>
                       <a:srgbClr val="FFFFFF"/>
                     </a:solidFill>
                   </a14:hiddenFill>
                 </a:ext>
                 <a:ext uri="{91240B29-F687-4f45-9708-019B960494DF}">
-                  <a14:hiddenLine xmlns:a14="http://schemas.microsoft.com/office/drawing/2010/main" xmlns="" w="12700">
+                  <a14:hiddenLine xmlns="" xmlns:a14="http://schemas.microsoft.com/office/drawing/2010/main" w="12700">
                     <a:solidFill>
                       <a:srgbClr val="000000"/>
                     </a:solidFill>
@@ -43335,14 +42980,14 @@
               </a:ln>
               <a:extLst>
                 <a:ext uri="{909E8E84-426E-40dd-AFC4-6F175D3DCCD1}">
-                  <a14:hiddenFill xmlns:a14="http://schemas.microsoft.com/office/drawing/2010/main" xmlns="">
+                  <a14:hiddenFill xmlns="" xmlns:a14="http://schemas.microsoft.com/office/drawing/2010/main">
                     <a:solidFill>
                       <a:srgbClr val="FFFFFF"/>
                     </a:solidFill>
                   </a14:hiddenFill>
                 </a:ext>
                 <a:ext uri="{91240B29-F687-4f45-9708-019B960494DF}">
-                  <a14:hiddenLine xmlns:a14="http://schemas.microsoft.com/office/drawing/2010/main" xmlns="" w="12700">
+                  <a14:hiddenLine xmlns="" xmlns:a14="http://schemas.microsoft.com/office/drawing/2010/main" w="12700">
                     <a:solidFill>
                       <a:srgbClr val="000000"/>
                     </a:solidFill>
@@ -43398,14 +43043,14 @@
               </a:ln>
               <a:extLst>
                 <a:ext uri="{909E8E84-426E-40dd-AFC4-6F175D3DCCD1}">
-                  <a14:hiddenFill xmlns:a14="http://schemas.microsoft.com/office/drawing/2010/main" xmlns="">
+                  <a14:hiddenFill xmlns="" xmlns:a14="http://schemas.microsoft.com/office/drawing/2010/main">
                     <a:solidFill>
                       <a:srgbClr val="FFFFFF"/>
                     </a:solidFill>
                   </a14:hiddenFill>
                 </a:ext>
                 <a:ext uri="{91240B29-F687-4f45-9708-019B960494DF}">
-                  <a14:hiddenLine xmlns:a14="http://schemas.microsoft.com/office/drawing/2010/main" xmlns="" w="12700">
+                  <a14:hiddenLine xmlns="" xmlns:a14="http://schemas.microsoft.com/office/drawing/2010/main" w="12700">
                     <a:solidFill>
                       <a:srgbClr val="000000"/>
                     </a:solidFill>
@@ -43461,14 +43106,14 @@
               </a:ln>
               <a:extLst>
                 <a:ext uri="{909E8E84-426E-40dd-AFC4-6F175D3DCCD1}">
-                  <a14:hiddenFill xmlns:a14="http://schemas.microsoft.com/office/drawing/2010/main" xmlns="">
+                  <a14:hiddenFill xmlns="" xmlns:a14="http://schemas.microsoft.com/office/drawing/2010/main">
                     <a:solidFill>
                       <a:srgbClr val="FFFFFF"/>
                     </a:solidFill>
                   </a14:hiddenFill>
                 </a:ext>
                 <a:ext uri="{91240B29-F687-4f45-9708-019B960494DF}">
-                  <a14:hiddenLine xmlns:a14="http://schemas.microsoft.com/office/drawing/2010/main" xmlns="" w="12700">
+                  <a14:hiddenLine xmlns="" xmlns:a14="http://schemas.microsoft.com/office/drawing/2010/main" w="12700">
                     <a:solidFill>
                       <a:srgbClr val="000000"/>
                     </a:solidFill>
@@ -43524,14 +43169,14 @@
               </a:ln>
               <a:extLst>
                 <a:ext uri="{909E8E84-426E-40dd-AFC4-6F175D3DCCD1}">
-                  <a14:hiddenFill xmlns:a14="http://schemas.microsoft.com/office/drawing/2010/main" xmlns="">
+                  <a14:hiddenFill xmlns="" xmlns:a14="http://schemas.microsoft.com/office/drawing/2010/main">
                     <a:solidFill>
                       <a:srgbClr val="FFFFFF"/>
                     </a:solidFill>
                   </a14:hiddenFill>
                 </a:ext>
                 <a:ext uri="{91240B29-F687-4f45-9708-019B960494DF}">
-                  <a14:hiddenLine xmlns:a14="http://schemas.microsoft.com/office/drawing/2010/main" xmlns="" w="12700">
+                  <a14:hiddenLine xmlns="" xmlns:a14="http://schemas.microsoft.com/office/drawing/2010/main" w="12700">
                     <a:solidFill>
                       <a:srgbClr val="000000"/>
                     </a:solidFill>
@@ -43587,14 +43232,14 @@
               </a:ln>
               <a:extLst>
                 <a:ext uri="{909E8E84-426E-40dd-AFC4-6F175D3DCCD1}">
-                  <a14:hiddenFill xmlns:a14="http://schemas.microsoft.com/office/drawing/2010/main" xmlns="">
+                  <a14:hiddenFill xmlns="" xmlns:a14="http://schemas.microsoft.com/office/drawing/2010/main">
                     <a:solidFill>
                       <a:srgbClr val="FFFFFF"/>
                     </a:solidFill>
                   </a14:hiddenFill>
                 </a:ext>
                 <a:ext uri="{91240B29-F687-4f45-9708-019B960494DF}">
-                  <a14:hiddenLine xmlns:a14="http://schemas.microsoft.com/office/drawing/2010/main" xmlns="" w="12700">
+                  <a14:hiddenLine xmlns="" xmlns:a14="http://schemas.microsoft.com/office/drawing/2010/main" w="12700">
                     <a:solidFill>
                       <a:srgbClr val="000000"/>
                     </a:solidFill>
@@ -43650,14 +43295,14 @@
               </a:ln>
               <a:extLst>
                 <a:ext uri="{909E8E84-426E-40dd-AFC4-6F175D3DCCD1}">
-                  <a14:hiddenFill xmlns:a14="http://schemas.microsoft.com/office/drawing/2010/main" xmlns="">
+                  <a14:hiddenFill xmlns="" xmlns:a14="http://schemas.microsoft.com/office/drawing/2010/main">
                     <a:solidFill>
                       <a:srgbClr val="FFFFFF"/>
                     </a:solidFill>
                   </a14:hiddenFill>
                 </a:ext>
                 <a:ext uri="{91240B29-F687-4f45-9708-019B960494DF}">
-                  <a14:hiddenLine xmlns:a14="http://schemas.microsoft.com/office/drawing/2010/main" xmlns="" w="12700">
+                  <a14:hiddenLine xmlns="" xmlns:a14="http://schemas.microsoft.com/office/drawing/2010/main" w="12700">
                     <a:solidFill>
                       <a:srgbClr val="000000"/>
                     </a:solidFill>
@@ -43713,14 +43358,14 @@
               </a:ln>
               <a:extLst>
                 <a:ext uri="{909E8E84-426E-40dd-AFC4-6F175D3DCCD1}">
-                  <a14:hiddenFill xmlns:a14="http://schemas.microsoft.com/office/drawing/2010/main" xmlns="">
+                  <a14:hiddenFill xmlns="" xmlns:a14="http://schemas.microsoft.com/office/drawing/2010/main">
                     <a:solidFill>
                       <a:srgbClr val="FFFFFF"/>
                     </a:solidFill>
                   </a14:hiddenFill>
                 </a:ext>
                 <a:ext uri="{91240B29-F687-4f45-9708-019B960494DF}">
-                  <a14:hiddenLine xmlns:a14="http://schemas.microsoft.com/office/drawing/2010/main" xmlns="" w="12700">
+                  <a14:hiddenLine xmlns="" xmlns:a14="http://schemas.microsoft.com/office/drawing/2010/main" w="12700">
                     <a:solidFill>
                       <a:srgbClr val="000000"/>
                     </a:solidFill>
@@ -43776,14 +43421,14 @@
               </a:ln>
               <a:extLst>
                 <a:ext uri="{909E8E84-426E-40dd-AFC4-6F175D3DCCD1}">
-                  <a14:hiddenFill xmlns:a14="http://schemas.microsoft.com/office/drawing/2010/main" xmlns="">
+                  <a14:hiddenFill xmlns="" xmlns:a14="http://schemas.microsoft.com/office/drawing/2010/main">
                     <a:solidFill>
                       <a:srgbClr val="FFFFFF"/>
                     </a:solidFill>
                   </a14:hiddenFill>
                 </a:ext>
                 <a:ext uri="{91240B29-F687-4f45-9708-019B960494DF}">
-                  <a14:hiddenLine xmlns:a14="http://schemas.microsoft.com/office/drawing/2010/main" xmlns="" w="12700">
+                  <a14:hiddenLine xmlns="" xmlns:a14="http://schemas.microsoft.com/office/drawing/2010/main" w="12700">
                     <a:solidFill>
                       <a:srgbClr val="000000"/>
                     </a:solidFill>
@@ -43840,14 +43485,14 @@
             </a:ln>
             <a:extLst>
               <a:ext uri="{909E8E84-426E-40dd-AFC4-6F175D3DCCD1}">
-                <a14:hiddenFill xmlns:a14="http://schemas.microsoft.com/office/drawing/2010/main" xmlns="">
+                <a14:hiddenFill xmlns="" xmlns:a14="http://schemas.microsoft.com/office/drawing/2010/main">
                   <a:solidFill>
                     <a:srgbClr val="FFFFFF"/>
                   </a:solidFill>
                 </a14:hiddenFill>
               </a:ext>
               <a:ext uri="{91240B29-F687-4f45-9708-019B960494DF}">
-                <a14:hiddenLine xmlns:a14="http://schemas.microsoft.com/office/drawing/2010/main" xmlns="" w="12700">
+                <a14:hiddenLine xmlns="" xmlns:a14="http://schemas.microsoft.com/office/drawing/2010/main" w="12700">
                   <a:solidFill>
                     <a:srgbClr val="000000"/>
                   </a:solidFill>
@@ -43901,14 +43546,14 @@
           </a:ln>
           <a:extLst>
             <a:ext uri="{909E8E84-426E-40dd-AFC4-6F175D3DCCD1}">
-              <a14:hiddenFill xmlns:a14="http://schemas.microsoft.com/office/drawing/2010/main" xmlns="">
+              <a14:hiddenFill xmlns="" xmlns:a14="http://schemas.microsoft.com/office/drawing/2010/main">
                 <a:solidFill>
                   <a:srgbClr val="FFFFFF"/>
                 </a:solidFill>
               </a14:hiddenFill>
             </a:ext>
             <a:ext uri="{91240B29-F687-4f45-9708-019B960494DF}">
-              <a14:hiddenLine xmlns:a14="http://schemas.microsoft.com/office/drawing/2010/main" xmlns="" w="9525">
+              <a14:hiddenLine xmlns="" xmlns:a14="http://schemas.microsoft.com/office/drawing/2010/main" w="9525">
                 <a:solidFill>
                   <a:srgbClr val="000000"/>
                 </a:solidFill>
@@ -44045,67 +43690,7 @@
                 <a:latin typeface="Comic Sans MS"/>
                 <a:cs typeface="Comic Sans MS"/>
               </a:rPr>
-              <a:t>Is there </a:t>
-            </a:r>
-            <a:r>
-              <a:rPr lang="en-US" sz="1800" b="0" i="1" dirty="0" smtClean="0">
-                <a:solidFill>
-                  <a:srgbClr val="3366FF"/>
-                </a:solidFill>
-                <a:latin typeface="Comic Sans MS"/>
-                <a:cs typeface="Comic Sans MS"/>
-              </a:rPr>
-              <a:t>an alternative to infinitely many</a:t>
-            </a:r>
-            <a:r>
-              <a:rPr lang="en-US" sz="1800" b="0" i="1" dirty="0">
-                <a:solidFill>
-                  <a:srgbClr val="3366FF"/>
-                </a:solidFill>
-                <a:latin typeface="Comic Sans MS"/>
-                <a:cs typeface="Comic Sans MS"/>
-              </a:rPr>
-              <a:t> </a:t>
-            </a:r>
-            <a:r>
-              <a:rPr lang="en-US" sz="1800" b="0" i="1" dirty="0" smtClean="0">
-                <a:solidFill>
-                  <a:srgbClr val="3366FF"/>
-                </a:solidFill>
-                <a:latin typeface="Comic Sans MS"/>
-                <a:cs typeface="Comic Sans MS"/>
-              </a:rPr>
-              <a:t>ad</a:t>
-            </a:r>
-            <a:r>
-              <a:rPr lang="en-US" sz="1800" b="0" i="1" dirty="0">
-                <a:solidFill>
-                  <a:srgbClr val="3366FF"/>
-                </a:solidFill>
-                <a:latin typeface="Comic Sans MS"/>
-                <a:cs typeface="Comic Sans MS"/>
-              </a:rPr>
-              <a:t>-</a:t>
-            </a:r>
-            <a:r>
-              <a:rPr lang="en-US" sz="1800" b="0" i="1" dirty="0" smtClean="0">
-                <a:solidFill>
-                  <a:srgbClr val="3366FF"/>
-                </a:solidFill>
-                <a:latin typeface="Comic Sans MS"/>
-                <a:cs typeface="Comic Sans MS"/>
-              </a:rPr>
-              <a:t>hoc Turing </a:t>
-            </a:r>
-            <a:r>
-              <a:rPr lang="en-US" sz="1800" b="0" i="1" dirty="0">
-                <a:solidFill>
-                  <a:srgbClr val="3366FF"/>
-                </a:solidFill>
-                <a:latin typeface="Comic Sans MS"/>
-                <a:cs typeface="Comic Sans MS"/>
-              </a:rPr>
-              <a:t>Machines?</a:t>
+              <a:t>Is there an alternative to infinitely many ad-hoc Turing Machines?</a:t>
             </a:r>
           </a:p>
           <a:p>
@@ -44141,14 +43726,14 @@
           </a:ln>
           <a:extLst>
             <a:ext uri="{909E8E84-426E-40dd-AFC4-6F175D3DCCD1}">
-              <a14:hiddenFill xmlns:a14="http://schemas.microsoft.com/office/drawing/2010/main" xmlns="">
+              <a14:hiddenFill xmlns="" xmlns:a14="http://schemas.microsoft.com/office/drawing/2010/main">
                 <a:solidFill>
                   <a:srgbClr val="FFFFFF"/>
                 </a:solidFill>
               </a14:hiddenFill>
             </a:ext>
             <a:ext uri="{91240B29-F687-4f45-9708-019B960494DF}">
-              <a14:hiddenLine xmlns:a14="http://schemas.microsoft.com/office/drawing/2010/main" xmlns="" w="9525">
+              <a14:hiddenLine xmlns="" xmlns:a14="http://schemas.microsoft.com/office/drawing/2010/main" w="9525">
                 <a:solidFill>
                   <a:srgbClr val="000000"/>
                 </a:solidFill>
@@ -45911,14 +45496,14 @@
           </a:ln>
           <a:extLst>
             <a:ext uri="{909E8E84-426E-40dd-AFC4-6F175D3DCCD1}">
-              <a14:hiddenFill xmlns:a14="http://schemas.microsoft.com/office/drawing/2010/main" xmlns="">
+              <a14:hiddenFill xmlns="" xmlns:a14="http://schemas.microsoft.com/office/drawing/2010/main">
                 <a:solidFill>
                   <a:srgbClr val="FFFFFF"/>
                 </a:solidFill>
               </a14:hiddenFill>
             </a:ext>
             <a:ext uri="{91240B29-F687-4f45-9708-019B960494DF}">
-              <a14:hiddenLine xmlns:a14="http://schemas.microsoft.com/office/drawing/2010/main" xmlns="" w="9525">
+              <a14:hiddenLine xmlns="" xmlns:a14="http://schemas.microsoft.com/office/drawing/2010/main" w="9525">
                 <a:solidFill>
                   <a:srgbClr val="000000"/>
                 </a:solidFill>
@@ -46103,14 +45688,14 @@
             </a:ln>
             <a:extLst>
               <a:ext uri="{909E8E84-426E-40dd-AFC4-6F175D3DCCD1}">
-                <a14:hiddenFill xmlns:a14="http://schemas.microsoft.com/office/drawing/2010/main" xmlns="">
+                <a14:hiddenFill xmlns="" xmlns:a14="http://schemas.microsoft.com/office/drawing/2010/main">
                   <a:solidFill>
                     <a:srgbClr val="FFFFFF"/>
                   </a:solidFill>
                 </a14:hiddenFill>
               </a:ext>
               <a:ext uri="{91240B29-F687-4f45-9708-019B960494DF}">
-                <a14:hiddenLine xmlns:a14="http://schemas.microsoft.com/office/drawing/2010/main" xmlns="" w="9525">
+                <a14:hiddenLine xmlns="" xmlns:a14="http://schemas.microsoft.com/office/drawing/2010/main" w="9525">
                   <a:solidFill>
                     <a:srgbClr val="000000"/>
                   </a:solidFill>
@@ -46336,14 +45921,14 @@
               </a:ln>
               <a:extLst>
                 <a:ext uri="{909E8E84-426E-40dd-AFC4-6F175D3DCCD1}">
-                  <a14:hiddenFill xmlns:a14="http://schemas.microsoft.com/office/drawing/2010/main" xmlns="">
+                  <a14:hiddenFill xmlns="" xmlns:a14="http://schemas.microsoft.com/office/drawing/2010/main">
                     <a:solidFill>
                       <a:srgbClr val="FFFFFF"/>
                     </a:solidFill>
                   </a14:hiddenFill>
                 </a:ext>
                 <a:ext uri="{91240B29-F687-4f45-9708-019B960494DF}">
-                  <a14:hiddenLine xmlns:a14="http://schemas.microsoft.com/office/drawing/2010/main" xmlns="" w="9525">
+                  <a14:hiddenLine xmlns="" xmlns:a14="http://schemas.microsoft.com/office/drawing/2010/main" w="9525">
                     <a:solidFill>
                       <a:srgbClr val="000000"/>
                     </a:solidFill>
@@ -46510,7 +46095,7 @@
               </a:ln>
               <a:extLst>
                 <a:ext uri="{909E8E84-426E-40dd-AFC4-6F175D3DCCD1}">
-                  <a14:hiddenFill xmlns:a14="http://schemas.microsoft.com/office/drawing/2010/main" xmlns="">
+                  <a14:hiddenFill xmlns="" xmlns:a14="http://schemas.microsoft.com/office/drawing/2010/main">
                     <a:noFill/>
                   </a14:hiddenFill>
                 </a:ext>
@@ -46548,14 +46133,14 @@
               </a:ln>
               <a:extLst>
                 <a:ext uri="{909E8E84-426E-40dd-AFC4-6F175D3DCCD1}">
-                  <a14:hiddenFill xmlns:a14="http://schemas.microsoft.com/office/drawing/2010/main" xmlns="">
+                  <a14:hiddenFill xmlns="" xmlns:a14="http://schemas.microsoft.com/office/drawing/2010/main">
                     <a:solidFill>
                       <a:srgbClr val="FFFFFF"/>
                     </a:solidFill>
                   </a14:hiddenFill>
                 </a:ext>
                 <a:ext uri="{91240B29-F687-4f45-9708-019B960494DF}">
-                  <a14:hiddenLine xmlns:a14="http://schemas.microsoft.com/office/drawing/2010/main" xmlns="" w="9525">
+                  <a14:hiddenLine xmlns="" xmlns:a14="http://schemas.microsoft.com/office/drawing/2010/main" w="9525">
                     <a:solidFill>
                       <a:srgbClr val="000000"/>
                     </a:solidFill>
@@ -46716,7 +46301,7 @@
               </a:ln>
               <a:extLst>
                 <a:ext uri="{909E8E84-426E-40dd-AFC4-6F175D3DCCD1}">
-                  <a14:hiddenFill xmlns:a14="http://schemas.microsoft.com/office/drawing/2010/main" xmlns="">
+                  <a14:hiddenFill xmlns="" xmlns:a14="http://schemas.microsoft.com/office/drawing/2010/main">
                     <a:noFill/>
                   </a14:hiddenFill>
                 </a:ext>
@@ -46754,14 +46339,14 @@
               </a:ln>
               <a:extLst>
                 <a:ext uri="{909E8E84-426E-40dd-AFC4-6F175D3DCCD1}">
-                  <a14:hiddenFill xmlns:a14="http://schemas.microsoft.com/office/drawing/2010/main" xmlns="">
+                  <a14:hiddenFill xmlns="" xmlns:a14="http://schemas.microsoft.com/office/drawing/2010/main">
                     <a:solidFill>
                       <a:srgbClr val="FFFFFF"/>
                     </a:solidFill>
                   </a14:hiddenFill>
                 </a:ext>
                 <a:ext uri="{91240B29-F687-4f45-9708-019B960494DF}">
-                  <a14:hiddenLine xmlns:a14="http://schemas.microsoft.com/office/drawing/2010/main" xmlns="" w="9525">
+                  <a14:hiddenLine xmlns="" xmlns:a14="http://schemas.microsoft.com/office/drawing/2010/main" w="9525">
                     <a:solidFill>
                       <a:srgbClr val="000000"/>
                     </a:solidFill>
@@ -46922,7 +46507,7 @@
               </a:ln>
               <a:extLst>
                 <a:ext uri="{909E8E84-426E-40dd-AFC4-6F175D3DCCD1}">
-                  <a14:hiddenFill xmlns:a14="http://schemas.microsoft.com/office/drawing/2010/main" xmlns="">
+                  <a14:hiddenFill xmlns="" xmlns:a14="http://schemas.microsoft.com/office/drawing/2010/main">
                     <a:noFill/>
                   </a14:hiddenFill>
                 </a:ext>
@@ -46960,14 +46545,14 @@
               </a:ln>
               <a:extLst>
                 <a:ext uri="{909E8E84-426E-40dd-AFC4-6F175D3DCCD1}">
-                  <a14:hiddenFill xmlns:a14="http://schemas.microsoft.com/office/drawing/2010/main" xmlns="">
+                  <a14:hiddenFill xmlns="" xmlns:a14="http://schemas.microsoft.com/office/drawing/2010/main">
                     <a:solidFill>
                       <a:srgbClr val="FFFFFF"/>
                     </a:solidFill>
                   </a14:hiddenFill>
                 </a:ext>
                 <a:ext uri="{91240B29-F687-4f45-9708-019B960494DF}">
-                  <a14:hiddenLine xmlns:a14="http://schemas.microsoft.com/office/drawing/2010/main" xmlns="" w="9525">
+                  <a14:hiddenLine xmlns="" xmlns:a14="http://schemas.microsoft.com/office/drawing/2010/main" w="9525">
                     <a:solidFill>
                       <a:srgbClr val="000000"/>
                     </a:solidFill>
@@ -47135,14 +46720,14 @@
             </a:ln>
             <a:extLst>
               <a:ext uri="{909E8E84-426E-40dd-AFC4-6F175D3DCCD1}">
-                <a14:hiddenFill xmlns:a14="http://schemas.microsoft.com/office/drawing/2010/main" xmlns="">
+                <a14:hiddenFill xmlns="" xmlns:a14="http://schemas.microsoft.com/office/drawing/2010/main">
                   <a:solidFill>
                     <a:srgbClr val="FFFFFF"/>
                   </a:solidFill>
                 </a14:hiddenFill>
               </a:ext>
               <a:ext uri="{91240B29-F687-4f45-9708-019B960494DF}">
-                <a14:hiddenLine xmlns:a14="http://schemas.microsoft.com/office/drawing/2010/main" xmlns="" w="9525">
+                <a14:hiddenLine xmlns="" xmlns:a14="http://schemas.microsoft.com/office/drawing/2010/main" w="9525">
                   <a:solidFill>
                     <a:srgbClr val="000000"/>
                   </a:solidFill>
@@ -47327,14 +46912,14 @@
           </a:ln>
           <a:extLst>
             <a:ext uri="{909E8E84-426E-40dd-AFC4-6F175D3DCCD1}">
-              <a14:hiddenFill xmlns:a14="http://schemas.microsoft.com/office/drawing/2010/main" xmlns="">
+              <a14:hiddenFill xmlns="" xmlns:a14="http://schemas.microsoft.com/office/drawing/2010/main">
                 <a:solidFill>
                   <a:srgbClr val="FFFFFF"/>
                 </a:solidFill>
               </a14:hiddenFill>
             </a:ext>
             <a:ext uri="{91240B29-F687-4f45-9708-019B960494DF}">
-              <a14:hiddenLine xmlns:a14="http://schemas.microsoft.com/office/drawing/2010/main" xmlns="" w="9525">
+              <a14:hiddenLine xmlns="" xmlns:a14="http://schemas.microsoft.com/office/drawing/2010/main" w="9525">
                 <a:solidFill>
                   <a:srgbClr val="000000"/>
                 </a:solidFill>
@@ -47401,14 +46986,14 @@
           </a:ln>
           <a:extLst>
             <a:ext uri="{909E8E84-426E-40dd-AFC4-6F175D3DCCD1}">
-              <a14:hiddenFill xmlns:a14="http://schemas.microsoft.com/office/drawing/2010/main" xmlns="">
+              <a14:hiddenFill xmlns="" xmlns:a14="http://schemas.microsoft.com/office/drawing/2010/main">
                 <a:solidFill>
                   <a:srgbClr val="FFFFFF"/>
                 </a:solidFill>
               </a14:hiddenFill>
             </a:ext>
             <a:ext uri="{91240B29-F687-4f45-9708-019B960494DF}">
-              <a14:hiddenLine xmlns:a14="http://schemas.microsoft.com/office/drawing/2010/main" xmlns="" w="9525">
+              <a14:hiddenLine xmlns="" xmlns:a14="http://schemas.microsoft.com/office/drawing/2010/main" w="9525">
                 <a:solidFill>
                   <a:srgbClr val="000000"/>
                 </a:solidFill>
@@ -47568,14 +47153,14 @@
           </a:ln>
           <a:extLst>
             <a:ext uri="{909E8E84-426E-40dd-AFC4-6F175D3DCCD1}">
-              <a14:hiddenFill xmlns:a14="http://schemas.microsoft.com/office/drawing/2010/main" xmlns="">
+              <a14:hiddenFill xmlns="" xmlns:a14="http://schemas.microsoft.com/office/drawing/2010/main">
                 <a:solidFill>
                   <a:srgbClr val="FFFFFF"/>
                 </a:solidFill>
               </a14:hiddenFill>
             </a:ext>
             <a:ext uri="{91240B29-F687-4f45-9708-019B960494DF}">
-              <a14:hiddenLine xmlns:a14="http://schemas.microsoft.com/office/drawing/2010/main" xmlns="" w="9525">
+              <a14:hiddenLine xmlns="" xmlns:a14="http://schemas.microsoft.com/office/drawing/2010/main" w="9525">
                 <a:solidFill>
                   <a:srgbClr val="000000"/>
                 </a:solidFill>
@@ -47739,7 +47324,7 @@
           </a:ln>
           <a:extLst>
             <a:ext uri="{909E8E84-426E-40dd-AFC4-6F175D3DCCD1}">
-              <a14:hiddenFill xmlns:a14="http://schemas.microsoft.com/office/drawing/2010/main" xmlns="">
+              <a14:hiddenFill xmlns="" xmlns:a14="http://schemas.microsoft.com/office/drawing/2010/main">
                 <a:noFill/>
               </a14:hiddenFill>
             </a:ext>
@@ -47771,10 +47356,9 @@
           <a:lstStyle/>
           <a:p>
             <a:r>
-              <a:rPr lang="en-US" dirty="0" smtClean="0"/>
+              <a:rPr lang="en-US" dirty="0"/>
               <a:t>The Universal Function</a:t>
             </a:r>
-            <a:endParaRPr lang="en-US" dirty="0"/>
           </a:p>
         </p:txBody>
       </p:sp>
